--- a/Duke IGNITE Workshop.pptx
+++ b/Duke IGNITE Workshop.pptx
@@ -33,16 +33,17 @@
     <p:sldId id="278" r:id="rId28"/>
     <p:sldId id="279" r:id="rId29"/>
     <p:sldId id="280" r:id="rId30"/>
+    <p:sldId id="281" r:id="rId31"/>
   </p:sldIdLst>
   <p:sldSz cy="5143500" cx="9144000"/>
   <p:notesSz cx="6858000" cy="9144000"/>
   <p:embeddedFontLst>
     <p:embeddedFont>
       <p:font typeface="Proxima Nova"/>
-      <p:regular r:id="rId31"/>
-      <p:bold r:id="rId32"/>
-      <p:italic r:id="rId33"/>
-      <p:boldItalic r:id="rId34"/>
+      <p:regular r:id="rId32"/>
+      <p:bold r:id="rId33"/>
+      <p:italic r:id="rId34"/>
+      <p:boldItalic r:id="rId35"/>
     </p:embeddedFont>
   </p:embeddedFontLst>
   <p:defaultTextStyle>
@@ -823,7 +824,7 @@
   <p:cSld>
     <p:spTree>
       <p:nvGrpSpPr>
-        <p:cNvPr id="112" name="Shape 112"/>
+        <p:cNvPr id="113" name="Shape 113"/>
         <p:cNvGrpSpPr/>
         <p:nvPr/>
       </p:nvGrpSpPr>
@@ -837,7 +838,7 @@
       </p:grpSpPr>
       <p:sp>
         <p:nvSpPr>
-          <p:cNvPr id="113" name="Google Shape;113;g22846a190be_0_1:notes"/>
+          <p:cNvPr id="114" name="Google Shape;114;g2289e13736a_2_2:notes"/>
           <p:cNvSpPr/>
           <p:nvPr>
             <p:ph idx="2" type="sldImg"/>
@@ -872,7 +873,7 @@
       </p:sp>
       <p:sp>
         <p:nvSpPr>
-          <p:cNvPr id="114" name="Google Shape;114;g22846a190be_0_1:notes"/>
+          <p:cNvPr id="115" name="Google Shape;115;g2289e13736a_2_2:notes"/>
           <p:cNvSpPr txBox="1"/>
           <p:nvPr>
             <p:ph idx="1" type="body"/>
@@ -936,7 +937,7 @@
       </p:grpSpPr>
       <p:sp>
         <p:nvSpPr>
-          <p:cNvPr id="120" name="Google Shape;120;g22846a190be_0_12:notes"/>
+          <p:cNvPr id="120" name="Google Shape;120;g22846a190be_0_1:notes"/>
           <p:cNvSpPr/>
           <p:nvPr>
             <p:ph idx="2" type="sldImg"/>
@@ -971,7 +972,7 @@
       </p:sp>
       <p:sp>
         <p:nvSpPr>
-          <p:cNvPr id="121" name="Google Shape;121;g22846a190be_0_12:notes"/>
+          <p:cNvPr id="121" name="Google Shape;121;g22846a190be_0_1:notes"/>
           <p:cNvSpPr txBox="1"/>
           <p:nvPr>
             <p:ph idx="1" type="body"/>
@@ -1021,7 +1022,7 @@
   <p:cSld>
     <p:spTree>
       <p:nvGrpSpPr>
-        <p:cNvPr id="124" name="Shape 124"/>
+        <p:cNvPr id="126" name="Shape 126"/>
         <p:cNvGrpSpPr/>
         <p:nvPr/>
       </p:nvGrpSpPr>
@@ -1035,7 +1036,7 @@
       </p:grpSpPr>
       <p:sp>
         <p:nvSpPr>
-          <p:cNvPr id="125" name="Google Shape;125;g22846a190be_0_20:notes"/>
+          <p:cNvPr id="127" name="Google Shape;127;g22846a190be_0_12:notes"/>
           <p:cNvSpPr/>
           <p:nvPr>
             <p:ph idx="2" type="sldImg"/>
@@ -1070,7 +1071,7 @@
       </p:sp>
       <p:sp>
         <p:nvSpPr>
-          <p:cNvPr id="126" name="Google Shape;126;g22846a190be_0_20:notes"/>
+          <p:cNvPr id="128" name="Google Shape;128;g22846a190be_0_12:notes"/>
           <p:cNvSpPr txBox="1"/>
           <p:nvPr>
             <p:ph idx="1" type="body"/>
@@ -1134,7 +1135,7 @@
       </p:grpSpPr>
       <p:sp>
         <p:nvSpPr>
-          <p:cNvPr id="132" name="Google Shape;132;g22846a190be_0_27:notes"/>
+          <p:cNvPr id="132" name="Google Shape;132;g22846a190be_0_20:notes"/>
           <p:cNvSpPr/>
           <p:nvPr>
             <p:ph idx="2" type="sldImg"/>
@@ -1169,7 +1170,7 @@
       </p:sp>
       <p:sp>
         <p:nvSpPr>
-          <p:cNvPr id="133" name="Google Shape;133;g22846a190be_0_27:notes"/>
+          <p:cNvPr id="133" name="Google Shape;133;g22846a190be_0_20:notes"/>
           <p:cNvSpPr txBox="1"/>
           <p:nvPr>
             <p:ph idx="1" type="body"/>
@@ -1233,7 +1234,7 @@
       </p:grpSpPr>
       <p:sp>
         <p:nvSpPr>
-          <p:cNvPr id="139" name="Google Shape;139;g2289e13736a_3_11:notes"/>
+          <p:cNvPr id="139" name="Google Shape;139;g22846a190be_0_27:notes"/>
           <p:cNvSpPr/>
           <p:nvPr>
             <p:ph idx="2" type="sldImg"/>
@@ -1268,7 +1269,7 @@
       </p:sp>
       <p:sp>
         <p:nvSpPr>
-          <p:cNvPr id="140" name="Google Shape;140;g2289e13736a_3_11:notes"/>
+          <p:cNvPr id="140" name="Google Shape;140;g22846a190be_0_27:notes"/>
           <p:cNvSpPr txBox="1"/>
           <p:nvPr>
             <p:ph idx="1" type="body"/>
@@ -1318,7 +1319,7 @@
   <p:cSld>
     <p:spTree>
       <p:nvGrpSpPr>
-        <p:cNvPr id="167" name="Shape 167"/>
+        <p:cNvPr id="145" name="Shape 145"/>
         <p:cNvGrpSpPr/>
         <p:nvPr/>
       </p:nvGrpSpPr>
@@ -1332,7 +1333,7 @@
       </p:grpSpPr>
       <p:sp>
         <p:nvSpPr>
-          <p:cNvPr id="168" name="Google Shape;168;g2289e13736a_0_138:notes"/>
+          <p:cNvPr id="146" name="Google Shape;146;g2289e13736a_3_11:notes"/>
           <p:cNvSpPr/>
           <p:nvPr>
             <p:ph idx="2" type="sldImg"/>
@@ -1367,7 +1368,7 @@
       </p:sp>
       <p:sp>
         <p:nvSpPr>
-          <p:cNvPr id="169" name="Google Shape;169;g2289e13736a_0_138:notes"/>
+          <p:cNvPr id="147" name="Google Shape;147;g2289e13736a_3_11:notes"/>
           <p:cNvSpPr txBox="1"/>
           <p:nvPr>
             <p:ph idx="1" type="body"/>
@@ -1417,7 +1418,7 @@
   <p:cSld>
     <p:spTree>
       <p:nvGrpSpPr>
-        <p:cNvPr id="198" name="Shape 198"/>
+        <p:cNvPr id="174" name="Shape 174"/>
         <p:cNvGrpSpPr/>
         <p:nvPr/>
       </p:nvGrpSpPr>
@@ -1431,7 +1432,7 @@
       </p:grpSpPr>
       <p:sp>
         <p:nvSpPr>
-          <p:cNvPr id="199" name="Google Shape;199;g2289e13736a_0_74:notes"/>
+          <p:cNvPr id="175" name="Google Shape;175;g2289e13736a_0_138:notes"/>
           <p:cNvSpPr/>
           <p:nvPr>
             <p:ph idx="2" type="sldImg"/>
@@ -1466,7 +1467,7 @@
       </p:sp>
       <p:sp>
         <p:nvSpPr>
-          <p:cNvPr id="200" name="Google Shape;200;g2289e13736a_0_74:notes"/>
+          <p:cNvPr id="176" name="Google Shape;176;g2289e13736a_0_138:notes"/>
           <p:cNvSpPr txBox="1"/>
           <p:nvPr>
             <p:ph idx="1" type="body"/>
@@ -1516,7 +1517,7 @@
   <p:cSld>
     <p:spTree>
       <p:nvGrpSpPr>
-        <p:cNvPr id="231" name="Shape 231"/>
+        <p:cNvPr id="205" name="Shape 205"/>
         <p:cNvGrpSpPr/>
         <p:nvPr/>
       </p:nvGrpSpPr>
@@ -1530,7 +1531,7 @@
       </p:grpSpPr>
       <p:sp>
         <p:nvSpPr>
-          <p:cNvPr id="232" name="Google Shape;232;g2289e13736a_0_40:notes"/>
+          <p:cNvPr id="206" name="Google Shape;206;g2289e13736a_0_74:notes"/>
           <p:cNvSpPr/>
           <p:nvPr>
             <p:ph idx="2" type="sldImg"/>
@@ -1565,7 +1566,7 @@
       </p:sp>
       <p:sp>
         <p:nvSpPr>
-          <p:cNvPr id="233" name="Google Shape;233;g2289e13736a_0_40:notes"/>
+          <p:cNvPr id="207" name="Google Shape;207;g2289e13736a_0_74:notes"/>
           <p:cNvSpPr txBox="1"/>
           <p:nvPr>
             <p:ph idx="1" type="body"/>
@@ -1615,7 +1616,7 @@
   <p:cSld>
     <p:spTree>
       <p:nvGrpSpPr>
-        <p:cNvPr id="266" name="Shape 266"/>
+        <p:cNvPr id="238" name="Shape 238"/>
         <p:cNvGrpSpPr/>
         <p:nvPr/>
       </p:nvGrpSpPr>
@@ -1629,7 +1630,7 @@
       </p:grpSpPr>
       <p:sp>
         <p:nvSpPr>
-          <p:cNvPr id="267" name="Google Shape;267;g229ba8b1e1e_0_66:notes"/>
+          <p:cNvPr id="239" name="Google Shape;239;g2289e13736a_0_40:notes"/>
           <p:cNvSpPr/>
           <p:nvPr>
             <p:ph idx="2" type="sldImg"/>
@@ -1664,7 +1665,7 @@
       </p:sp>
       <p:sp>
         <p:nvSpPr>
-          <p:cNvPr id="268" name="Google Shape;268;g229ba8b1e1e_0_66:notes"/>
+          <p:cNvPr id="240" name="Google Shape;240;g2289e13736a_0_40:notes"/>
           <p:cNvSpPr txBox="1"/>
           <p:nvPr>
             <p:ph idx="1" type="body"/>
@@ -1714,7 +1715,7 @@
   <p:cSld>
     <p:spTree>
       <p:nvGrpSpPr>
-        <p:cNvPr id="304" name="Shape 304"/>
+        <p:cNvPr id="273" name="Shape 273"/>
         <p:cNvGrpSpPr/>
         <p:nvPr/>
       </p:nvGrpSpPr>
@@ -1728,7 +1729,7 @@
       </p:grpSpPr>
       <p:sp>
         <p:nvSpPr>
-          <p:cNvPr id="305" name="Google Shape;305;g229ba8b1e1e_0_160:notes"/>
+          <p:cNvPr id="274" name="Google Shape;274;g229ba8b1e1e_0_66:notes"/>
           <p:cNvSpPr/>
           <p:nvPr>
             <p:ph idx="2" type="sldImg"/>
@@ -1763,7 +1764,7 @@
       </p:sp>
       <p:sp>
         <p:nvSpPr>
-          <p:cNvPr id="306" name="Google Shape;306;g229ba8b1e1e_0_160:notes"/>
+          <p:cNvPr id="275" name="Google Shape;275;g229ba8b1e1e_0_66:notes"/>
           <p:cNvSpPr txBox="1"/>
           <p:nvPr>
             <p:ph idx="1" type="body"/>
@@ -1827,7 +1828,7 @@
       </p:grpSpPr>
       <p:sp>
         <p:nvSpPr>
-          <p:cNvPr id="62" name="Google Shape;62;g229ba8b1e1e_0_0:notes"/>
+          <p:cNvPr id="62" name="Google Shape;62;g229e371c274_0_5:notes"/>
           <p:cNvSpPr/>
           <p:nvPr>
             <p:ph idx="2" type="sldImg"/>
@@ -1862,7 +1863,7 @@
       </p:sp>
       <p:sp>
         <p:nvSpPr>
-          <p:cNvPr id="63" name="Google Shape;63;g229ba8b1e1e_0_0:notes"/>
+          <p:cNvPr id="63" name="Google Shape;63;g229e371c274_0_5:notes"/>
           <p:cNvSpPr txBox="1"/>
           <p:nvPr>
             <p:ph idx="1" type="body"/>
@@ -1926,7 +1927,7 @@
       </p:grpSpPr>
       <p:sp>
         <p:nvSpPr>
-          <p:cNvPr id="312" name="Google Shape;312;g22846a190be_0_39:notes"/>
+          <p:cNvPr id="312" name="Google Shape;312;g229ba8b1e1e_0_160:notes"/>
           <p:cNvSpPr/>
           <p:nvPr>
             <p:ph idx="2" type="sldImg"/>
@@ -1961,7 +1962,7 @@
       </p:sp>
       <p:sp>
         <p:nvSpPr>
-          <p:cNvPr id="313" name="Google Shape;313;g22846a190be_0_39:notes"/>
+          <p:cNvPr id="313" name="Google Shape;313;g229ba8b1e1e_0_160:notes"/>
           <p:cNvSpPr txBox="1"/>
           <p:nvPr>
             <p:ph idx="1" type="body"/>
@@ -2025,7 +2026,7 @@
       </p:grpSpPr>
       <p:sp>
         <p:nvSpPr>
-          <p:cNvPr id="319" name="Google Shape;319;g22846a190be_0_51:notes"/>
+          <p:cNvPr id="319" name="Google Shape;319;g22846a190be_0_39:notes"/>
           <p:cNvSpPr/>
           <p:nvPr>
             <p:ph idx="2" type="sldImg"/>
@@ -2060,7 +2061,7 @@
       </p:sp>
       <p:sp>
         <p:nvSpPr>
-          <p:cNvPr id="320" name="Google Shape;320;g22846a190be_0_51:notes"/>
+          <p:cNvPr id="320" name="Google Shape;320;g22846a190be_0_39:notes"/>
           <p:cNvSpPr txBox="1"/>
           <p:nvPr>
             <p:ph idx="1" type="body"/>
@@ -2124,7 +2125,7 @@
       </p:grpSpPr>
       <p:sp>
         <p:nvSpPr>
-          <p:cNvPr id="326" name="Google Shape;326;g22846a190be_0_58:notes"/>
+          <p:cNvPr id="326" name="Google Shape;326;g22846a190be_0_51:notes"/>
           <p:cNvSpPr/>
           <p:nvPr>
             <p:ph idx="2" type="sldImg"/>
@@ -2159,7 +2160,7 @@
       </p:sp>
       <p:sp>
         <p:nvSpPr>
-          <p:cNvPr id="327" name="Google Shape;327;g22846a190be_0_58:notes"/>
+          <p:cNvPr id="327" name="Google Shape;327;g22846a190be_0_51:notes"/>
           <p:cNvSpPr txBox="1"/>
           <p:nvPr>
             <p:ph idx="1" type="body"/>
@@ -2209,7 +2210,7 @@
   <p:cSld>
     <p:spTree>
       <p:nvGrpSpPr>
-        <p:cNvPr id="331" name="Shape 331"/>
+        <p:cNvPr id="332" name="Shape 332"/>
         <p:cNvGrpSpPr/>
         <p:nvPr/>
       </p:nvGrpSpPr>
@@ -2223,7 +2224,7 @@
       </p:grpSpPr>
       <p:sp>
         <p:nvSpPr>
-          <p:cNvPr id="332" name="Google Shape;332;g2289e13736a_3_0:notes"/>
+          <p:cNvPr id="333" name="Google Shape;333;g22846a190be_0_58:notes"/>
           <p:cNvSpPr/>
           <p:nvPr>
             <p:ph idx="2" type="sldImg"/>
@@ -2258,7 +2259,7 @@
       </p:sp>
       <p:sp>
         <p:nvSpPr>
-          <p:cNvPr id="333" name="Google Shape;333;g2289e13736a_3_0:notes"/>
+          <p:cNvPr id="334" name="Google Shape;334;g22846a190be_0_58:notes"/>
           <p:cNvSpPr txBox="1"/>
           <p:nvPr>
             <p:ph idx="1" type="body"/>
@@ -2308,7 +2309,7 @@
   <p:cSld>
     <p:spTree>
       <p:nvGrpSpPr>
-        <p:cNvPr id="339" name="Shape 339"/>
+        <p:cNvPr id="338" name="Shape 338"/>
         <p:cNvGrpSpPr/>
         <p:nvPr/>
       </p:nvGrpSpPr>
@@ -2322,7 +2323,7 @@
       </p:grpSpPr>
       <p:sp>
         <p:nvSpPr>
-          <p:cNvPr id="340" name="Google Shape;340;g229ba8b1e1e_0_103:notes"/>
+          <p:cNvPr id="339" name="Google Shape;339;g2289e13736a_3_0:notes"/>
           <p:cNvSpPr/>
           <p:nvPr>
             <p:ph idx="2" type="sldImg"/>
@@ -2357,7 +2358,7 @@
       </p:sp>
       <p:sp>
         <p:nvSpPr>
-          <p:cNvPr id="341" name="Google Shape;341;g229ba8b1e1e_0_103:notes"/>
+          <p:cNvPr id="340" name="Google Shape;340;g2289e13736a_3_0:notes"/>
           <p:cNvSpPr txBox="1"/>
           <p:nvPr>
             <p:ph idx="1" type="body"/>
@@ -2421,7 +2422,7 @@
       </p:grpSpPr>
       <p:sp>
         <p:nvSpPr>
-          <p:cNvPr id="347" name="Google Shape;347;g22846a190be_0_68:notes"/>
+          <p:cNvPr id="347" name="Google Shape;347;g229ba8b1e1e_0_103:notes"/>
           <p:cNvSpPr/>
           <p:nvPr>
             <p:ph idx="2" type="sldImg"/>
@@ -2456,7 +2457,106 @@
       </p:sp>
       <p:sp>
         <p:nvSpPr>
-          <p:cNvPr id="348" name="Google Shape;348;g22846a190be_0_68:notes"/>
+          <p:cNvPr id="348" name="Google Shape;348;g229ba8b1e1e_0_103:notes"/>
+          <p:cNvSpPr txBox="1"/>
+          <p:nvPr>
+            <p:ph idx="1" type="body"/>
+          </p:nvPr>
+        </p:nvSpPr>
+        <p:spPr>
+          <a:xfrm>
+            <a:off x="685800" y="4343400"/>
+            <a:ext cx="5486400" cy="4114800"/>
+          </a:xfrm>
+          <a:prstGeom prst="rect">
+            <a:avLst/>
+          </a:prstGeom>
+        </p:spPr>
+        <p:txBody>
+          <a:bodyPr anchorCtr="0" anchor="t" bIns="91425" lIns="91425" spcFirstLastPara="1" rIns="91425" wrap="square" tIns="91425">
+            <a:noAutofit/>
+          </a:bodyPr>
+          <a:lstStyle/>
+          <a:p>
+            <a:pPr indent="0" lvl="0" marL="0" rtl="0" algn="l">
+              <a:spcBef>
+                <a:spcPts val="0"/>
+              </a:spcBef>
+              <a:spcAft>
+                <a:spcPts val="0"/>
+              </a:spcAft>
+              <a:buNone/>
+            </a:pPr>
+            <a:r>
+              <a:t/>
+            </a:r>
+            <a:endParaRPr/>
+          </a:p>
+        </p:txBody>
+      </p:sp>
+    </p:spTree>
+  </p:cSld>
+  <p:clrMapOvr>
+    <a:masterClrMapping/>
+  </p:clrMapOvr>
+</p:notes>
+</file>
+
+<file path=ppt/notesSlides/notesSlide26.xml><?xml version="1.0" encoding="utf-8"?>
+<p:notes xmlns:a="http://schemas.openxmlformats.org/drawingml/2006/main" xmlns:r="http://schemas.openxmlformats.org/officeDocument/2006/relationships" xmlns:mc="http://schemas.openxmlformats.org/markup-compatibility/2006" xmlns:mv="urn:schemas-microsoft-com:mac:vml" xmlns:p="http://schemas.openxmlformats.org/presentationml/2006/main" xmlns:c="http://schemas.openxmlformats.org/drawingml/2006/chart" xmlns:dgm="http://schemas.openxmlformats.org/drawingml/2006/diagram" xmlns:o="urn:schemas-microsoft-com:office:office" xmlns:v="urn:schemas-microsoft-com:vml" xmlns:pvml="urn:schemas-microsoft-com:office:powerpoint" xmlns:com="http://schemas.openxmlformats.org/drawingml/2006/compatibility" xmlns:p14="http://schemas.microsoft.com/office/powerpoint/2010/main" xmlns:p15="http://schemas.microsoft.com/office/powerpoint/2012/main" xmlns:ahyp="http://schemas.microsoft.com/office/drawing/2018/hyperlinkcolor" showMasterPhAnim="0" showMasterSp="0">
+  <p:cSld>
+    <p:spTree>
+      <p:nvGrpSpPr>
+        <p:cNvPr id="353" name="Shape 353"/>
+        <p:cNvGrpSpPr/>
+        <p:nvPr/>
+      </p:nvGrpSpPr>
+      <p:grpSpPr>
+        <a:xfrm>
+          <a:off x="0" y="0"/>
+          <a:ext cx="0" cy="0"/>
+          <a:chOff x="0" y="0"/>
+          <a:chExt cx="0" cy="0"/>
+        </a:xfrm>
+      </p:grpSpPr>
+      <p:sp>
+        <p:nvSpPr>
+          <p:cNvPr id="354" name="Google Shape;354;g22846a190be_0_68:notes"/>
+          <p:cNvSpPr/>
+          <p:nvPr>
+            <p:ph idx="2" type="sldImg"/>
+          </p:nvPr>
+        </p:nvSpPr>
+        <p:spPr>
+          <a:xfrm>
+            <a:off x="381300" y="685800"/>
+            <a:ext cx="6096000" cy="3429000"/>
+          </a:xfrm>
+          <a:custGeom>
+            <a:rect b="b" l="l" r="r" t="t"/>
+            <a:pathLst>
+              <a:path extrusionOk="0" h="120000" w="120000">
+                <a:moveTo>
+                  <a:pt x="0" y="0"/>
+                </a:moveTo>
+                <a:lnTo>
+                  <a:pt x="120000" y="0"/>
+                </a:lnTo>
+                <a:lnTo>
+                  <a:pt x="120000" y="120000"/>
+                </a:lnTo>
+                <a:lnTo>
+                  <a:pt x="0" y="120000"/>
+                </a:lnTo>
+                <a:close/>
+              </a:path>
+            </a:pathLst>
+          </a:custGeom>
+        </p:spPr>
+      </p:sp>
+      <p:sp>
+        <p:nvSpPr>
+          <p:cNvPr id="355" name="Google Shape;355;g22846a190be_0_68:notes"/>
           <p:cNvSpPr txBox="1"/>
           <p:nvPr>
             <p:ph idx="1" type="body"/>
@@ -2520,7 +2620,7 @@
       </p:grpSpPr>
       <p:sp>
         <p:nvSpPr>
-          <p:cNvPr id="69" name="Google Shape;69;g229ba8b1e1e_0_6:notes"/>
+          <p:cNvPr id="69" name="Google Shape;69;g229ba8b1e1e_0_0:notes"/>
           <p:cNvSpPr/>
           <p:nvPr>
             <p:ph idx="2" type="sldImg"/>
@@ -2555,7 +2655,7 @@
       </p:sp>
       <p:sp>
         <p:nvSpPr>
-          <p:cNvPr id="70" name="Google Shape;70;g229ba8b1e1e_0_6:notes"/>
+          <p:cNvPr id="70" name="Google Shape;70;g229ba8b1e1e_0_0:notes"/>
           <p:cNvSpPr txBox="1"/>
           <p:nvPr>
             <p:ph idx="1" type="body"/>
@@ -2605,7 +2705,7 @@
   <p:cSld>
     <p:spTree>
       <p:nvGrpSpPr>
-        <p:cNvPr id="74" name="Shape 74"/>
+        <p:cNvPr id="75" name="Shape 75"/>
         <p:cNvGrpSpPr/>
         <p:nvPr/>
       </p:nvGrpSpPr>
@@ -2619,7 +2719,7 @@
       </p:grpSpPr>
       <p:sp>
         <p:nvSpPr>
-          <p:cNvPr id="75" name="Google Shape;75;g229ba8b1e1e_0_11:notes"/>
+          <p:cNvPr id="76" name="Google Shape;76;g229ba8b1e1e_0_6:notes"/>
           <p:cNvSpPr/>
           <p:nvPr>
             <p:ph idx="2" type="sldImg"/>
@@ -2654,7 +2754,7 @@
       </p:sp>
       <p:sp>
         <p:nvSpPr>
-          <p:cNvPr id="76" name="Google Shape;76;g229ba8b1e1e_0_11:notes"/>
+          <p:cNvPr id="77" name="Google Shape;77;g229ba8b1e1e_0_6:notes"/>
           <p:cNvSpPr txBox="1"/>
           <p:nvPr>
             <p:ph idx="1" type="body"/>
@@ -2704,7 +2804,7 @@
   <p:cSld>
     <p:spTree>
       <p:nvGrpSpPr>
-        <p:cNvPr id="80" name="Shape 80"/>
+        <p:cNvPr id="81" name="Shape 81"/>
         <p:cNvGrpSpPr/>
         <p:nvPr/>
       </p:nvGrpSpPr>
@@ -2718,7 +2818,7 @@
       </p:grpSpPr>
       <p:sp>
         <p:nvSpPr>
-          <p:cNvPr id="81" name="Google Shape;81;g229ba8b1e1e_0_177:notes"/>
+          <p:cNvPr id="82" name="Google Shape;82;g229ba8b1e1e_0_11:notes"/>
           <p:cNvSpPr/>
           <p:nvPr>
             <p:ph idx="2" type="sldImg"/>
@@ -2753,7 +2853,7 @@
       </p:sp>
       <p:sp>
         <p:nvSpPr>
-          <p:cNvPr id="82" name="Google Shape;82;g229ba8b1e1e_0_177:notes"/>
+          <p:cNvPr id="83" name="Google Shape;83;g229ba8b1e1e_0_11:notes"/>
           <p:cNvSpPr txBox="1"/>
           <p:nvPr>
             <p:ph idx="1" type="body"/>
@@ -2803,7 +2903,7 @@
   <p:cSld>
     <p:spTree>
       <p:nvGrpSpPr>
-        <p:cNvPr id="86" name="Shape 86"/>
+        <p:cNvPr id="87" name="Shape 87"/>
         <p:cNvGrpSpPr/>
         <p:nvPr/>
       </p:nvGrpSpPr>
@@ -2817,7 +2917,7 @@
       </p:grpSpPr>
       <p:sp>
         <p:nvSpPr>
-          <p:cNvPr id="87" name="Google Shape;87;g2283909f856_0_0:notes"/>
+          <p:cNvPr id="88" name="Google Shape;88;g229ba8b1e1e_0_177:notes"/>
           <p:cNvSpPr/>
           <p:nvPr>
             <p:ph idx="2" type="sldImg"/>
@@ -2852,7 +2952,7 @@
       </p:sp>
       <p:sp>
         <p:nvSpPr>
-          <p:cNvPr id="88" name="Google Shape;88;g2283909f856_0_0:notes"/>
+          <p:cNvPr id="89" name="Google Shape;89;g229ba8b1e1e_0_177:notes"/>
           <p:cNvSpPr txBox="1"/>
           <p:nvPr>
             <p:ph idx="1" type="body"/>
@@ -2916,7 +3016,7 @@
       </p:grpSpPr>
       <p:sp>
         <p:nvSpPr>
-          <p:cNvPr id="94" name="Google Shape;94;g2283909f856_0_19:notes"/>
+          <p:cNvPr id="94" name="Google Shape;94;g2283909f856_0_0:notes"/>
           <p:cNvSpPr/>
           <p:nvPr>
             <p:ph idx="2" type="sldImg"/>
@@ -2951,7 +3051,7 @@
       </p:sp>
       <p:sp>
         <p:nvSpPr>
-          <p:cNvPr id="95" name="Google Shape;95;g2283909f856_0_19:notes"/>
+          <p:cNvPr id="95" name="Google Shape;95;g2283909f856_0_0:notes"/>
           <p:cNvSpPr txBox="1"/>
           <p:nvPr>
             <p:ph idx="1" type="body"/>
@@ -3001,7 +3101,7 @@
   <p:cSld>
     <p:spTree>
       <p:nvGrpSpPr>
-        <p:cNvPr id="98" name="Shape 98"/>
+        <p:cNvPr id="100" name="Shape 100"/>
         <p:cNvGrpSpPr/>
         <p:nvPr/>
       </p:nvGrpSpPr>
@@ -3015,7 +3115,7 @@
       </p:grpSpPr>
       <p:sp>
         <p:nvSpPr>
-          <p:cNvPr id="99" name="Google Shape;99;g2283909f856_0_27:notes"/>
+          <p:cNvPr id="101" name="Google Shape;101;g2283909f856_0_19:notes"/>
           <p:cNvSpPr/>
           <p:nvPr>
             <p:ph idx="2" type="sldImg"/>
@@ -3050,7 +3150,7 @@
       </p:sp>
       <p:sp>
         <p:nvSpPr>
-          <p:cNvPr id="100" name="Google Shape;100;g2283909f856_0_27:notes"/>
+          <p:cNvPr id="102" name="Google Shape;102;g2283909f856_0_19:notes"/>
           <p:cNvSpPr txBox="1"/>
           <p:nvPr>
             <p:ph idx="1" type="body"/>
@@ -3100,7 +3200,7 @@
   <p:cSld>
     <p:spTree>
       <p:nvGrpSpPr>
-        <p:cNvPr id="106" name="Shape 106"/>
+        <p:cNvPr id="105" name="Shape 105"/>
         <p:cNvGrpSpPr/>
         <p:nvPr/>
       </p:nvGrpSpPr>
@@ -3114,7 +3214,7 @@
       </p:grpSpPr>
       <p:sp>
         <p:nvSpPr>
-          <p:cNvPr id="107" name="Google Shape;107;g2289e13736a_2_2:notes"/>
+          <p:cNvPr id="106" name="Google Shape;106;g2283909f856_0_27:notes"/>
           <p:cNvSpPr/>
           <p:nvPr>
             <p:ph idx="2" type="sldImg"/>
@@ -3149,7 +3249,7 @@
       </p:sp>
       <p:sp>
         <p:nvSpPr>
-          <p:cNvPr id="108" name="Google Shape;108;g2289e13736a_2_2:notes"/>
+          <p:cNvPr id="107" name="Google Shape;107;g2283909f856_0_27:notes"/>
           <p:cNvSpPr txBox="1"/>
           <p:nvPr>
             <p:ph idx="1" type="body"/>
@@ -8624,7 +8724,7 @@
   <p:cSld>
     <p:spTree>
       <p:nvGrpSpPr>
-        <p:cNvPr id="115" name="Shape 115"/>
+        <p:cNvPr id="116" name="Shape 116"/>
         <p:cNvGrpSpPr/>
         <p:nvPr/>
       </p:nvGrpSpPr>
@@ -8638,7 +8738,7 @@
       </p:grpSpPr>
       <p:sp>
         <p:nvSpPr>
-          <p:cNvPr id="116" name="Google Shape;116;p22"/>
+          <p:cNvPr id="117" name="Google Shape;117;p22"/>
           <p:cNvSpPr txBox="1"/>
           <p:nvPr>
             <p:ph type="title"/>
@@ -8670,7 +8770,7 @@
             </a:pPr>
             <a:r>
               <a:rPr lang="en"/>
-              <a:t>Updating the Weights</a:t>
+              <a:t>Try This!</a:t>
             </a:r>
             <a:endParaRPr/>
           </a:p>
@@ -8678,7 +8778,7 @@
       </p:sp>
       <p:sp>
         <p:nvSpPr>
-          <p:cNvPr id="117" name="Google Shape;117;p22"/>
+          <p:cNvPr id="118" name="Google Shape;118;p22"/>
           <p:cNvSpPr txBox="1"/>
           <p:nvPr>
             <p:ph idx="1" type="body"/>
@@ -8699,64 +8799,32 @@
           </a:bodyPr>
           <a:lstStyle/>
           <a:p>
-            <a:pPr indent="-342900" lvl="0" marL="457200" rtl="0" algn="l">
-              <a:spcBef>
-                <a:spcPts val="0"/>
-              </a:spcBef>
-              <a:spcAft>
-                <a:spcPts val="0"/>
-              </a:spcAft>
-              <a:buSzPts val="1800"/>
-              <a:buChar char="●"/>
-            </a:pPr>
+            <a:pPr indent="0" lvl="0" marL="0" rtl="0" algn="l">
+              <a:spcBef>
+                <a:spcPts val="0"/>
+              </a:spcBef>
+              <a:spcAft>
+                <a:spcPts val="1200"/>
+              </a:spcAft>
+              <a:buNone/>
+            </a:pPr>
+            <a:r>
+              <a:rPr lang="en" u="sng">
+                <a:solidFill>
+                  <a:schemeClr val="hlink"/>
+                </a:solidFill>
+                <a:hlinkClick r:id="rId3"/>
+              </a:rPr>
+              <a:t>https://uclaacm.github.io/gradient-descent-visualiser/#playground</a:t>
+            </a:r>
             <a:r>
               <a:rPr lang="en"/>
-              <a:t>The process of updating the partial </a:t>
-            </a:r>
-            <a:r>
-              <a:rPr lang="en"/>
-              <a:t>derivatives</a:t>
-            </a:r>
-            <a:r>
-              <a:rPr lang="en"/>
-              <a:t> and updating the weights is called </a:t>
-            </a:r>
-            <a:r>
-              <a:rPr b="1" lang="en"/>
-              <a:t>backpropagation</a:t>
-            </a:r>
-            <a:endParaRPr b="1"/>
-          </a:p>
-        </p:txBody>
-      </p:sp>
-      <p:pic>
-        <p:nvPicPr>
-          <p:cNvPr id="118" name="Google Shape;118;p22"/>
-          <p:cNvPicPr preferRelativeResize="0"/>
-          <p:nvPr/>
-        </p:nvPicPr>
-        <p:blipFill>
-          <a:blip r:embed="rId3">
-            <a:alphaModFix/>
-          </a:blip>
-          <a:stretch>
-            <a:fillRect/>
-          </a:stretch>
-        </p:blipFill>
-        <p:spPr>
-          <a:xfrm>
-            <a:off x="1200150" y="2571750"/>
-            <a:ext cx="6743700" cy="1543050"/>
-          </a:xfrm>
-          <a:prstGeom prst="rect">
-            <a:avLst/>
-          </a:prstGeom>
-          <a:noFill/>
-          <a:ln>
-            <a:noFill/>
-          </a:ln>
-        </p:spPr>
-      </p:pic>
+              <a:t> </a:t>
+            </a:r>
+            <a:endParaRPr/>
+          </a:p>
+        </p:txBody>
+      </p:sp>
     </p:spTree>
   </p:cSld>
   <p:clrMapOvr>
@@ -8792,36 +8860,117 @@
         </p:nvSpPr>
         <p:spPr>
           <a:xfrm>
-            <a:off x="490250" y="526350"/>
-            <a:ext cx="5797500" cy="4090800"/>
+            <a:off x="311700" y="445025"/>
+            <a:ext cx="8520600" cy="572700"/>
           </a:xfrm>
           <a:prstGeom prst="rect">
             <a:avLst/>
           </a:prstGeom>
         </p:spPr>
         <p:txBody>
-          <a:bodyPr anchorCtr="0" anchor="ctr" bIns="91425" lIns="91425" spcFirstLastPara="1" rIns="91425" wrap="square" tIns="91425">
+          <a:bodyPr anchorCtr="0" anchor="t" bIns="91425" lIns="91425" spcFirstLastPara="1" rIns="91425" wrap="square" tIns="91425">
+            <a:normAutofit fontScale="90000"/>
+          </a:bodyPr>
+          <a:lstStyle/>
+          <a:p>
+            <a:pPr indent="0" lvl="0" marL="0" rtl="0" algn="l">
+              <a:spcBef>
+                <a:spcPts val="0"/>
+              </a:spcBef>
+              <a:spcAft>
+                <a:spcPts val="0"/>
+              </a:spcAft>
+              <a:buNone/>
+            </a:pPr>
+            <a:r>
+              <a:rPr lang="en"/>
+              <a:t>Updating the Weights</a:t>
+            </a:r>
+            <a:endParaRPr/>
+          </a:p>
+        </p:txBody>
+      </p:sp>
+      <p:sp>
+        <p:nvSpPr>
+          <p:cNvPr id="124" name="Google Shape;124;p23"/>
+          <p:cNvSpPr txBox="1"/>
+          <p:nvPr>
+            <p:ph idx="1" type="body"/>
+          </p:nvPr>
+        </p:nvSpPr>
+        <p:spPr>
+          <a:xfrm>
+            <a:off x="311700" y="1152475"/>
+            <a:ext cx="8520600" cy="3416400"/>
+          </a:xfrm>
+          <a:prstGeom prst="rect">
+            <a:avLst/>
+          </a:prstGeom>
+        </p:spPr>
+        <p:txBody>
+          <a:bodyPr anchorCtr="0" anchor="t" bIns="91425" lIns="91425" spcFirstLastPara="1" rIns="91425" wrap="square" tIns="91425">
             <a:normAutofit/>
           </a:bodyPr>
           <a:lstStyle/>
           <a:p>
-            <a:pPr indent="0" lvl="0" marL="0" rtl="0" algn="l">
-              <a:spcBef>
-                <a:spcPts val="0"/>
-              </a:spcBef>
-              <a:spcAft>
-                <a:spcPts val="0"/>
-              </a:spcAft>
-              <a:buNone/>
+            <a:pPr indent="-342900" lvl="0" marL="457200" rtl="0" algn="l">
+              <a:spcBef>
+                <a:spcPts val="0"/>
+              </a:spcBef>
+              <a:spcAft>
+                <a:spcPts val="0"/>
+              </a:spcAft>
+              <a:buSzPts val="1800"/>
+              <a:buChar char="●"/>
             </a:pPr>
             <a:r>
               <a:rPr lang="en"/>
-              <a:t>Perceptron</a:t>
-            </a:r>
-            <a:endParaRPr/>
-          </a:p>
-        </p:txBody>
-      </p:sp>
+              <a:t>The process of updating the partial </a:t>
+            </a:r>
+            <a:r>
+              <a:rPr lang="en"/>
+              <a:t>derivatives</a:t>
+            </a:r>
+            <a:r>
+              <a:rPr lang="en"/>
+              <a:t> and updating the weights is called </a:t>
+            </a:r>
+            <a:r>
+              <a:rPr b="1" lang="en"/>
+              <a:t>backpropagation</a:t>
+            </a:r>
+            <a:endParaRPr b="1"/>
+          </a:p>
+        </p:txBody>
+      </p:sp>
+      <p:pic>
+        <p:nvPicPr>
+          <p:cNvPr id="125" name="Google Shape;125;p23"/>
+          <p:cNvPicPr preferRelativeResize="0"/>
+          <p:nvPr/>
+        </p:nvPicPr>
+        <p:blipFill>
+          <a:blip r:embed="rId3">
+            <a:alphaModFix/>
+          </a:blip>
+          <a:stretch>
+            <a:fillRect/>
+          </a:stretch>
+        </p:blipFill>
+        <p:spPr>
+          <a:xfrm>
+            <a:off x="1200150" y="2571750"/>
+            <a:ext cx="6743700" cy="1543050"/>
+          </a:xfrm>
+          <a:prstGeom prst="rect">
+            <a:avLst/>
+          </a:prstGeom>
+          <a:noFill/>
+          <a:ln>
+            <a:noFill/>
+          </a:ln>
+        </p:spPr>
+      </p:pic>
     </p:spTree>
   </p:cSld>
   <p:clrMapOvr>
@@ -8835,7 +8984,7 @@
   <p:cSld>
     <p:spTree>
       <p:nvGrpSpPr>
-        <p:cNvPr id="127" name="Shape 127"/>
+        <p:cNvPr id="129" name="Shape 129"/>
         <p:cNvGrpSpPr/>
         <p:nvPr/>
       </p:nvGrpSpPr>
@@ -8849,7 +8998,7 @@
       </p:grpSpPr>
       <p:sp>
         <p:nvSpPr>
-          <p:cNvPr id="128" name="Google Shape;128;p24"/>
+          <p:cNvPr id="130" name="Google Shape;130;p24"/>
           <p:cNvSpPr txBox="1"/>
           <p:nvPr>
             <p:ph type="title"/>
@@ -8857,16 +9006,16 @@
         </p:nvSpPr>
         <p:spPr>
           <a:xfrm>
-            <a:off x="311700" y="445025"/>
-            <a:ext cx="8520600" cy="572700"/>
+            <a:off x="490250" y="526350"/>
+            <a:ext cx="5797500" cy="4090800"/>
           </a:xfrm>
           <a:prstGeom prst="rect">
             <a:avLst/>
           </a:prstGeom>
         </p:spPr>
         <p:txBody>
-          <a:bodyPr anchorCtr="0" anchor="t" bIns="91425" lIns="91425" spcFirstLastPara="1" rIns="91425" wrap="square" tIns="91425">
-            <a:normAutofit fontScale="90000"/>
+          <a:bodyPr anchorCtr="0" anchor="ctr" bIns="91425" lIns="91425" spcFirstLastPara="1" rIns="91425" wrap="square" tIns="91425">
+            <a:normAutofit/>
           </a:bodyPr>
           <a:lstStyle/>
           <a:p>
@@ -8881,98 +9030,12 @@
             </a:pPr>
             <a:r>
               <a:rPr lang="en"/>
-              <a:t>The Perceptron </a:t>
+              <a:t>Perceptron</a:t>
             </a:r>
             <a:endParaRPr/>
           </a:p>
         </p:txBody>
       </p:sp>
-      <p:sp>
-        <p:nvSpPr>
-          <p:cNvPr id="129" name="Google Shape;129;p24"/>
-          <p:cNvSpPr txBox="1"/>
-          <p:nvPr>
-            <p:ph idx="1" type="body"/>
-          </p:nvPr>
-        </p:nvSpPr>
-        <p:spPr>
-          <a:xfrm>
-            <a:off x="311700" y="1152475"/>
-            <a:ext cx="8520600" cy="3416400"/>
-          </a:xfrm>
-          <a:prstGeom prst="rect">
-            <a:avLst/>
-          </a:prstGeom>
-        </p:spPr>
-        <p:txBody>
-          <a:bodyPr anchorCtr="0" anchor="t" bIns="91425" lIns="91425" spcFirstLastPara="1" rIns="91425" wrap="square" tIns="91425">
-            <a:normAutofit/>
-          </a:bodyPr>
-          <a:lstStyle/>
-          <a:p>
-            <a:pPr indent="-342900" lvl="0" marL="457200" rtl="0" algn="l">
-              <a:spcBef>
-                <a:spcPts val="0"/>
-              </a:spcBef>
-              <a:spcAft>
-                <a:spcPts val="0"/>
-              </a:spcAft>
-              <a:buSzPts val="1800"/>
-              <a:buChar char="●"/>
-            </a:pPr>
-            <a:r>
-              <a:rPr lang="en"/>
-              <a:t>Each input variable is multiplied by a weight and added together with a bias term</a:t>
-            </a:r>
-            <a:endParaRPr/>
-          </a:p>
-          <a:p>
-            <a:pPr indent="-342900" lvl="0" marL="457200" rtl="0" algn="l">
-              <a:spcBef>
-                <a:spcPts val="0"/>
-              </a:spcBef>
-              <a:spcAft>
-                <a:spcPts val="0"/>
-              </a:spcAft>
-              <a:buSzPts val="1800"/>
-              <a:buChar char="●"/>
-            </a:pPr>
-            <a:r>
-              <a:rPr lang="en"/>
-              <a:t>This output value is then put into an activation function </a:t>
-            </a:r>
-            <a:endParaRPr/>
-          </a:p>
-        </p:txBody>
-      </p:sp>
-      <p:pic>
-        <p:nvPicPr>
-          <p:cNvPr id="130" name="Google Shape;130;p24"/>
-          <p:cNvPicPr preferRelativeResize="0"/>
-          <p:nvPr/>
-        </p:nvPicPr>
-        <p:blipFill>
-          <a:blip r:embed="rId3">
-            <a:alphaModFix/>
-          </a:blip>
-          <a:stretch>
-            <a:fillRect/>
-          </a:stretch>
-        </p:blipFill>
-        <p:spPr>
-          <a:xfrm>
-            <a:off x="2230322" y="2571750"/>
-            <a:ext cx="4683343" cy="2345225"/>
-          </a:xfrm>
-          <a:prstGeom prst="rect">
-            <a:avLst/>
-          </a:prstGeom>
-          <a:noFill/>
-          <a:ln>
-            <a:noFill/>
-          </a:ln>
-        </p:spPr>
-      </p:pic>
     </p:spTree>
   </p:cSld>
   <p:clrMapOvr>
@@ -9032,7 +9095,7 @@
             </a:pPr>
             <a:r>
               <a:rPr lang="en"/>
-              <a:t>Activation Function</a:t>
+              <a:t>The Perceptron </a:t>
             </a:r>
             <a:endParaRPr/>
           </a:p>
@@ -9073,7 +9136,7 @@
             </a:pPr>
             <a:r>
               <a:rPr lang="en"/>
-              <a:t>Adds nonlinearity to our output</a:t>
+              <a:t>Each input variable is multiplied by a weight and added together with a bias term</a:t>
             </a:r>
             <a:endParaRPr/>
           </a:p>
@@ -9090,22 +9153,7 @@
             </a:pPr>
             <a:r>
               <a:rPr lang="en"/>
-              <a:t>Without it, adding more layers to a network would mean nothing</a:t>
-            </a:r>
-            <a:endParaRPr/>
-          </a:p>
-          <a:p>
-            <a:pPr indent="0" lvl="0" marL="0" rtl="0" algn="l">
-              <a:spcBef>
-                <a:spcPts val="1200"/>
-              </a:spcBef>
-              <a:spcAft>
-                <a:spcPts val="1200"/>
-              </a:spcAft>
-              <a:buNone/>
-            </a:pPr>
-            <a:r>
-              <a:t/>
+              <a:t>This output value is then put into an activation function </a:t>
             </a:r>
             <a:endParaRPr/>
           </a:p>
@@ -9127,8 +9175,8 @@
         </p:blipFill>
         <p:spPr>
           <a:xfrm>
-            <a:off x="2121109" y="2025000"/>
-            <a:ext cx="4901775" cy="2612525"/>
+            <a:off x="2230322" y="2571750"/>
+            <a:ext cx="4683343" cy="2345225"/>
           </a:xfrm>
           <a:prstGeom prst="rect">
             <a:avLst/>
@@ -9198,7 +9246,7 @@
             </a:pPr>
             <a:r>
               <a:rPr lang="en"/>
-              <a:t>Forward Propagation</a:t>
+              <a:t>Activation Function</a:t>
             </a:r>
             <a:endParaRPr/>
           </a:p>
@@ -9207,431 +9255,94 @@
       <p:sp>
         <p:nvSpPr>
           <p:cNvPr id="143" name="Google Shape;143;p26"/>
-          <p:cNvSpPr/>
+          <p:cNvSpPr txBox="1"/>
+          <p:nvPr>
+            <p:ph idx="1" type="body"/>
+          </p:nvPr>
+        </p:nvSpPr>
+        <p:spPr>
+          <a:xfrm>
+            <a:off x="311700" y="1152475"/>
+            <a:ext cx="8520600" cy="3416400"/>
+          </a:xfrm>
+          <a:prstGeom prst="rect">
+            <a:avLst/>
+          </a:prstGeom>
+        </p:spPr>
+        <p:txBody>
+          <a:bodyPr anchorCtr="0" anchor="t" bIns="91425" lIns="91425" spcFirstLastPara="1" rIns="91425" wrap="square" tIns="91425">
+            <a:normAutofit/>
+          </a:bodyPr>
+          <a:lstStyle/>
+          <a:p>
+            <a:pPr indent="-342900" lvl="0" marL="457200" rtl="0" algn="l">
+              <a:spcBef>
+                <a:spcPts val="0"/>
+              </a:spcBef>
+              <a:spcAft>
+                <a:spcPts val="0"/>
+              </a:spcAft>
+              <a:buSzPts val="1800"/>
+              <a:buChar char="●"/>
+            </a:pPr>
+            <a:r>
+              <a:rPr lang="en"/>
+              <a:t>Adds nonlinearity to our output</a:t>
+            </a:r>
+            <a:endParaRPr/>
+          </a:p>
+          <a:p>
+            <a:pPr indent="-342900" lvl="0" marL="457200" rtl="0" algn="l">
+              <a:spcBef>
+                <a:spcPts val="0"/>
+              </a:spcBef>
+              <a:spcAft>
+                <a:spcPts val="0"/>
+              </a:spcAft>
+              <a:buSzPts val="1800"/>
+              <a:buChar char="●"/>
+            </a:pPr>
+            <a:r>
+              <a:rPr lang="en"/>
+              <a:t>Without it, adding more layers to a network would mean nothing</a:t>
+            </a:r>
+            <a:endParaRPr/>
+          </a:p>
+          <a:p>
+            <a:pPr indent="0" lvl="0" marL="0" rtl="0" algn="l">
+              <a:spcBef>
+                <a:spcPts val="1200"/>
+              </a:spcBef>
+              <a:spcAft>
+                <a:spcPts val="1200"/>
+              </a:spcAft>
+              <a:buNone/>
+            </a:pPr>
+            <a:r>
+              <a:t/>
+            </a:r>
+            <a:endParaRPr/>
+          </a:p>
+        </p:txBody>
+      </p:sp>
+      <p:pic>
+        <p:nvPicPr>
+          <p:cNvPr id="144" name="Google Shape;144;p26"/>
+          <p:cNvPicPr preferRelativeResize="0"/>
           <p:nvPr/>
-        </p:nvSpPr>
-        <p:spPr>
-          <a:xfrm>
-            <a:off x="1306300" y="1959425"/>
-            <a:ext cx="979800" cy="979800"/>
-          </a:xfrm>
-          <a:prstGeom prst="ellipse">
-            <a:avLst/>
-          </a:prstGeom>
-          <a:solidFill>
-            <a:schemeClr val="lt2"/>
-          </a:solidFill>
-          <a:ln cap="flat" cmpd="sng" w="9525">
-            <a:solidFill>
-              <a:schemeClr val="dk2"/>
-            </a:solidFill>
-            <a:prstDash val="solid"/>
-            <a:round/>
-            <a:headEnd len="sm" w="sm" type="none"/>
-            <a:tailEnd len="sm" w="sm" type="none"/>
-          </a:ln>
-        </p:spPr>
-        <p:txBody>
-          <a:bodyPr anchorCtr="0" anchor="ctr" bIns="91425" lIns="91425" spcFirstLastPara="1" rIns="91425" wrap="square" tIns="91425">
-            <a:noAutofit/>
-          </a:bodyPr>
-          <a:lstStyle/>
-          <a:p>
-            <a:pPr indent="0" lvl="0" marL="0" rtl="0" algn="l">
-              <a:spcBef>
-                <a:spcPts val="0"/>
-              </a:spcBef>
-              <a:spcAft>
-                <a:spcPts val="0"/>
-              </a:spcAft>
-              <a:buNone/>
-            </a:pPr>
-            <a:r>
-              <a:t/>
-            </a:r>
-            <a:endParaRPr/>
-          </a:p>
-        </p:txBody>
-      </p:sp>
-      <p:sp>
-        <p:nvSpPr>
-          <p:cNvPr id="144" name="Google Shape;144;p26"/>
-          <p:cNvSpPr/>
-          <p:nvPr/>
-        </p:nvSpPr>
-        <p:spPr>
-          <a:xfrm>
-            <a:off x="1306300" y="3540575"/>
-            <a:ext cx="979800" cy="979800"/>
-          </a:xfrm>
-          <a:prstGeom prst="ellipse">
-            <a:avLst/>
-          </a:prstGeom>
-          <a:solidFill>
-            <a:schemeClr val="lt2"/>
-          </a:solidFill>
-          <a:ln cap="flat" cmpd="sng" w="9525">
-            <a:solidFill>
-              <a:schemeClr val="dk2"/>
-            </a:solidFill>
-            <a:prstDash val="solid"/>
-            <a:round/>
-            <a:headEnd len="sm" w="sm" type="none"/>
-            <a:tailEnd len="sm" w="sm" type="none"/>
-          </a:ln>
-        </p:spPr>
-        <p:txBody>
-          <a:bodyPr anchorCtr="0" anchor="ctr" bIns="91425" lIns="91425" spcFirstLastPara="1" rIns="91425" wrap="square" tIns="91425">
-            <a:noAutofit/>
-          </a:bodyPr>
-          <a:lstStyle/>
-          <a:p>
-            <a:pPr indent="0" lvl="0" marL="0" rtl="0" algn="l">
-              <a:spcBef>
-                <a:spcPts val="0"/>
-              </a:spcBef>
-              <a:spcAft>
-                <a:spcPts val="0"/>
-              </a:spcAft>
-              <a:buNone/>
-            </a:pPr>
-            <a:r>
-              <a:t/>
-            </a:r>
-            <a:endParaRPr/>
-          </a:p>
-        </p:txBody>
-      </p:sp>
-      <p:sp>
-        <p:nvSpPr>
-          <p:cNvPr id="145" name="Google Shape;145;p26"/>
-          <p:cNvSpPr/>
-          <p:nvPr/>
-        </p:nvSpPr>
-        <p:spPr>
-          <a:xfrm>
-            <a:off x="3826350" y="3540575"/>
-            <a:ext cx="979800" cy="979800"/>
-          </a:xfrm>
-          <a:prstGeom prst="ellipse">
-            <a:avLst/>
-          </a:prstGeom>
-          <a:solidFill>
-            <a:schemeClr val="lt2"/>
-          </a:solidFill>
-          <a:ln cap="flat" cmpd="sng" w="9525">
-            <a:solidFill>
-              <a:schemeClr val="dk2"/>
-            </a:solidFill>
-            <a:prstDash val="solid"/>
-            <a:round/>
-            <a:headEnd len="sm" w="sm" type="none"/>
-            <a:tailEnd len="sm" w="sm" type="none"/>
-          </a:ln>
-        </p:spPr>
-        <p:txBody>
-          <a:bodyPr anchorCtr="0" anchor="ctr" bIns="91425" lIns="91425" spcFirstLastPara="1" rIns="91425" wrap="square" tIns="91425">
-            <a:noAutofit/>
-          </a:bodyPr>
-          <a:lstStyle/>
-          <a:p>
-            <a:pPr indent="0" lvl="0" marL="0" rtl="0" algn="l">
-              <a:spcBef>
-                <a:spcPts val="0"/>
-              </a:spcBef>
-              <a:spcAft>
-                <a:spcPts val="0"/>
-              </a:spcAft>
-              <a:buNone/>
-            </a:pPr>
-            <a:r>
-              <a:t/>
-            </a:r>
-            <a:endParaRPr/>
-          </a:p>
-        </p:txBody>
-      </p:sp>
-      <p:sp>
-        <p:nvSpPr>
-          <p:cNvPr id="146" name="Google Shape;146;p26"/>
-          <p:cNvSpPr/>
-          <p:nvPr/>
-        </p:nvSpPr>
-        <p:spPr>
-          <a:xfrm>
-            <a:off x="3826350" y="1959425"/>
-            <a:ext cx="979800" cy="979800"/>
-          </a:xfrm>
-          <a:prstGeom prst="ellipse">
-            <a:avLst/>
-          </a:prstGeom>
-          <a:solidFill>
-            <a:schemeClr val="lt2"/>
-          </a:solidFill>
-          <a:ln cap="flat" cmpd="sng" w="9525">
-            <a:solidFill>
-              <a:schemeClr val="dk2"/>
-            </a:solidFill>
-            <a:prstDash val="solid"/>
-            <a:round/>
-            <a:headEnd len="sm" w="sm" type="none"/>
-            <a:tailEnd len="sm" w="sm" type="none"/>
-          </a:ln>
-        </p:spPr>
-        <p:txBody>
-          <a:bodyPr anchorCtr="0" anchor="ctr" bIns="91425" lIns="91425" spcFirstLastPara="1" rIns="91425" wrap="square" tIns="91425">
-            <a:noAutofit/>
-          </a:bodyPr>
-          <a:lstStyle/>
-          <a:p>
-            <a:pPr indent="0" lvl="0" marL="0" rtl="0" algn="l">
-              <a:spcBef>
-                <a:spcPts val="0"/>
-              </a:spcBef>
-              <a:spcAft>
-                <a:spcPts val="0"/>
-              </a:spcAft>
-              <a:buNone/>
-            </a:pPr>
-            <a:r>
-              <a:t/>
-            </a:r>
-            <a:endParaRPr/>
-          </a:p>
-        </p:txBody>
-      </p:sp>
-      <p:sp>
-        <p:nvSpPr>
-          <p:cNvPr id="147" name="Google Shape;147;p26"/>
-          <p:cNvSpPr/>
-          <p:nvPr/>
-        </p:nvSpPr>
-        <p:spPr>
-          <a:xfrm>
-            <a:off x="6059925" y="2752725"/>
-            <a:ext cx="979800" cy="979800"/>
-          </a:xfrm>
-          <a:prstGeom prst="ellipse">
-            <a:avLst/>
-          </a:prstGeom>
-          <a:solidFill>
-            <a:schemeClr val="lt2"/>
-          </a:solidFill>
-          <a:ln cap="flat" cmpd="sng" w="9525">
-            <a:solidFill>
-              <a:schemeClr val="dk2"/>
-            </a:solidFill>
-            <a:prstDash val="solid"/>
-            <a:round/>
-            <a:headEnd len="sm" w="sm" type="none"/>
-            <a:tailEnd len="sm" w="sm" type="none"/>
-          </a:ln>
-        </p:spPr>
-        <p:txBody>
-          <a:bodyPr anchorCtr="0" anchor="ctr" bIns="91425" lIns="91425" spcFirstLastPara="1" rIns="91425" wrap="square" tIns="91425">
-            <a:noAutofit/>
-          </a:bodyPr>
-          <a:lstStyle/>
-          <a:p>
-            <a:pPr indent="0" lvl="0" marL="0" rtl="0" algn="l">
-              <a:spcBef>
-                <a:spcPts val="0"/>
-              </a:spcBef>
-              <a:spcAft>
-                <a:spcPts val="0"/>
-              </a:spcAft>
-              <a:buNone/>
-            </a:pPr>
-            <a:r>
-              <a:t/>
-            </a:r>
-            <a:endParaRPr/>
-          </a:p>
-        </p:txBody>
-      </p:sp>
-      <p:cxnSp>
-        <p:nvCxnSpPr>
-          <p:cNvPr id="148" name="Google Shape;148;p26"/>
-          <p:cNvCxnSpPr>
-            <a:stCxn id="143" idx="6"/>
-            <a:endCxn id="146" idx="2"/>
-          </p:cNvCxnSpPr>
-          <p:nvPr/>
-        </p:nvCxnSpPr>
-        <p:spPr>
-          <a:xfrm>
-            <a:off x="2286100" y="2449325"/>
-            <a:ext cx="1540200" cy="0"/>
-          </a:xfrm>
-          <a:prstGeom prst="straightConnector1">
-            <a:avLst/>
-          </a:prstGeom>
-          <a:noFill/>
-          <a:ln cap="flat" cmpd="sng" w="9525">
-            <a:solidFill>
-              <a:schemeClr val="dk2"/>
-            </a:solidFill>
-            <a:prstDash val="solid"/>
-            <a:round/>
-            <a:headEnd len="med" w="med" type="none"/>
-            <a:tailEnd len="med" w="med" type="none"/>
-          </a:ln>
-        </p:spPr>
-      </p:cxnSp>
-      <p:cxnSp>
-        <p:nvCxnSpPr>
-          <p:cNvPr id="149" name="Google Shape;149;p26"/>
-          <p:cNvCxnSpPr>
-            <a:stCxn id="146" idx="6"/>
-            <a:endCxn id="147" idx="2"/>
-          </p:cNvCxnSpPr>
-          <p:nvPr/>
-        </p:nvCxnSpPr>
-        <p:spPr>
-          <a:xfrm>
-            <a:off x="4806150" y="2449325"/>
-            <a:ext cx="1253700" cy="793200"/>
-          </a:xfrm>
-          <a:prstGeom prst="straightConnector1">
-            <a:avLst/>
-          </a:prstGeom>
-          <a:noFill/>
-          <a:ln cap="flat" cmpd="sng" w="9525">
-            <a:solidFill>
-              <a:schemeClr val="dk2"/>
-            </a:solidFill>
-            <a:prstDash val="solid"/>
-            <a:round/>
-            <a:headEnd len="med" w="med" type="none"/>
-            <a:tailEnd len="med" w="med" type="none"/>
-          </a:ln>
-        </p:spPr>
-      </p:cxnSp>
-      <p:cxnSp>
-        <p:nvCxnSpPr>
-          <p:cNvPr id="150" name="Google Shape;150;p26"/>
-          <p:cNvCxnSpPr>
-            <a:stCxn id="145" idx="6"/>
-            <a:endCxn id="147" idx="2"/>
-          </p:cNvCxnSpPr>
-          <p:nvPr/>
-        </p:nvCxnSpPr>
-        <p:spPr>
-          <a:xfrm flipH="1" rot="10800000">
-            <a:off x="4806150" y="3242675"/>
-            <a:ext cx="1253700" cy="787800"/>
-          </a:xfrm>
-          <a:prstGeom prst="straightConnector1">
-            <a:avLst/>
-          </a:prstGeom>
-          <a:noFill/>
-          <a:ln cap="flat" cmpd="sng" w="9525">
-            <a:solidFill>
-              <a:schemeClr val="dk2"/>
-            </a:solidFill>
-            <a:prstDash val="solid"/>
-            <a:round/>
-            <a:headEnd len="med" w="med" type="none"/>
-            <a:tailEnd len="med" w="med" type="none"/>
-          </a:ln>
-        </p:spPr>
-      </p:cxnSp>
-      <p:cxnSp>
-        <p:nvCxnSpPr>
-          <p:cNvPr id="151" name="Google Shape;151;p26"/>
-          <p:cNvCxnSpPr>
-            <a:endCxn id="145" idx="2"/>
-          </p:cNvCxnSpPr>
-          <p:nvPr/>
-        </p:nvCxnSpPr>
-        <p:spPr>
-          <a:xfrm>
-            <a:off x="2286150" y="4030475"/>
-            <a:ext cx="1540200" cy="0"/>
-          </a:xfrm>
-          <a:prstGeom prst="straightConnector1">
-            <a:avLst/>
-          </a:prstGeom>
-          <a:noFill/>
-          <a:ln cap="flat" cmpd="sng" w="9525">
-            <a:solidFill>
-              <a:schemeClr val="dk2"/>
-            </a:solidFill>
-            <a:prstDash val="solid"/>
-            <a:round/>
-            <a:headEnd len="med" w="med" type="none"/>
-            <a:tailEnd len="med" w="med" type="none"/>
-          </a:ln>
-        </p:spPr>
-      </p:cxnSp>
-      <p:cxnSp>
-        <p:nvCxnSpPr>
-          <p:cNvPr id="152" name="Google Shape;152;p26"/>
-          <p:cNvCxnSpPr>
-            <a:stCxn id="143" idx="6"/>
-            <a:endCxn id="145" idx="2"/>
-          </p:cNvCxnSpPr>
-          <p:nvPr/>
-        </p:nvCxnSpPr>
-        <p:spPr>
-          <a:xfrm>
-            <a:off x="2286100" y="2449325"/>
-            <a:ext cx="1540200" cy="1581300"/>
-          </a:xfrm>
-          <a:prstGeom prst="straightConnector1">
-            <a:avLst/>
-          </a:prstGeom>
-          <a:noFill/>
-          <a:ln cap="flat" cmpd="sng" w="9525">
-            <a:solidFill>
-              <a:schemeClr val="dk2"/>
-            </a:solidFill>
-            <a:prstDash val="solid"/>
-            <a:round/>
-            <a:headEnd len="med" w="med" type="none"/>
-            <a:tailEnd len="med" w="med" type="none"/>
-          </a:ln>
-        </p:spPr>
-      </p:cxnSp>
-      <p:cxnSp>
-        <p:nvCxnSpPr>
-          <p:cNvPr id="153" name="Google Shape;153;p26"/>
-          <p:cNvCxnSpPr>
-            <a:stCxn id="144" idx="6"/>
-            <a:endCxn id="146" idx="2"/>
-          </p:cNvCxnSpPr>
-          <p:nvPr/>
-        </p:nvCxnSpPr>
-        <p:spPr>
-          <a:xfrm flipH="1" rot="10800000">
-            <a:off x="2286100" y="2449475"/>
-            <a:ext cx="1540200" cy="1581000"/>
-          </a:xfrm>
-          <a:prstGeom prst="straightConnector1">
-            <a:avLst/>
-          </a:prstGeom>
-          <a:noFill/>
-          <a:ln cap="flat" cmpd="sng" w="9525">
-            <a:solidFill>
-              <a:schemeClr val="dk2"/>
-            </a:solidFill>
-            <a:prstDash val="solid"/>
-            <a:round/>
-            <a:headEnd len="med" w="med" type="none"/>
-            <a:tailEnd len="med" w="med" type="none"/>
-          </a:ln>
-        </p:spPr>
-      </p:cxnSp>
-      <p:sp>
-        <p:nvSpPr>
-          <p:cNvPr id="154" name="Google Shape;154;p26"/>
-          <p:cNvSpPr txBox="1"/>
-          <p:nvPr/>
-        </p:nvSpPr>
-        <p:spPr>
-          <a:xfrm>
-            <a:off x="5191700" y="2296200"/>
-            <a:ext cx="402000" cy="400200"/>
+        </p:nvPicPr>
+        <p:blipFill>
+          <a:blip r:embed="rId3">
+            <a:alphaModFix/>
+          </a:blip>
+          <a:stretch>
+            <a:fillRect/>
+          </a:stretch>
+        </p:blipFill>
+        <p:spPr>
+          <a:xfrm>
+            <a:off x="2121109" y="2025000"/>
+            <a:ext cx="4901775" cy="2612525"/>
           </a:xfrm>
           <a:prstGeom prst="rect">
             <a:avLst/>
@@ -9641,564 +9352,7 @@
             <a:noFill/>
           </a:ln>
         </p:spPr>
-        <p:txBody>
-          <a:bodyPr anchorCtr="0" anchor="t" bIns="91425" lIns="91425" spcFirstLastPara="1" rIns="91425" wrap="square" tIns="91425">
-            <a:spAutoFit/>
-          </a:bodyPr>
-          <a:lstStyle/>
-          <a:p>
-            <a:pPr indent="0" lvl="0" marL="0" rtl="0" algn="l">
-              <a:spcBef>
-                <a:spcPts val="0"/>
-              </a:spcBef>
-              <a:spcAft>
-                <a:spcPts val="0"/>
-              </a:spcAft>
-              <a:buNone/>
-            </a:pPr>
-            <a:r>
-              <a:rPr lang="en">
-                <a:latin typeface="Proxima Nova"/>
-                <a:ea typeface="Proxima Nova"/>
-                <a:cs typeface="Proxima Nova"/>
-                <a:sym typeface="Proxima Nova"/>
-              </a:rPr>
-              <a:t>1</a:t>
-            </a:r>
-            <a:endParaRPr>
-              <a:latin typeface="Proxima Nova"/>
-              <a:ea typeface="Proxima Nova"/>
-              <a:cs typeface="Proxima Nova"/>
-              <a:sym typeface="Proxima Nova"/>
-            </a:endParaRPr>
-          </a:p>
-        </p:txBody>
-      </p:sp>
-      <p:sp>
-        <p:nvSpPr>
-          <p:cNvPr id="155" name="Google Shape;155;p26"/>
-          <p:cNvSpPr txBox="1"/>
-          <p:nvPr/>
-        </p:nvSpPr>
-        <p:spPr>
-          <a:xfrm>
-            <a:off x="5376400" y="3701325"/>
-            <a:ext cx="402000" cy="400200"/>
-          </a:xfrm>
-          <a:prstGeom prst="rect">
-            <a:avLst/>
-          </a:prstGeom>
-          <a:noFill/>
-          <a:ln>
-            <a:noFill/>
-          </a:ln>
-        </p:spPr>
-        <p:txBody>
-          <a:bodyPr anchorCtr="0" anchor="t" bIns="91425" lIns="91425" spcFirstLastPara="1" rIns="91425" wrap="square" tIns="91425">
-            <a:spAutoFit/>
-          </a:bodyPr>
-          <a:lstStyle/>
-          <a:p>
-            <a:pPr indent="0" lvl="0" marL="0" rtl="0" algn="l">
-              <a:spcBef>
-                <a:spcPts val="0"/>
-              </a:spcBef>
-              <a:spcAft>
-                <a:spcPts val="0"/>
-              </a:spcAft>
-              <a:buNone/>
-            </a:pPr>
-            <a:r>
-              <a:rPr lang="en">
-                <a:latin typeface="Proxima Nova"/>
-                <a:ea typeface="Proxima Nova"/>
-                <a:cs typeface="Proxima Nova"/>
-                <a:sym typeface="Proxima Nova"/>
-              </a:rPr>
-              <a:t>2</a:t>
-            </a:r>
-            <a:endParaRPr>
-              <a:latin typeface="Proxima Nova"/>
-              <a:ea typeface="Proxima Nova"/>
-              <a:cs typeface="Proxima Nova"/>
-              <a:sym typeface="Proxima Nova"/>
-            </a:endParaRPr>
-          </a:p>
-        </p:txBody>
-      </p:sp>
-      <p:sp>
-        <p:nvSpPr>
-          <p:cNvPr id="156" name="Google Shape;156;p26"/>
-          <p:cNvSpPr txBox="1"/>
-          <p:nvPr/>
-        </p:nvSpPr>
-        <p:spPr>
-          <a:xfrm>
-            <a:off x="1592025" y="2296200"/>
-            <a:ext cx="544800" cy="400200"/>
-          </a:xfrm>
-          <a:prstGeom prst="rect">
-            <a:avLst/>
-          </a:prstGeom>
-          <a:noFill/>
-          <a:ln>
-            <a:noFill/>
-          </a:ln>
-        </p:spPr>
-        <p:txBody>
-          <a:bodyPr anchorCtr="0" anchor="t" bIns="91425" lIns="91425" spcFirstLastPara="1" rIns="91425" wrap="square" tIns="91425">
-            <a:spAutoFit/>
-          </a:bodyPr>
-          <a:lstStyle/>
-          <a:p>
-            <a:pPr indent="0" lvl="0" marL="0" rtl="0" algn="l">
-              <a:spcBef>
-                <a:spcPts val="0"/>
-              </a:spcBef>
-              <a:spcAft>
-                <a:spcPts val="0"/>
-              </a:spcAft>
-              <a:buNone/>
-            </a:pPr>
-            <a:r>
-              <a:rPr lang="en">
-                <a:latin typeface="Proxima Nova"/>
-                <a:ea typeface="Proxima Nova"/>
-                <a:cs typeface="Proxima Nova"/>
-                <a:sym typeface="Proxima Nova"/>
-              </a:rPr>
-              <a:t>5</a:t>
-            </a:r>
-            <a:endParaRPr>
-              <a:latin typeface="Proxima Nova"/>
-              <a:ea typeface="Proxima Nova"/>
-              <a:cs typeface="Proxima Nova"/>
-              <a:sym typeface="Proxima Nova"/>
-            </a:endParaRPr>
-          </a:p>
-        </p:txBody>
-      </p:sp>
-      <p:sp>
-        <p:nvSpPr>
-          <p:cNvPr id="157" name="Google Shape;157;p26"/>
-          <p:cNvSpPr txBox="1"/>
-          <p:nvPr/>
-        </p:nvSpPr>
-        <p:spPr>
-          <a:xfrm>
-            <a:off x="1523800" y="3830375"/>
-            <a:ext cx="544800" cy="400200"/>
-          </a:xfrm>
-          <a:prstGeom prst="rect">
-            <a:avLst/>
-          </a:prstGeom>
-          <a:noFill/>
-          <a:ln>
-            <a:noFill/>
-          </a:ln>
-        </p:spPr>
-        <p:txBody>
-          <a:bodyPr anchorCtr="0" anchor="t" bIns="91425" lIns="91425" spcFirstLastPara="1" rIns="91425" wrap="square" tIns="91425">
-            <a:spAutoFit/>
-          </a:bodyPr>
-          <a:lstStyle/>
-          <a:p>
-            <a:pPr indent="0" lvl="0" marL="0" rtl="0" algn="l">
-              <a:spcBef>
-                <a:spcPts val="0"/>
-              </a:spcBef>
-              <a:spcAft>
-                <a:spcPts val="0"/>
-              </a:spcAft>
-              <a:buNone/>
-            </a:pPr>
-            <a:r>
-              <a:rPr lang="en">
-                <a:latin typeface="Proxima Nova"/>
-                <a:ea typeface="Proxima Nova"/>
-                <a:cs typeface="Proxima Nova"/>
-                <a:sym typeface="Proxima Nova"/>
-              </a:rPr>
-              <a:t>4</a:t>
-            </a:r>
-            <a:endParaRPr>
-              <a:latin typeface="Proxima Nova"/>
-              <a:ea typeface="Proxima Nova"/>
-              <a:cs typeface="Proxima Nova"/>
-              <a:sym typeface="Proxima Nova"/>
-            </a:endParaRPr>
-          </a:p>
-        </p:txBody>
-      </p:sp>
-      <p:sp>
-        <p:nvSpPr>
-          <p:cNvPr id="158" name="Google Shape;158;p26"/>
-          <p:cNvSpPr txBox="1"/>
-          <p:nvPr/>
-        </p:nvSpPr>
-        <p:spPr>
-          <a:xfrm>
-            <a:off x="2896000" y="2120575"/>
-            <a:ext cx="544800" cy="400200"/>
-          </a:xfrm>
-          <a:prstGeom prst="rect">
-            <a:avLst/>
-          </a:prstGeom>
-          <a:noFill/>
-          <a:ln>
-            <a:noFill/>
-          </a:ln>
-        </p:spPr>
-        <p:txBody>
-          <a:bodyPr anchorCtr="0" anchor="t" bIns="91425" lIns="91425" spcFirstLastPara="1" rIns="91425" wrap="square" tIns="91425">
-            <a:spAutoFit/>
-          </a:bodyPr>
-          <a:lstStyle/>
-          <a:p>
-            <a:pPr indent="0" lvl="0" marL="0" rtl="0" algn="l">
-              <a:spcBef>
-                <a:spcPts val="0"/>
-              </a:spcBef>
-              <a:spcAft>
-                <a:spcPts val="0"/>
-              </a:spcAft>
-              <a:buNone/>
-            </a:pPr>
-            <a:r>
-              <a:rPr lang="en">
-                <a:latin typeface="Proxima Nova"/>
-                <a:ea typeface="Proxima Nova"/>
-                <a:cs typeface="Proxima Nova"/>
-                <a:sym typeface="Proxima Nova"/>
-              </a:rPr>
-              <a:t>2</a:t>
-            </a:r>
-            <a:endParaRPr>
-              <a:latin typeface="Proxima Nova"/>
-              <a:ea typeface="Proxima Nova"/>
-              <a:cs typeface="Proxima Nova"/>
-              <a:sym typeface="Proxima Nova"/>
-            </a:endParaRPr>
-          </a:p>
-        </p:txBody>
-      </p:sp>
-      <p:sp>
-        <p:nvSpPr>
-          <p:cNvPr id="159" name="Google Shape;159;p26"/>
-          <p:cNvSpPr txBox="1"/>
-          <p:nvPr/>
-        </p:nvSpPr>
-        <p:spPr>
-          <a:xfrm>
-            <a:off x="2351200" y="2571775"/>
-            <a:ext cx="544800" cy="400200"/>
-          </a:xfrm>
-          <a:prstGeom prst="rect">
-            <a:avLst/>
-          </a:prstGeom>
-          <a:noFill/>
-          <a:ln>
-            <a:noFill/>
-          </a:ln>
-        </p:spPr>
-        <p:txBody>
-          <a:bodyPr anchorCtr="0" anchor="t" bIns="91425" lIns="91425" spcFirstLastPara="1" rIns="91425" wrap="square" tIns="91425">
-            <a:spAutoFit/>
-          </a:bodyPr>
-          <a:lstStyle/>
-          <a:p>
-            <a:pPr indent="0" lvl="0" marL="0" rtl="0" algn="l">
-              <a:spcBef>
-                <a:spcPts val="0"/>
-              </a:spcBef>
-              <a:spcAft>
-                <a:spcPts val="0"/>
-              </a:spcAft>
-              <a:buNone/>
-            </a:pPr>
-            <a:r>
-              <a:rPr lang="en">
-                <a:latin typeface="Proxima Nova"/>
-                <a:ea typeface="Proxima Nova"/>
-                <a:cs typeface="Proxima Nova"/>
-                <a:sym typeface="Proxima Nova"/>
-              </a:rPr>
-              <a:t>3</a:t>
-            </a:r>
-            <a:endParaRPr>
-              <a:latin typeface="Proxima Nova"/>
-              <a:ea typeface="Proxima Nova"/>
-              <a:cs typeface="Proxima Nova"/>
-              <a:sym typeface="Proxima Nova"/>
-            </a:endParaRPr>
-          </a:p>
-        </p:txBody>
-      </p:sp>
-      <p:sp>
-        <p:nvSpPr>
-          <p:cNvPr id="160" name="Google Shape;160;p26"/>
-          <p:cNvSpPr txBox="1"/>
-          <p:nvPr/>
-        </p:nvSpPr>
-        <p:spPr>
-          <a:xfrm>
-            <a:off x="2485050" y="3301113"/>
-            <a:ext cx="544800" cy="400200"/>
-          </a:xfrm>
-          <a:prstGeom prst="rect">
-            <a:avLst/>
-          </a:prstGeom>
-          <a:noFill/>
-          <a:ln>
-            <a:noFill/>
-          </a:ln>
-        </p:spPr>
-        <p:txBody>
-          <a:bodyPr anchorCtr="0" anchor="t" bIns="91425" lIns="91425" spcFirstLastPara="1" rIns="91425" wrap="square" tIns="91425">
-            <a:spAutoFit/>
-          </a:bodyPr>
-          <a:lstStyle/>
-          <a:p>
-            <a:pPr indent="0" lvl="0" marL="0" rtl="0" algn="l">
-              <a:spcBef>
-                <a:spcPts val="0"/>
-              </a:spcBef>
-              <a:spcAft>
-                <a:spcPts val="0"/>
-              </a:spcAft>
-              <a:buNone/>
-            </a:pPr>
-            <a:r>
-              <a:rPr lang="en">
-                <a:latin typeface="Proxima Nova"/>
-                <a:ea typeface="Proxima Nova"/>
-                <a:cs typeface="Proxima Nova"/>
-                <a:sym typeface="Proxima Nova"/>
-              </a:rPr>
-              <a:t>-3</a:t>
-            </a:r>
-            <a:endParaRPr>
-              <a:latin typeface="Proxima Nova"/>
-              <a:ea typeface="Proxima Nova"/>
-              <a:cs typeface="Proxima Nova"/>
-              <a:sym typeface="Proxima Nova"/>
-            </a:endParaRPr>
-          </a:p>
-        </p:txBody>
-      </p:sp>
-      <p:sp>
-        <p:nvSpPr>
-          <p:cNvPr id="161" name="Google Shape;161;p26"/>
-          <p:cNvSpPr txBox="1"/>
-          <p:nvPr/>
-        </p:nvSpPr>
-        <p:spPr>
-          <a:xfrm>
-            <a:off x="2783825" y="3732513"/>
-            <a:ext cx="544800" cy="400200"/>
-          </a:xfrm>
-          <a:prstGeom prst="rect">
-            <a:avLst/>
-          </a:prstGeom>
-          <a:noFill/>
-          <a:ln>
-            <a:noFill/>
-          </a:ln>
-        </p:spPr>
-        <p:txBody>
-          <a:bodyPr anchorCtr="0" anchor="t" bIns="91425" lIns="91425" spcFirstLastPara="1" rIns="91425" wrap="square" tIns="91425">
-            <a:spAutoFit/>
-          </a:bodyPr>
-          <a:lstStyle/>
-          <a:p>
-            <a:pPr indent="0" lvl="0" marL="0" rtl="0" algn="l">
-              <a:spcBef>
-                <a:spcPts val="0"/>
-              </a:spcBef>
-              <a:spcAft>
-                <a:spcPts val="0"/>
-              </a:spcAft>
-              <a:buNone/>
-            </a:pPr>
-            <a:r>
-              <a:rPr lang="en">
-                <a:latin typeface="Proxima Nova"/>
-                <a:ea typeface="Proxima Nova"/>
-                <a:cs typeface="Proxima Nova"/>
-                <a:sym typeface="Proxima Nova"/>
-              </a:rPr>
-              <a:t>1</a:t>
-            </a:r>
-            <a:endParaRPr>
-              <a:latin typeface="Proxima Nova"/>
-              <a:ea typeface="Proxima Nova"/>
-              <a:cs typeface="Proxima Nova"/>
-              <a:sym typeface="Proxima Nova"/>
-            </a:endParaRPr>
-          </a:p>
-        </p:txBody>
-      </p:sp>
-      <p:sp>
-        <p:nvSpPr>
-          <p:cNvPr id="162" name="Google Shape;162;p26"/>
-          <p:cNvSpPr txBox="1"/>
-          <p:nvPr/>
-        </p:nvSpPr>
-        <p:spPr>
-          <a:xfrm>
-            <a:off x="8023125" y="3036525"/>
-            <a:ext cx="544800" cy="400200"/>
-          </a:xfrm>
-          <a:prstGeom prst="rect">
-            <a:avLst/>
-          </a:prstGeom>
-          <a:noFill/>
-          <a:ln>
-            <a:noFill/>
-          </a:ln>
-        </p:spPr>
-        <p:txBody>
-          <a:bodyPr anchorCtr="0" anchor="t" bIns="91425" lIns="91425" spcFirstLastPara="1" rIns="91425" wrap="square" tIns="91425">
-            <a:spAutoFit/>
-          </a:bodyPr>
-          <a:lstStyle/>
-          <a:p>
-            <a:pPr indent="0" lvl="0" marL="0" rtl="0" algn="l">
-              <a:spcBef>
-                <a:spcPts val="0"/>
-              </a:spcBef>
-              <a:spcAft>
-                <a:spcPts val="0"/>
-              </a:spcAft>
-              <a:buNone/>
-            </a:pPr>
-            <a:r>
-              <a:rPr lang="en">
-                <a:latin typeface="Proxima Nova"/>
-                <a:ea typeface="Proxima Nova"/>
-                <a:cs typeface="Proxima Nova"/>
-                <a:sym typeface="Proxima Nova"/>
-              </a:rPr>
-              <a:t>???</a:t>
-            </a:r>
-            <a:endParaRPr>
-              <a:latin typeface="Proxima Nova"/>
-              <a:ea typeface="Proxima Nova"/>
-              <a:cs typeface="Proxima Nova"/>
-              <a:sym typeface="Proxima Nova"/>
-            </a:endParaRPr>
-          </a:p>
-        </p:txBody>
-      </p:sp>
-      <p:cxnSp>
-        <p:nvCxnSpPr>
-          <p:cNvPr id="163" name="Google Shape;163;p26"/>
-          <p:cNvCxnSpPr>
-            <a:endCxn id="162" idx="1"/>
-          </p:cNvCxnSpPr>
-          <p:nvPr/>
-        </p:nvCxnSpPr>
-        <p:spPr>
-          <a:xfrm>
-            <a:off x="7039725" y="3236625"/>
-            <a:ext cx="983400" cy="0"/>
-          </a:xfrm>
-          <a:prstGeom prst="straightConnector1">
-            <a:avLst/>
-          </a:prstGeom>
-          <a:noFill/>
-          <a:ln cap="flat" cmpd="sng" w="9525">
-            <a:solidFill>
-              <a:schemeClr val="dk2"/>
-            </a:solidFill>
-            <a:prstDash val="solid"/>
-            <a:round/>
-            <a:headEnd len="med" w="med" type="none"/>
-            <a:tailEnd len="med" w="med" type="triangle"/>
-          </a:ln>
-        </p:spPr>
-      </p:cxnSp>
-      <p:cxnSp>
-        <p:nvCxnSpPr>
-          <p:cNvPr id="164" name="Google Shape;164;p26"/>
-          <p:cNvCxnSpPr>
-            <a:stCxn id="146" idx="0"/>
-            <a:endCxn id="146" idx="4"/>
-          </p:cNvCxnSpPr>
-          <p:nvPr/>
-        </p:nvCxnSpPr>
-        <p:spPr>
-          <a:xfrm>
-            <a:off x="4316250" y="1959425"/>
-            <a:ext cx="0" cy="979800"/>
-          </a:xfrm>
-          <a:prstGeom prst="straightConnector1">
-            <a:avLst/>
-          </a:prstGeom>
-          <a:noFill/>
-          <a:ln cap="flat" cmpd="sng" w="9525">
-            <a:solidFill>
-              <a:schemeClr val="dk1"/>
-            </a:solidFill>
-            <a:prstDash val="solid"/>
-            <a:round/>
-            <a:headEnd len="med" w="med" type="none"/>
-            <a:tailEnd len="med" w="med" type="none"/>
-          </a:ln>
-        </p:spPr>
-      </p:cxnSp>
-      <p:cxnSp>
-        <p:nvCxnSpPr>
-          <p:cNvPr id="165" name="Google Shape;165;p26"/>
-          <p:cNvCxnSpPr/>
-          <p:nvPr/>
-        </p:nvCxnSpPr>
-        <p:spPr>
-          <a:xfrm>
-            <a:off x="4316250" y="3540575"/>
-            <a:ext cx="0" cy="979800"/>
-          </a:xfrm>
-          <a:prstGeom prst="straightConnector1">
-            <a:avLst/>
-          </a:prstGeom>
-          <a:noFill/>
-          <a:ln cap="flat" cmpd="sng" w="9525">
-            <a:solidFill>
-              <a:schemeClr val="dk1"/>
-            </a:solidFill>
-            <a:prstDash val="solid"/>
-            <a:round/>
-            <a:headEnd len="med" w="med" type="none"/>
-            <a:tailEnd len="med" w="med" type="none"/>
-          </a:ln>
-        </p:spPr>
-      </p:cxnSp>
-      <p:cxnSp>
-        <p:nvCxnSpPr>
-          <p:cNvPr id="166" name="Google Shape;166;p26"/>
-          <p:cNvCxnSpPr/>
-          <p:nvPr/>
-        </p:nvCxnSpPr>
-        <p:spPr>
-          <a:xfrm>
-            <a:off x="6549825" y="2746725"/>
-            <a:ext cx="0" cy="979800"/>
-          </a:xfrm>
-          <a:prstGeom prst="straightConnector1">
-            <a:avLst/>
-          </a:prstGeom>
-          <a:noFill/>
-          <a:ln cap="flat" cmpd="sng" w="9525">
-            <a:solidFill>
-              <a:schemeClr val="dk1"/>
-            </a:solidFill>
-            <a:prstDash val="solid"/>
-            <a:round/>
-            <a:headEnd len="med" w="med" type="none"/>
-            <a:tailEnd len="med" w="med" type="none"/>
-          </a:ln>
-        </p:spPr>
-      </p:cxnSp>
+      </p:pic>
     </p:spTree>
   </p:cSld>
   <p:clrMapOvr>
@@ -10212,7 +9366,7 @@
   <p:cSld>
     <p:spTree>
       <p:nvGrpSpPr>
-        <p:cNvPr id="170" name="Shape 170"/>
+        <p:cNvPr id="148" name="Shape 148"/>
         <p:cNvGrpSpPr/>
         <p:nvPr/>
       </p:nvGrpSpPr>
@@ -10226,7 +9380,7 @@
       </p:grpSpPr>
       <p:sp>
         <p:nvSpPr>
-          <p:cNvPr id="171" name="Google Shape;171;p27"/>
+          <p:cNvPr id="149" name="Google Shape;149;p27"/>
           <p:cNvSpPr txBox="1"/>
           <p:nvPr>
             <p:ph type="title"/>
@@ -10258,7 +9412,7 @@
             </a:pPr>
             <a:r>
               <a:rPr lang="en"/>
-              <a:t>Forward Propagation Solution 1</a:t>
+              <a:t>Forward Propagation</a:t>
             </a:r>
             <a:endParaRPr/>
           </a:p>
@@ -10266,7 +9420,7 @@
       </p:sp>
       <p:sp>
         <p:nvSpPr>
-          <p:cNvPr id="172" name="Google Shape;172;p27"/>
+          <p:cNvPr id="150" name="Google Shape;150;p27"/>
           <p:cNvSpPr/>
           <p:nvPr/>
         </p:nvSpPr>
@@ -10315,7 +9469,7 @@
       </p:sp>
       <p:sp>
         <p:nvSpPr>
-          <p:cNvPr id="173" name="Google Shape;173;p27"/>
+          <p:cNvPr id="151" name="Google Shape;151;p27"/>
           <p:cNvSpPr/>
           <p:nvPr/>
         </p:nvSpPr>
@@ -10364,7 +9518,7 @@
       </p:sp>
       <p:sp>
         <p:nvSpPr>
-          <p:cNvPr id="174" name="Google Shape;174;p27"/>
+          <p:cNvPr id="152" name="Google Shape;152;p27"/>
           <p:cNvSpPr/>
           <p:nvPr/>
         </p:nvSpPr>
@@ -10413,7 +9567,7 @@
       </p:sp>
       <p:sp>
         <p:nvSpPr>
-          <p:cNvPr id="175" name="Google Shape;175;p27"/>
+          <p:cNvPr id="153" name="Google Shape;153;p27"/>
           <p:cNvSpPr/>
           <p:nvPr/>
         </p:nvSpPr>
@@ -10462,7 +9616,7 @@
       </p:sp>
       <p:sp>
         <p:nvSpPr>
-          <p:cNvPr id="176" name="Google Shape;176;p27"/>
+          <p:cNvPr id="154" name="Google Shape;154;p27"/>
           <p:cNvSpPr/>
           <p:nvPr/>
         </p:nvSpPr>
@@ -10511,10 +9665,10 @@
       </p:sp>
       <p:cxnSp>
         <p:nvCxnSpPr>
-          <p:cNvPr id="177" name="Google Shape;177;p27"/>
+          <p:cNvPr id="155" name="Google Shape;155;p27"/>
           <p:cNvCxnSpPr>
-            <a:stCxn id="172" idx="6"/>
-            <a:endCxn id="175" idx="2"/>
+            <a:stCxn id="150" idx="6"/>
+            <a:endCxn id="153" idx="2"/>
           </p:cNvCxnSpPr>
           <p:nvPr/>
         </p:nvCxnSpPr>
@@ -10540,10 +9694,10 @@
       </p:cxnSp>
       <p:cxnSp>
         <p:nvCxnSpPr>
-          <p:cNvPr id="178" name="Google Shape;178;p27"/>
+          <p:cNvPr id="156" name="Google Shape;156;p27"/>
           <p:cNvCxnSpPr>
-            <a:stCxn id="175" idx="6"/>
-            <a:endCxn id="176" idx="2"/>
+            <a:stCxn id="153" idx="6"/>
+            <a:endCxn id="154" idx="2"/>
           </p:cNvCxnSpPr>
           <p:nvPr/>
         </p:nvCxnSpPr>
@@ -10569,10 +9723,10 @@
       </p:cxnSp>
       <p:cxnSp>
         <p:nvCxnSpPr>
-          <p:cNvPr id="179" name="Google Shape;179;p27"/>
+          <p:cNvPr id="157" name="Google Shape;157;p27"/>
           <p:cNvCxnSpPr>
-            <a:stCxn id="174" idx="6"/>
-            <a:endCxn id="176" idx="2"/>
+            <a:stCxn id="152" idx="6"/>
+            <a:endCxn id="154" idx="2"/>
           </p:cNvCxnSpPr>
           <p:nvPr/>
         </p:nvCxnSpPr>
@@ -10598,9 +9752,9 @@
       </p:cxnSp>
       <p:cxnSp>
         <p:nvCxnSpPr>
-          <p:cNvPr id="180" name="Google Shape;180;p27"/>
+          <p:cNvPr id="158" name="Google Shape;158;p27"/>
           <p:cNvCxnSpPr>
-            <a:endCxn id="174" idx="2"/>
+            <a:endCxn id="152" idx="2"/>
           </p:cNvCxnSpPr>
           <p:nvPr/>
         </p:nvCxnSpPr>
@@ -10626,10 +9780,10 @@
       </p:cxnSp>
       <p:cxnSp>
         <p:nvCxnSpPr>
-          <p:cNvPr id="181" name="Google Shape;181;p27"/>
+          <p:cNvPr id="159" name="Google Shape;159;p27"/>
           <p:cNvCxnSpPr>
-            <a:stCxn id="172" idx="6"/>
-            <a:endCxn id="174" idx="2"/>
+            <a:stCxn id="150" idx="6"/>
+            <a:endCxn id="152" idx="2"/>
           </p:cNvCxnSpPr>
           <p:nvPr/>
         </p:nvCxnSpPr>
@@ -10655,10 +9809,10 @@
       </p:cxnSp>
       <p:cxnSp>
         <p:nvCxnSpPr>
-          <p:cNvPr id="182" name="Google Shape;182;p27"/>
+          <p:cNvPr id="160" name="Google Shape;160;p27"/>
           <p:cNvCxnSpPr>
-            <a:stCxn id="173" idx="6"/>
-            <a:endCxn id="175" idx="2"/>
+            <a:stCxn id="151" idx="6"/>
+            <a:endCxn id="153" idx="2"/>
           </p:cNvCxnSpPr>
           <p:nvPr/>
         </p:nvCxnSpPr>
@@ -10684,7 +9838,7 @@
       </p:cxnSp>
       <p:sp>
         <p:nvSpPr>
-          <p:cNvPr id="183" name="Google Shape;183;p27"/>
+          <p:cNvPr id="161" name="Google Shape;161;p27"/>
           <p:cNvSpPr txBox="1"/>
           <p:nvPr/>
         </p:nvSpPr>
@@ -10736,7 +9890,7 @@
       </p:sp>
       <p:sp>
         <p:nvSpPr>
-          <p:cNvPr id="184" name="Google Shape;184;p27"/>
+          <p:cNvPr id="162" name="Google Shape;162;p27"/>
           <p:cNvSpPr txBox="1"/>
           <p:nvPr/>
         </p:nvSpPr>
@@ -10788,7 +9942,7 @@
       </p:sp>
       <p:sp>
         <p:nvSpPr>
-          <p:cNvPr id="185" name="Google Shape;185;p27"/>
+          <p:cNvPr id="163" name="Google Shape;163;p27"/>
           <p:cNvSpPr txBox="1"/>
           <p:nvPr/>
         </p:nvSpPr>
@@ -10821,7 +9975,7 @@
               <a:buNone/>
             </a:pPr>
             <a:r>
-              <a:rPr b="1" lang="en">
+              <a:rPr lang="en">
                 <a:latin typeface="Proxima Nova"/>
                 <a:ea typeface="Proxima Nova"/>
                 <a:cs typeface="Proxima Nova"/>
@@ -10829,7 +9983,7 @@
               </a:rPr>
               <a:t>5</a:t>
             </a:r>
-            <a:endParaRPr b="1">
+            <a:endParaRPr>
               <a:latin typeface="Proxima Nova"/>
               <a:ea typeface="Proxima Nova"/>
               <a:cs typeface="Proxima Nova"/>
@@ -10840,7 +9994,7 @@
       </p:sp>
       <p:sp>
         <p:nvSpPr>
-          <p:cNvPr id="186" name="Google Shape;186;p27"/>
+          <p:cNvPr id="164" name="Google Shape;164;p27"/>
           <p:cNvSpPr txBox="1"/>
           <p:nvPr/>
         </p:nvSpPr>
@@ -10873,7 +10027,7 @@
               <a:buNone/>
             </a:pPr>
             <a:r>
-              <a:rPr b="1" lang="en">
+              <a:rPr lang="en">
                 <a:latin typeface="Proxima Nova"/>
                 <a:ea typeface="Proxima Nova"/>
                 <a:cs typeface="Proxima Nova"/>
@@ -10881,7 +10035,7 @@
               </a:rPr>
               <a:t>4</a:t>
             </a:r>
-            <a:endParaRPr b="1">
+            <a:endParaRPr>
               <a:latin typeface="Proxima Nova"/>
               <a:ea typeface="Proxima Nova"/>
               <a:cs typeface="Proxima Nova"/>
@@ -10892,7 +10046,7 @@
       </p:sp>
       <p:sp>
         <p:nvSpPr>
-          <p:cNvPr id="187" name="Google Shape;187;p27"/>
+          <p:cNvPr id="165" name="Google Shape;165;p27"/>
           <p:cNvSpPr txBox="1"/>
           <p:nvPr/>
         </p:nvSpPr>
@@ -10944,7 +10098,7 @@
       </p:sp>
       <p:sp>
         <p:nvSpPr>
-          <p:cNvPr id="188" name="Google Shape;188;p27"/>
+          <p:cNvPr id="166" name="Google Shape;166;p27"/>
           <p:cNvSpPr txBox="1"/>
           <p:nvPr/>
         </p:nvSpPr>
@@ -10977,7 +10131,7 @@
               <a:buNone/>
             </a:pPr>
             <a:r>
-              <a:rPr b="1" lang="en">
+              <a:rPr lang="en">
                 <a:latin typeface="Proxima Nova"/>
                 <a:ea typeface="Proxima Nova"/>
                 <a:cs typeface="Proxima Nova"/>
@@ -10985,7 +10139,7 @@
               </a:rPr>
               <a:t>3</a:t>
             </a:r>
-            <a:endParaRPr b="1">
+            <a:endParaRPr>
               <a:latin typeface="Proxima Nova"/>
               <a:ea typeface="Proxima Nova"/>
               <a:cs typeface="Proxima Nova"/>
@@ -10996,7 +10150,7 @@
       </p:sp>
       <p:sp>
         <p:nvSpPr>
-          <p:cNvPr id="189" name="Google Shape;189;p27"/>
+          <p:cNvPr id="167" name="Google Shape;167;p27"/>
           <p:cNvSpPr txBox="1"/>
           <p:nvPr/>
         </p:nvSpPr>
@@ -11048,7 +10202,7 @@
       </p:sp>
       <p:sp>
         <p:nvSpPr>
-          <p:cNvPr id="190" name="Google Shape;190;p27"/>
+          <p:cNvPr id="168" name="Google Shape;168;p27"/>
           <p:cNvSpPr txBox="1"/>
           <p:nvPr/>
         </p:nvSpPr>
@@ -11081,7 +10235,7 @@
               <a:buNone/>
             </a:pPr>
             <a:r>
-              <a:rPr b="1" lang="en">
+              <a:rPr lang="en">
                 <a:latin typeface="Proxima Nova"/>
                 <a:ea typeface="Proxima Nova"/>
                 <a:cs typeface="Proxima Nova"/>
@@ -11089,7 +10243,7 @@
               </a:rPr>
               <a:t>1</a:t>
             </a:r>
-            <a:endParaRPr b="1">
+            <a:endParaRPr>
               <a:latin typeface="Proxima Nova"/>
               <a:ea typeface="Proxima Nova"/>
               <a:cs typeface="Proxima Nova"/>
@@ -11098,12 +10252,92 @@
           </a:p>
         </p:txBody>
       </p:sp>
+      <p:sp>
+        <p:nvSpPr>
+          <p:cNvPr id="169" name="Google Shape;169;p27"/>
+          <p:cNvSpPr txBox="1"/>
+          <p:nvPr/>
+        </p:nvSpPr>
+        <p:spPr>
+          <a:xfrm>
+            <a:off x="8023125" y="3036525"/>
+            <a:ext cx="544800" cy="400200"/>
+          </a:xfrm>
+          <a:prstGeom prst="rect">
+            <a:avLst/>
+          </a:prstGeom>
+          <a:noFill/>
+          <a:ln>
+            <a:noFill/>
+          </a:ln>
+        </p:spPr>
+        <p:txBody>
+          <a:bodyPr anchorCtr="0" anchor="t" bIns="91425" lIns="91425" spcFirstLastPara="1" rIns="91425" wrap="square" tIns="91425">
+            <a:spAutoFit/>
+          </a:bodyPr>
+          <a:lstStyle/>
+          <a:p>
+            <a:pPr indent="0" lvl="0" marL="0" rtl="0" algn="l">
+              <a:spcBef>
+                <a:spcPts val="0"/>
+              </a:spcBef>
+              <a:spcAft>
+                <a:spcPts val="0"/>
+              </a:spcAft>
+              <a:buNone/>
+            </a:pPr>
+            <a:r>
+              <a:rPr lang="en">
+                <a:latin typeface="Proxima Nova"/>
+                <a:ea typeface="Proxima Nova"/>
+                <a:cs typeface="Proxima Nova"/>
+                <a:sym typeface="Proxima Nova"/>
+              </a:rPr>
+              <a:t>???</a:t>
+            </a:r>
+            <a:endParaRPr>
+              <a:latin typeface="Proxima Nova"/>
+              <a:ea typeface="Proxima Nova"/>
+              <a:cs typeface="Proxima Nova"/>
+              <a:sym typeface="Proxima Nova"/>
+            </a:endParaRPr>
+          </a:p>
+        </p:txBody>
+      </p:sp>
       <p:cxnSp>
         <p:nvCxnSpPr>
-          <p:cNvPr id="191" name="Google Shape;191;p27"/>
+          <p:cNvPr id="170" name="Google Shape;170;p27"/>
           <p:cNvCxnSpPr>
-            <a:stCxn id="175" idx="0"/>
-            <a:endCxn id="175" idx="4"/>
+            <a:endCxn id="169" idx="1"/>
+          </p:cNvCxnSpPr>
+          <p:nvPr/>
+        </p:nvCxnSpPr>
+        <p:spPr>
+          <a:xfrm>
+            <a:off x="7039725" y="3236625"/>
+            <a:ext cx="983400" cy="0"/>
+          </a:xfrm>
+          <a:prstGeom prst="straightConnector1">
+            <a:avLst/>
+          </a:prstGeom>
+          <a:noFill/>
+          <a:ln cap="flat" cmpd="sng" w="9525">
+            <a:solidFill>
+              <a:schemeClr val="dk2"/>
+            </a:solidFill>
+            <a:prstDash val="solid"/>
+            <a:round/>
+            <a:headEnd len="med" w="med" type="none"/>
+            <a:tailEnd len="med" w="med" type="triangle"/>
+          </a:ln>
+        </p:spPr>
+      </p:cxnSp>
+      <p:cxnSp>
+        <p:nvCxnSpPr>
+          <p:cNvPr id="171" name="Google Shape;171;p27"/>
+          <p:cNvCxnSpPr>
+            <a:stCxn id="153" idx="0"/>
+            <a:endCxn id="153" idx="4"/>
           </p:cNvCxnSpPr>
           <p:nvPr/>
         </p:nvCxnSpPr>
@@ -11129,7 +10363,7 @@
       </p:cxnSp>
       <p:cxnSp>
         <p:nvCxnSpPr>
-          <p:cNvPr id="192" name="Google Shape;192;p27"/>
+          <p:cNvPr id="172" name="Google Shape;172;p27"/>
           <p:cNvCxnSpPr/>
           <p:nvPr/>
         </p:nvCxnSpPr>
@@ -11155,7 +10389,7 @@
       </p:cxnSp>
       <p:cxnSp>
         <p:nvCxnSpPr>
-          <p:cNvPr id="193" name="Google Shape;193;p27"/>
+          <p:cNvPr id="173" name="Google Shape;173;p27"/>
           <p:cNvCxnSpPr/>
           <p:nvPr/>
         </p:nvCxnSpPr>
@@ -11176,190 +10410,6 @@
             <a:round/>
             <a:headEnd len="med" w="med" type="none"/>
             <a:tailEnd len="med" w="med" type="none"/>
-          </a:ln>
-        </p:spPr>
-      </p:cxnSp>
-      <p:sp>
-        <p:nvSpPr>
-          <p:cNvPr id="194" name="Google Shape;194;p27"/>
-          <p:cNvSpPr txBox="1"/>
-          <p:nvPr/>
-        </p:nvSpPr>
-        <p:spPr>
-          <a:xfrm>
-            <a:off x="3865300" y="3830375"/>
-            <a:ext cx="544800" cy="400200"/>
-          </a:xfrm>
-          <a:prstGeom prst="rect">
-            <a:avLst/>
-          </a:prstGeom>
-          <a:noFill/>
-          <a:ln>
-            <a:noFill/>
-          </a:ln>
-        </p:spPr>
-        <p:txBody>
-          <a:bodyPr anchorCtr="0" anchor="t" bIns="91425" lIns="91425" spcFirstLastPara="1" rIns="91425" wrap="square" tIns="91425">
-            <a:spAutoFit/>
-          </a:bodyPr>
-          <a:lstStyle/>
-          <a:p>
-            <a:pPr indent="0" lvl="0" marL="0" rtl="0" algn="l">
-              <a:spcBef>
-                <a:spcPts val="0"/>
-              </a:spcBef>
-              <a:spcAft>
-                <a:spcPts val="0"/>
-              </a:spcAft>
-              <a:buNone/>
-            </a:pPr>
-            <a:r>
-              <a:rPr b="1" lang="en">
-                <a:latin typeface="Proxima Nova"/>
-                <a:ea typeface="Proxima Nova"/>
-                <a:cs typeface="Proxima Nova"/>
-                <a:sym typeface="Proxima Nova"/>
-              </a:rPr>
-              <a:t>19</a:t>
-            </a:r>
-            <a:endParaRPr b="1">
-              <a:latin typeface="Proxima Nova"/>
-              <a:ea typeface="Proxima Nova"/>
-              <a:cs typeface="Proxima Nova"/>
-              <a:sym typeface="Proxima Nova"/>
-            </a:endParaRPr>
-          </a:p>
-        </p:txBody>
-      </p:sp>
-      <p:sp>
-        <p:nvSpPr>
-          <p:cNvPr id="195" name="Google Shape;195;p27"/>
-          <p:cNvSpPr txBox="1"/>
-          <p:nvPr/>
-        </p:nvSpPr>
-        <p:spPr>
-          <a:xfrm>
-            <a:off x="4328975" y="3830375"/>
-            <a:ext cx="544800" cy="400200"/>
-          </a:xfrm>
-          <a:prstGeom prst="rect">
-            <a:avLst/>
-          </a:prstGeom>
-          <a:noFill/>
-          <a:ln>
-            <a:noFill/>
-          </a:ln>
-        </p:spPr>
-        <p:txBody>
-          <a:bodyPr anchorCtr="0" anchor="t" bIns="91425" lIns="91425" spcFirstLastPara="1" rIns="91425" wrap="square" tIns="91425">
-            <a:spAutoFit/>
-          </a:bodyPr>
-          <a:lstStyle/>
-          <a:p>
-            <a:pPr indent="0" lvl="0" marL="0" rtl="0" algn="l">
-              <a:spcBef>
-                <a:spcPts val="0"/>
-              </a:spcBef>
-              <a:spcAft>
-                <a:spcPts val="0"/>
-              </a:spcAft>
-              <a:buNone/>
-            </a:pPr>
-            <a:r>
-              <a:rPr b="1" lang="en">
-                <a:latin typeface="Proxima Nova"/>
-                <a:ea typeface="Proxima Nova"/>
-                <a:cs typeface="Proxima Nova"/>
-                <a:sym typeface="Proxima Nova"/>
-              </a:rPr>
-              <a:t>19</a:t>
-            </a:r>
-            <a:endParaRPr b="1">
-              <a:latin typeface="Proxima Nova"/>
-              <a:ea typeface="Proxima Nova"/>
-              <a:cs typeface="Proxima Nova"/>
-              <a:sym typeface="Proxima Nova"/>
-            </a:endParaRPr>
-          </a:p>
-        </p:txBody>
-      </p:sp>
-      <p:sp>
-        <p:nvSpPr>
-          <p:cNvPr id="196" name="Google Shape;196;p27"/>
-          <p:cNvSpPr txBox="1"/>
-          <p:nvPr/>
-        </p:nvSpPr>
-        <p:spPr>
-          <a:xfrm>
-            <a:off x="8023125" y="3036525"/>
-            <a:ext cx="544800" cy="400200"/>
-          </a:xfrm>
-          <a:prstGeom prst="rect">
-            <a:avLst/>
-          </a:prstGeom>
-          <a:noFill/>
-          <a:ln>
-            <a:noFill/>
-          </a:ln>
-        </p:spPr>
-        <p:txBody>
-          <a:bodyPr anchorCtr="0" anchor="t" bIns="91425" lIns="91425" spcFirstLastPara="1" rIns="91425" wrap="square" tIns="91425">
-            <a:spAutoFit/>
-          </a:bodyPr>
-          <a:lstStyle/>
-          <a:p>
-            <a:pPr indent="0" lvl="0" marL="0" rtl="0" algn="l">
-              <a:spcBef>
-                <a:spcPts val="0"/>
-              </a:spcBef>
-              <a:spcAft>
-                <a:spcPts val="0"/>
-              </a:spcAft>
-              <a:buNone/>
-            </a:pPr>
-            <a:r>
-              <a:rPr lang="en">
-                <a:latin typeface="Proxima Nova"/>
-                <a:ea typeface="Proxima Nova"/>
-                <a:cs typeface="Proxima Nova"/>
-                <a:sym typeface="Proxima Nova"/>
-              </a:rPr>
-              <a:t>???</a:t>
-            </a:r>
-            <a:endParaRPr>
-              <a:latin typeface="Proxima Nova"/>
-              <a:ea typeface="Proxima Nova"/>
-              <a:cs typeface="Proxima Nova"/>
-              <a:sym typeface="Proxima Nova"/>
-            </a:endParaRPr>
-          </a:p>
-        </p:txBody>
-      </p:sp>
-      <p:cxnSp>
-        <p:nvCxnSpPr>
-          <p:cNvPr id="197" name="Google Shape;197;p27"/>
-          <p:cNvCxnSpPr>
-            <a:endCxn id="196" idx="1"/>
-          </p:cNvCxnSpPr>
-          <p:nvPr/>
-        </p:nvCxnSpPr>
-        <p:spPr>
-          <a:xfrm>
-            <a:off x="7039725" y="3236625"/>
-            <a:ext cx="983400" cy="0"/>
-          </a:xfrm>
-          <a:prstGeom prst="straightConnector1">
-            <a:avLst/>
-          </a:prstGeom>
-          <a:noFill/>
-          <a:ln cap="flat" cmpd="sng" w="9525">
-            <a:solidFill>
-              <a:schemeClr val="dk2"/>
-            </a:solidFill>
-            <a:prstDash val="solid"/>
-            <a:round/>
-            <a:headEnd len="med" w="med" type="none"/>
-            <a:tailEnd len="med" w="med" type="triangle"/>
           </a:ln>
         </p:spPr>
       </p:cxnSp>
@@ -11376,7 +10426,7 @@
   <p:cSld>
     <p:spTree>
       <p:nvGrpSpPr>
-        <p:cNvPr id="201" name="Shape 201"/>
+        <p:cNvPr id="177" name="Shape 177"/>
         <p:cNvGrpSpPr/>
         <p:nvPr/>
       </p:nvGrpSpPr>
@@ -11390,7 +10440,7 @@
       </p:grpSpPr>
       <p:sp>
         <p:nvSpPr>
-          <p:cNvPr id="202" name="Google Shape;202;p28"/>
+          <p:cNvPr id="178" name="Google Shape;178;p28"/>
           <p:cNvSpPr txBox="1"/>
           <p:nvPr>
             <p:ph type="title"/>
@@ -11422,7 +10472,7 @@
             </a:pPr>
             <a:r>
               <a:rPr lang="en"/>
-              <a:t>Forward Propagation Solution 2</a:t>
+              <a:t>Forward Propagation Solution 1</a:t>
             </a:r>
             <a:endParaRPr/>
           </a:p>
@@ -11430,7 +10480,7 @@
       </p:sp>
       <p:sp>
         <p:nvSpPr>
-          <p:cNvPr id="203" name="Google Shape;203;p28"/>
+          <p:cNvPr id="179" name="Google Shape;179;p28"/>
           <p:cNvSpPr/>
           <p:nvPr/>
         </p:nvSpPr>
@@ -11479,7 +10529,7 @@
       </p:sp>
       <p:sp>
         <p:nvSpPr>
-          <p:cNvPr id="204" name="Google Shape;204;p28"/>
+          <p:cNvPr id="180" name="Google Shape;180;p28"/>
           <p:cNvSpPr/>
           <p:nvPr/>
         </p:nvSpPr>
@@ -11528,7 +10578,7 @@
       </p:sp>
       <p:sp>
         <p:nvSpPr>
-          <p:cNvPr id="205" name="Google Shape;205;p28"/>
+          <p:cNvPr id="181" name="Google Shape;181;p28"/>
           <p:cNvSpPr/>
           <p:nvPr/>
         </p:nvSpPr>
@@ -11577,7 +10627,7 @@
       </p:sp>
       <p:sp>
         <p:nvSpPr>
-          <p:cNvPr id="206" name="Google Shape;206;p28"/>
+          <p:cNvPr id="182" name="Google Shape;182;p28"/>
           <p:cNvSpPr/>
           <p:nvPr/>
         </p:nvSpPr>
@@ -11626,7 +10676,7 @@
       </p:sp>
       <p:sp>
         <p:nvSpPr>
-          <p:cNvPr id="207" name="Google Shape;207;p28"/>
+          <p:cNvPr id="183" name="Google Shape;183;p28"/>
           <p:cNvSpPr/>
           <p:nvPr/>
         </p:nvSpPr>
@@ -11675,10 +10725,10 @@
       </p:sp>
       <p:cxnSp>
         <p:nvCxnSpPr>
-          <p:cNvPr id="208" name="Google Shape;208;p28"/>
+          <p:cNvPr id="184" name="Google Shape;184;p28"/>
           <p:cNvCxnSpPr>
-            <a:stCxn id="203" idx="6"/>
-            <a:endCxn id="206" idx="2"/>
+            <a:stCxn id="179" idx="6"/>
+            <a:endCxn id="182" idx="2"/>
           </p:cNvCxnSpPr>
           <p:nvPr/>
         </p:nvCxnSpPr>
@@ -11704,10 +10754,10 @@
       </p:cxnSp>
       <p:cxnSp>
         <p:nvCxnSpPr>
-          <p:cNvPr id="209" name="Google Shape;209;p28"/>
+          <p:cNvPr id="185" name="Google Shape;185;p28"/>
           <p:cNvCxnSpPr>
-            <a:stCxn id="206" idx="6"/>
-            <a:endCxn id="207" idx="2"/>
+            <a:stCxn id="182" idx="6"/>
+            <a:endCxn id="183" idx="2"/>
           </p:cNvCxnSpPr>
           <p:nvPr/>
         </p:nvCxnSpPr>
@@ -11733,10 +10783,10 @@
       </p:cxnSp>
       <p:cxnSp>
         <p:nvCxnSpPr>
-          <p:cNvPr id="210" name="Google Shape;210;p28"/>
+          <p:cNvPr id="186" name="Google Shape;186;p28"/>
           <p:cNvCxnSpPr>
-            <a:stCxn id="205" idx="6"/>
-            <a:endCxn id="207" idx="2"/>
+            <a:stCxn id="181" idx="6"/>
+            <a:endCxn id="183" idx="2"/>
           </p:cNvCxnSpPr>
           <p:nvPr/>
         </p:nvCxnSpPr>
@@ -11762,9 +10812,9 @@
       </p:cxnSp>
       <p:cxnSp>
         <p:nvCxnSpPr>
-          <p:cNvPr id="211" name="Google Shape;211;p28"/>
+          <p:cNvPr id="187" name="Google Shape;187;p28"/>
           <p:cNvCxnSpPr>
-            <a:endCxn id="205" idx="2"/>
+            <a:endCxn id="181" idx="2"/>
           </p:cNvCxnSpPr>
           <p:nvPr/>
         </p:nvCxnSpPr>
@@ -11790,10 +10840,10 @@
       </p:cxnSp>
       <p:cxnSp>
         <p:nvCxnSpPr>
-          <p:cNvPr id="212" name="Google Shape;212;p28"/>
+          <p:cNvPr id="188" name="Google Shape;188;p28"/>
           <p:cNvCxnSpPr>
-            <a:stCxn id="203" idx="6"/>
-            <a:endCxn id="205" idx="2"/>
+            <a:stCxn id="179" idx="6"/>
+            <a:endCxn id="181" idx="2"/>
           </p:cNvCxnSpPr>
           <p:nvPr/>
         </p:nvCxnSpPr>
@@ -11819,10 +10869,10 @@
       </p:cxnSp>
       <p:cxnSp>
         <p:nvCxnSpPr>
-          <p:cNvPr id="213" name="Google Shape;213;p28"/>
+          <p:cNvPr id="189" name="Google Shape;189;p28"/>
           <p:cNvCxnSpPr>
-            <a:stCxn id="204" idx="6"/>
-            <a:endCxn id="206" idx="2"/>
+            <a:stCxn id="180" idx="6"/>
+            <a:endCxn id="182" idx="2"/>
           </p:cNvCxnSpPr>
           <p:nvPr/>
         </p:nvCxnSpPr>
@@ -11848,7 +10898,7 @@
       </p:cxnSp>
       <p:sp>
         <p:nvSpPr>
-          <p:cNvPr id="214" name="Google Shape;214;p28"/>
+          <p:cNvPr id="190" name="Google Shape;190;p28"/>
           <p:cNvSpPr txBox="1"/>
           <p:nvPr/>
         </p:nvSpPr>
@@ -11900,7 +10950,7 @@
       </p:sp>
       <p:sp>
         <p:nvSpPr>
-          <p:cNvPr id="215" name="Google Shape;215;p28"/>
+          <p:cNvPr id="191" name="Google Shape;191;p28"/>
           <p:cNvSpPr txBox="1"/>
           <p:nvPr/>
         </p:nvSpPr>
@@ -11952,7 +11002,7 @@
       </p:sp>
       <p:sp>
         <p:nvSpPr>
-          <p:cNvPr id="216" name="Google Shape;216;p28"/>
+          <p:cNvPr id="192" name="Google Shape;192;p28"/>
           <p:cNvSpPr txBox="1"/>
           <p:nvPr/>
         </p:nvSpPr>
@@ -12004,7 +11054,7 @@
       </p:sp>
       <p:sp>
         <p:nvSpPr>
-          <p:cNvPr id="217" name="Google Shape;217;p28"/>
+          <p:cNvPr id="193" name="Google Shape;193;p28"/>
           <p:cNvSpPr txBox="1"/>
           <p:nvPr/>
         </p:nvSpPr>
@@ -12056,13 +11106,65 @@
       </p:sp>
       <p:sp>
         <p:nvSpPr>
-          <p:cNvPr id="218" name="Google Shape;218;p28"/>
+          <p:cNvPr id="194" name="Google Shape;194;p28"/>
           <p:cNvSpPr txBox="1"/>
           <p:nvPr/>
         </p:nvSpPr>
         <p:spPr>
           <a:xfrm>
             <a:off x="2896000" y="2120575"/>
+            <a:ext cx="544800" cy="400200"/>
+          </a:xfrm>
+          <a:prstGeom prst="rect">
+            <a:avLst/>
+          </a:prstGeom>
+          <a:noFill/>
+          <a:ln>
+            <a:noFill/>
+          </a:ln>
+        </p:spPr>
+        <p:txBody>
+          <a:bodyPr anchorCtr="0" anchor="t" bIns="91425" lIns="91425" spcFirstLastPara="1" rIns="91425" wrap="square" tIns="91425">
+            <a:spAutoFit/>
+          </a:bodyPr>
+          <a:lstStyle/>
+          <a:p>
+            <a:pPr indent="0" lvl="0" marL="0" rtl="0" algn="l">
+              <a:spcBef>
+                <a:spcPts val="0"/>
+              </a:spcBef>
+              <a:spcAft>
+                <a:spcPts val="0"/>
+              </a:spcAft>
+              <a:buNone/>
+            </a:pPr>
+            <a:r>
+              <a:rPr lang="en">
+                <a:latin typeface="Proxima Nova"/>
+                <a:ea typeface="Proxima Nova"/>
+                <a:cs typeface="Proxima Nova"/>
+                <a:sym typeface="Proxima Nova"/>
+              </a:rPr>
+              <a:t>2</a:t>
+            </a:r>
+            <a:endParaRPr>
+              <a:latin typeface="Proxima Nova"/>
+              <a:ea typeface="Proxima Nova"/>
+              <a:cs typeface="Proxima Nova"/>
+              <a:sym typeface="Proxima Nova"/>
+            </a:endParaRPr>
+          </a:p>
+        </p:txBody>
+      </p:sp>
+      <p:sp>
+        <p:nvSpPr>
+          <p:cNvPr id="195" name="Google Shape;195;p28"/>
+          <p:cNvSpPr txBox="1"/>
+          <p:nvPr/>
+        </p:nvSpPr>
+        <p:spPr>
+          <a:xfrm>
+            <a:off x="2351200" y="2571775"/>
             <a:ext cx="544800" cy="400200"/>
           </a:xfrm>
           <a:prstGeom prst="rect">
@@ -12095,7 +11197,7 @@
                 <a:cs typeface="Proxima Nova"/>
                 <a:sym typeface="Proxima Nova"/>
               </a:rPr>
-              <a:t>2</a:t>
+              <a:t>3</a:t>
             </a:r>
             <a:endParaRPr b="1">
               <a:latin typeface="Proxima Nova"/>
@@ -12108,13 +11210,13 @@
       </p:sp>
       <p:sp>
         <p:nvSpPr>
-          <p:cNvPr id="219" name="Google Shape;219;p28"/>
+          <p:cNvPr id="196" name="Google Shape;196;p28"/>
           <p:cNvSpPr txBox="1"/>
           <p:nvPr/>
         </p:nvSpPr>
         <p:spPr>
           <a:xfrm>
-            <a:off x="2351200" y="2571775"/>
+            <a:off x="2485050" y="3301113"/>
             <a:ext cx="544800" cy="400200"/>
           </a:xfrm>
           <a:prstGeom prst="rect">
@@ -12147,7 +11249,7 @@
                 <a:cs typeface="Proxima Nova"/>
                 <a:sym typeface="Proxima Nova"/>
               </a:rPr>
-              <a:t>3</a:t>
+              <a:t>-3</a:t>
             </a:r>
             <a:endParaRPr>
               <a:latin typeface="Proxima Nova"/>
@@ -12160,13 +11262,13 @@
       </p:sp>
       <p:sp>
         <p:nvSpPr>
-          <p:cNvPr id="220" name="Google Shape;220;p28"/>
+          <p:cNvPr id="197" name="Google Shape;197;p28"/>
           <p:cNvSpPr txBox="1"/>
           <p:nvPr/>
         </p:nvSpPr>
         <p:spPr>
           <a:xfrm>
-            <a:off x="2485050" y="3301113"/>
+            <a:off x="2783825" y="3732513"/>
             <a:ext cx="544800" cy="400200"/>
           </a:xfrm>
           <a:prstGeom prst="rect">
@@ -12199,7 +11301,7 @@
                 <a:cs typeface="Proxima Nova"/>
                 <a:sym typeface="Proxima Nova"/>
               </a:rPr>
-              <a:t>-3</a:t>
+              <a:t>1</a:t>
             </a:r>
             <a:endParaRPr b="1">
               <a:latin typeface="Proxima Nova"/>
@@ -12210,64 +11312,12 @@
           </a:p>
         </p:txBody>
       </p:sp>
-      <p:sp>
-        <p:nvSpPr>
-          <p:cNvPr id="221" name="Google Shape;221;p28"/>
-          <p:cNvSpPr txBox="1"/>
-          <p:nvPr/>
-        </p:nvSpPr>
-        <p:spPr>
-          <a:xfrm>
-            <a:off x="2783825" y="3732513"/>
-            <a:ext cx="544800" cy="400200"/>
-          </a:xfrm>
-          <a:prstGeom prst="rect">
-            <a:avLst/>
-          </a:prstGeom>
-          <a:noFill/>
-          <a:ln>
-            <a:noFill/>
-          </a:ln>
-        </p:spPr>
-        <p:txBody>
-          <a:bodyPr anchorCtr="0" anchor="t" bIns="91425" lIns="91425" spcFirstLastPara="1" rIns="91425" wrap="square" tIns="91425">
-            <a:spAutoFit/>
-          </a:bodyPr>
-          <a:lstStyle/>
-          <a:p>
-            <a:pPr indent="0" lvl="0" marL="0" rtl="0" algn="l">
-              <a:spcBef>
-                <a:spcPts val="0"/>
-              </a:spcBef>
-              <a:spcAft>
-                <a:spcPts val="0"/>
-              </a:spcAft>
-              <a:buNone/>
-            </a:pPr>
-            <a:r>
-              <a:rPr lang="en">
-                <a:latin typeface="Proxima Nova"/>
-                <a:ea typeface="Proxima Nova"/>
-                <a:cs typeface="Proxima Nova"/>
-                <a:sym typeface="Proxima Nova"/>
-              </a:rPr>
-              <a:t>1</a:t>
-            </a:r>
-            <a:endParaRPr>
-              <a:latin typeface="Proxima Nova"/>
-              <a:ea typeface="Proxima Nova"/>
-              <a:cs typeface="Proxima Nova"/>
-              <a:sym typeface="Proxima Nova"/>
-            </a:endParaRPr>
-          </a:p>
-        </p:txBody>
-      </p:sp>
       <p:cxnSp>
         <p:nvCxnSpPr>
-          <p:cNvPr id="222" name="Google Shape;222;p28"/>
+          <p:cNvPr id="198" name="Google Shape;198;p28"/>
           <p:cNvCxnSpPr>
-            <a:stCxn id="206" idx="0"/>
-            <a:endCxn id="206" idx="4"/>
+            <a:stCxn id="182" idx="0"/>
+            <a:endCxn id="182" idx="4"/>
           </p:cNvCxnSpPr>
           <p:nvPr/>
         </p:nvCxnSpPr>
@@ -12293,7 +11343,7 @@
       </p:cxnSp>
       <p:cxnSp>
         <p:nvCxnSpPr>
-          <p:cNvPr id="223" name="Google Shape;223;p28"/>
+          <p:cNvPr id="199" name="Google Shape;199;p28"/>
           <p:cNvCxnSpPr/>
           <p:nvPr/>
         </p:nvCxnSpPr>
@@ -12319,7 +11369,7 @@
       </p:cxnSp>
       <p:cxnSp>
         <p:nvCxnSpPr>
-          <p:cNvPr id="224" name="Google Shape;224;p28"/>
+          <p:cNvPr id="200" name="Google Shape;200;p28"/>
           <p:cNvCxnSpPr/>
           <p:nvPr/>
         </p:nvCxnSpPr>
@@ -12345,13 +11395,13 @@
       </p:cxnSp>
       <p:sp>
         <p:nvSpPr>
-          <p:cNvPr id="225" name="Google Shape;225;p28"/>
+          <p:cNvPr id="201" name="Google Shape;201;p28"/>
           <p:cNvSpPr txBox="1"/>
           <p:nvPr/>
         </p:nvSpPr>
         <p:spPr>
           <a:xfrm>
-            <a:off x="3923400" y="2249225"/>
+            <a:off x="3865300" y="3830375"/>
             <a:ext cx="544800" cy="400200"/>
           </a:xfrm>
           <a:prstGeom prst="rect">
@@ -12384,7 +11434,7 @@
                 <a:cs typeface="Proxima Nova"/>
                 <a:sym typeface="Proxima Nova"/>
               </a:rPr>
-              <a:t>-2</a:t>
+              <a:t>19</a:t>
             </a:r>
             <a:endParaRPr b="1">
               <a:latin typeface="Proxima Nova"/>
@@ -12397,13 +11447,13 @@
       </p:sp>
       <p:sp>
         <p:nvSpPr>
-          <p:cNvPr id="226" name="Google Shape;226;p28"/>
+          <p:cNvPr id="202" name="Google Shape;202;p28"/>
           <p:cNvSpPr txBox="1"/>
           <p:nvPr/>
         </p:nvSpPr>
         <p:spPr>
           <a:xfrm>
-            <a:off x="4299600" y="2249225"/>
+            <a:off x="4328975" y="3830375"/>
             <a:ext cx="544800" cy="400200"/>
           </a:xfrm>
           <a:prstGeom prst="rect">
@@ -12436,7 +11486,7 @@
                 <a:cs typeface="Proxima Nova"/>
                 <a:sym typeface="Proxima Nova"/>
               </a:rPr>
-              <a:t>0</a:t>
+              <a:t>19</a:t>
             </a:r>
             <a:endParaRPr b="1">
               <a:latin typeface="Proxima Nova"/>
@@ -12449,7 +11499,7 @@
       </p:sp>
       <p:sp>
         <p:nvSpPr>
-          <p:cNvPr id="227" name="Google Shape;227;p28"/>
+          <p:cNvPr id="203" name="Google Shape;203;p28"/>
           <p:cNvSpPr txBox="1"/>
           <p:nvPr/>
         </p:nvSpPr>
@@ -12501,9 +11551,9 @@
       </p:sp>
       <p:cxnSp>
         <p:nvCxnSpPr>
-          <p:cNvPr id="228" name="Google Shape;228;p28"/>
+          <p:cNvPr id="204" name="Google Shape;204;p28"/>
           <p:cNvCxnSpPr>
-            <a:endCxn id="227" idx="1"/>
+            <a:endCxn id="203" idx="1"/>
           </p:cNvCxnSpPr>
           <p:nvPr/>
         </p:nvCxnSpPr>
@@ -12527,110 +11577,6 @@
           </a:ln>
         </p:spPr>
       </p:cxnSp>
-      <p:sp>
-        <p:nvSpPr>
-          <p:cNvPr id="229" name="Google Shape;229;p28"/>
-          <p:cNvSpPr txBox="1"/>
-          <p:nvPr/>
-        </p:nvSpPr>
-        <p:spPr>
-          <a:xfrm>
-            <a:off x="3865300" y="3830375"/>
-            <a:ext cx="544800" cy="400200"/>
-          </a:xfrm>
-          <a:prstGeom prst="rect">
-            <a:avLst/>
-          </a:prstGeom>
-          <a:noFill/>
-          <a:ln>
-            <a:noFill/>
-          </a:ln>
-        </p:spPr>
-        <p:txBody>
-          <a:bodyPr anchorCtr="0" anchor="t" bIns="91425" lIns="91425" spcFirstLastPara="1" rIns="91425" wrap="square" tIns="91425">
-            <a:spAutoFit/>
-          </a:bodyPr>
-          <a:lstStyle/>
-          <a:p>
-            <a:pPr indent="0" lvl="0" marL="0" rtl="0" algn="l">
-              <a:spcBef>
-                <a:spcPts val="0"/>
-              </a:spcBef>
-              <a:spcAft>
-                <a:spcPts val="0"/>
-              </a:spcAft>
-              <a:buNone/>
-            </a:pPr>
-            <a:r>
-              <a:rPr lang="en">
-                <a:latin typeface="Proxima Nova"/>
-                <a:ea typeface="Proxima Nova"/>
-                <a:cs typeface="Proxima Nova"/>
-                <a:sym typeface="Proxima Nova"/>
-              </a:rPr>
-              <a:t>19</a:t>
-            </a:r>
-            <a:endParaRPr>
-              <a:latin typeface="Proxima Nova"/>
-              <a:ea typeface="Proxima Nova"/>
-              <a:cs typeface="Proxima Nova"/>
-              <a:sym typeface="Proxima Nova"/>
-            </a:endParaRPr>
-          </a:p>
-        </p:txBody>
-      </p:sp>
-      <p:sp>
-        <p:nvSpPr>
-          <p:cNvPr id="230" name="Google Shape;230;p28"/>
-          <p:cNvSpPr txBox="1"/>
-          <p:nvPr/>
-        </p:nvSpPr>
-        <p:spPr>
-          <a:xfrm>
-            <a:off x="4328975" y="3830375"/>
-            <a:ext cx="544800" cy="400200"/>
-          </a:xfrm>
-          <a:prstGeom prst="rect">
-            <a:avLst/>
-          </a:prstGeom>
-          <a:noFill/>
-          <a:ln>
-            <a:noFill/>
-          </a:ln>
-        </p:spPr>
-        <p:txBody>
-          <a:bodyPr anchorCtr="0" anchor="t" bIns="91425" lIns="91425" spcFirstLastPara="1" rIns="91425" wrap="square" tIns="91425">
-            <a:spAutoFit/>
-          </a:bodyPr>
-          <a:lstStyle/>
-          <a:p>
-            <a:pPr indent="0" lvl="0" marL="0" rtl="0" algn="l">
-              <a:spcBef>
-                <a:spcPts val="0"/>
-              </a:spcBef>
-              <a:spcAft>
-                <a:spcPts val="0"/>
-              </a:spcAft>
-              <a:buNone/>
-            </a:pPr>
-            <a:r>
-              <a:rPr lang="en">
-                <a:latin typeface="Proxima Nova"/>
-                <a:ea typeface="Proxima Nova"/>
-                <a:cs typeface="Proxima Nova"/>
-                <a:sym typeface="Proxima Nova"/>
-              </a:rPr>
-              <a:t>19</a:t>
-            </a:r>
-            <a:endParaRPr>
-              <a:latin typeface="Proxima Nova"/>
-              <a:ea typeface="Proxima Nova"/>
-              <a:cs typeface="Proxima Nova"/>
-              <a:sym typeface="Proxima Nova"/>
-            </a:endParaRPr>
-          </a:p>
-        </p:txBody>
-      </p:sp>
     </p:spTree>
   </p:cSld>
   <p:clrMapOvr>
@@ -12644,7 +11590,7 @@
   <p:cSld>
     <p:spTree>
       <p:nvGrpSpPr>
-        <p:cNvPr id="234" name="Shape 234"/>
+        <p:cNvPr id="208" name="Shape 208"/>
         <p:cNvGrpSpPr/>
         <p:nvPr/>
       </p:nvGrpSpPr>
@@ -12658,7 +11604,7 @@
       </p:grpSpPr>
       <p:sp>
         <p:nvSpPr>
-          <p:cNvPr id="235" name="Google Shape;235;p29"/>
+          <p:cNvPr id="209" name="Google Shape;209;p29"/>
           <p:cNvSpPr txBox="1"/>
           <p:nvPr>
             <p:ph type="title"/>
@@ -12690,7 +11636,7 @@
             </a:pPr>
             <a:r>
               <a:rPr lang="en"/>
-              <a:t>Forward Propagation Full Solution</a:t>
+              <a:t>Forward Propagation Solution 2</a:t>
             </a:r>
             <a:endParaRPr/>
           </a:p>
@@ -12698,7 +11644,7 @@
       </p:sp>
       <p:sp>
         <p:nvSpPr>
-          <p:cNvPr id="236" name="Google Shape;236;p29"/>
+          <p:cNvPr id="210" name="Google Shape;210;p29"/>
           <p:cNvSpPr/>
           <p:nvPr/>
         </p:nvSpPr>
@@ -12747,7 +11693,7 @@
       </p:sp>
       <p:sp>
         <p:nvSpPr>
-          <p:cNvPr id="237" name="Google Shape;237;p29"/>
+          <p:cNvPr id="211" name="Google Shape;211;p29"/>
           <p:cNvSpPr/>
           <p:nvPr/>
         </p:nvSpPr>
@@ -12796,7 +11742,7 @@
       </p:sp>
       <p:sp>
         <p:nvSpPr>
-          <p:cNvPr id="238" name="Google Shape;238;p29"/>
+          <p:cNvPr id="212" name="Google Shape;212;p29"/>
           <p:cNvSpPr/>
           <p:nvPr/>
         </p:nvSpPr>
@@ -12845,7 +11791,7 @@
       </p:sp>
       <p:sp>
         <p:nvSpPr>
-          <p:cNvPr id="239" name="Google Shape;239;p29"/>
+          <p:cNvPr id="213" name="Google Shape;213;p29"/>
           <p:cNvSpPr/>
           <p:nvPr/>
         </p:nvSpPr>
@@ -12894,7 +11840,7 @@
       </p:sp>
       <p:sp>
         <p:nvSpPr>
-          <p:cNvPr id="240" name="Google Shape;240;p29"/>
+          <p:cNvPr id="214" name="Google Shape;214;p29"/>
           <p:cNvSpPr/>
           <p:nvPr/>
         </p:nvSpPr>
@@ -12943,10 +11889,10 @@
       </p:sp>
       <p:cxnSp>
         <p:nvCxnSpPr>
-          <p:cNvPr id="241" name="Google Shape;241;p29"/>
+          <p:cNvPr id="215" name="Google Shape;215;p29"/>
           <p:cNvCxnSpPr>
-            <a:stCxn id="236" idx="6"/>
-            <a:endCxn id="239" idx="2"/>
+            <a:stCxn id="210" idx="6"/>
+            <a:endCxn id="213" idx="2"/>
           </p:cNvCxnSpPr>
           <p:nvPr/>
         </p:nvCxnSpPr>
@@ -12972,10 +11918,10 @@
       </p:cxnSp>
       <p:cxnSp>
         <p:nvCxnSpPr>
-          <p:cNvPr id="242" name="Google Shape;242;p29"/>
+          <p:cNvPr id="216" name="Google Shape;216;p29"/>
           <p:cNvCxnSpPr>
-            <a:stCxn id="239" idx="6"/>
-            <a:endCxn id="240" idx="2"/>
+            <a:stCxn id="213" idx="6"/>
+            <a:endCxn id="214" idx="2"/>
           </p:cNvCxnSpPr>
           <p:nvPr/>
         </p:nvCxnSpPr>
@@ -13001,10 +11947,10 @@
       </p:cxnSp>
       <p:cxnSp>
         <p:nvCxnSpPr>
-          <p:cNvPr id="243" name="Google Shape;243;p29"/>
+          <p:cNvPr id="217" name="Google Shape;217;p29"/>
           <p:cNvCxnSpPr>
-            <a:stCxn id="238" idx="6"/>
-            <a:endCxn id="240" idx="2"/>
+            <a:stCxn id="212" idx="6"/>
+            <a:endCxn id="214" idx="2"/>
           </p:cNvCxnSpPr>
           <p:nvPr/>
         </p:nvCxnSpPr>
@@ -13030,9 +11976,9 @@
       </p:cxnSp>
       <p:cxnSp>
         <p:nvCxnSpPr>
-          <p:cNvPr id="244" name="Google Shape;244;p29"/>
+          <p:cNvPr id="218" name="Google Shape;218;p29"/>
           <p:cNvCxnSpPr>
-            <a:endCxn id="238" idx="2"/>
+            <a:endCxn id="212" idx="2"/>
           </p:cNvCxnSpPr>
           <p:nvPr/>
         </p:nvCxnSpPr>
@@ -13058,10 +12004,10 @@
       </p:cxnSp>
       <p:cxnSp>
         <p:nvCxnSpPr>
-          <p:cNvPr id="245" name="Google Shape;245;p29"/>
+          <p:cNvPr id="219" name="Google Shape;219;p29"/>
           <p:cNvCxnSpPr>
-            <a:stCxn id="236" idx="6"/>
-            <a:endCxn id="238" idx="2"/>
+            <a:stCxn id="210" idx="6"/>
+            <a:endCxn id="212" idx="2"/>
           </p:cNvCxnSpPr>
           <p:nvPr/>
         </p:nvCxnSpPr>
@@ -13087,10 +12033,10 @@
       </p:cxnSp>
       <p:cxnSp>
         <p:nvCxnSpPr>
-          <p:cNvPr id="246" name="Google Shape;246;p29"/>
+          <p:cNvPr id="220" name="Google Shape;220;p29"/>
           <p:cNvCxnSpPr>
-            <a:stCxn id="237" idx="6"/>
-            <a:endCxn id="239" idx="2"/>
+            <a:stCxn id="211" idx="6"/>
+            <a:endCxn id="213" idx="2"/>
           </p:cNvCxnSpPr>
           <p:nvPr/>
         </p:nvCxnSpPr>
@@ -13116,7 +12062,7 @@
       </p:cxnSp>
       <p:sp>
         <p:nvSpPr>
-          <p:cNvPr id="247" name="Google Shape;247;p29"/>
+          <p:cNvPr id="221" name="Google Shape;221;p29"/>
           <p:cNvSpPr txBox="1"/>
           <p:nvPr/>
         </p:nvSpPr>
@@ -13168,7 +12114,7 @@
       </p:sp>
       <p:sp>
         <p:nvSpPr>
-          <p:cNvPr id="248" name="Google Shape;248;p29"/>
+          <p:cNvPr id="222" name="Google Shape;222;p29"/>
           <p:cNvSpPr txBox="1"/>
           <p:nvPr/>
         </p:nvSpPr>
@@ -13220,7 +12166,7 @@
       </p:sp>
       <p:sp>
         <p:nvSpPr>
-          <p:cNvPr id="249" name="Google Shape;249;p29"/>
+          <p:cNvPr id="223" name="Google Shape;223;p29"/>
           <p:cNvSpPr txBox="1"/>
           <p:nvPr/>
         </p:nvSpPr>
@@ -13253,7 +12199,7 @@
               <a:buNone/>
             </a:pPr>
             <a:r>
-              <a:rPr lang="en">
+              <a:rPr b="1" lang="en">
                 <a:latin typeface="Proxima Nova"/>
                 <a:ea typeface="Proxima Nova"/>
                 <a:cs typeface="Proxima Nova"/>
@@ -13261,7 +12207,7 @@
               </a:rPr>
               <a:t>5</a:t>
             </a:r>
-            <a:endParaRPr>
+            <a:endParaRPr b="1">
               <a:latin typeface="Proxima Nova"/>
               <a:ea typeface="Proxima Nova"/>
               <a:cs typeface="Proxima Nova"/>
@@ -13272,7 +12218,7 @@
       </p:sp>
       <p:sp>
         <p:nvSpPr>
-          <p:cNvPr id="250" name="Google Shape;250;p29"/>
+          <p:cNvPr id="224" name="Google Shape;224;p29"/>
           <p:cNvSpPr txBox="1"/>
           <p:nvPr/>
         </p:nvSpPr>
@@ -13305,7 +12251,7 @@
               <a:buNone/>
             </a:pPr>
             <a:r>
-              <a:rPr lang="en">
+              <a:rPr b="1" lang="en">
                 <a:latin typeface="Proxima Nova"/>
                 <a:ea typeface="Proxima Nova"/>
                 <a:cs typeface="Proxima Nova"/>
@@ -13313,7 +12259,7 @@
               </a:rPr>
               <a:t>4</a:t>
             </a:r>
-            <a:endParaRPr>
+            <a:endParaRPr b="1">
               <a:latin typeface="Proxima Nova"/>
               <a:ea typeface="Proxima Nova"/>
               <a:cs typeface="Proxima Nova"/>
@@ -13324,7 +12270,7 @@
       </p:sp>
       <p:sp>
         <p:nvSpPr>
-          <p:cNvPr id="251" name="Google Shape;251;p29"/>
+          <p:cNvPr id="225" name="Google Shape;225;p29"/>
           <p:cNvSpPr txBox="1"/>
           <p:nvPr/>
         </p:nvSpPr>
@@ -13357,7 +12303,7 @@
               <a:buNone/>
             </a:pPr>
             <a:r>
-              <a:rPr lang="en">
+              <a:rPr b="1" lang="en">
                 <a:latin typeface="Proxima Nova"/>
                 <a:ea typeface="Proxima Nova"/>
                 <a:cs typeface="Proxima Nova"/>
@@ -13365,7 +12311,7 @@
               </a:rPr>
               <a:t>2</a:t>
             </a:r>
-            <a:endParaRPr>
+            <a:endParaRPr b="1">
               <a:latin typeface="Proxima Nova"/>
               <a:ea typeface="Proxima Nova"/>
               <a:cs typeface="Proxima Nova"/>
@@ -13376,7 +12322,7 @@
       </p:sp>
       <p:sp>
         <p:nvSpPr>
-          <p:cNvPr id="252" name="Google Shape;252;p29"/>
+          <p:cNvPr id="226" name="Google Shape;226;p29"/>
           <p:cNvSpPr txBox="1"/>
           <p:nvPr/>
         </p:nvSpPr>
@@ -13428,7 +12374,7 @@
       </p:sp>
       <p:sp>
         <p:nvSpPr>
-          <p:cNvPr id="253" name="Google Shape;253;p29"/>
+          <p:cNvPr id="227" name="Google Shape;227;p29"/>
           <p:cNvSpPr txBox="1"/>
           <p:nvPr/>
         </p:nvSpPr>
@@ -13461,7 +12407,7 @@
               <a:buNone/>
             </a:pPr>
             <a:r>
-              <a:rPr lang="en">
+              <a:rPr b="1" lang="en">
                 <a:latin typeface="Proxima Nova"/>
                 <a:ea typeface="Proxima Nova"/>
                 <a:cs typeface="Proxima Nova"/>
@@ -13469,7 +12415,7 @@
               </a:rPr>
               <a:t>-3</a:t>
             </a:r>
-            <a:endParaRPr>
+            <a:endParaRPr b="1">
               <a:latin typeface="Proxima Nova"/>
               <a:ea typeface="Proxima Nova"/>
               <a:cs typeface="Proxima Nova"/>
@@ -13480,7 +12426,7 @@
       </p:sp>
       <p:sp>
         <p:nvSpPr>
-          <p:cNvPr id="254" name="Google Shape;254;p29"/>
+          <p:cNvPr id="228" name="Google Shape;228;p29"/>
           <p:cNvSpPr txBox="1"/>
           <p:nvPr/>
         </p:nvSpPr>
@@ -13532,10 +12478,10 @@
       </p:sp>
       <p:cxnSp>
         <p:nvCxnSpPr>
-          <p:cNvPr id="255" name="Google Shape;255;p29"/>
+          <p:cNvPr id="229" name="Google Shape;229;p29"/>
           <p:cNvCxnSpPr>
-            <a:stCxn id="239" idx="0"/>
-            <a:endCxn id="239" idx="4"/>
+            <a:stCxn id="213" idx="0"/>
+            <a:endCxn id="213" idx="4"/>
           </p:cNvCxnSpPr>
           <p:nvPr/>
         </p:nvCxnSpPr>
@@ -13561,7 +12507,7 @@
       </p:cxnSp>
       <p:cxnSp>
         <p:nvCxnSpPr>
-          <p:cNvPr id="256" name="Google Shape;256;p29"/>
+          <p:cNvPr id="230" name="Google Shape;230;p29"/>
           <p:cNvCxnSpPr/>
           <p:nvPr/>
         </p:nvCxnSpPr>
@@ -13587,7 +12533,7 @@
       </p:cxnSp>
       <p:cxnSp>
         <p:nvCxnSpPr>
-          <p:cNvPr id="257" name="Google Shape;257;p29"/>
+          <p:cNvPr id="231" name="Google Shape;231;p29"/>
           <p:cNvCxnSpPr/>
           <p:nvPr/>
         </p:nvCxnSpPr>
@@ -13613,7 +12559,7 @@
       </p:cxnSp>
       <p:sp>
         <p:nvSpPr>
-          <p:cNvPr id="258" name="Google Shape;258;p29"/>
+          <p:cNvPr id="232" name="Google Shape;232;p29"/>
           <p:cNvSpPr txBox="1"/>
           <p:nvPr/>
         </p:nvSpPr>
@@ -13665,7 +12611,7 @@
       </p:sp>
       <p:sp>
         <p:nvSpPr>
-          <p:cNvPr id="259" name="Google Shape;259;p29"/>
+          <p:cNvPr id="233" name="Google Shape;233;p29"/>
           <p:cNvSpPr txBox="1"/>
           <p:nvPr/>
         </p:nvSpPr>
@@ -13717,13 +12663,13 @@
       </p:sp>
       <p:sp>
         <p:nvSpPr>
-          <p:cNvPr id="260" name="Google Shape;260;p29"/>
+          <p:cNvPr id="234" name="Google Shape;234;p29"/>
           <p:cNvSpPr txBox="1"/>
           <p:nvPr/>
         </p:nvSpPr>
         <p:spPr>
           <a:xfrm>
-            <a:off x="3865300" y="3830375"/>
+            <a:off x="8023125" y="3036525"/>
             <a:ext cx="544800" cy="400200"/>
           </a:xfrm>
           <a:prstGeom prst="rect">
@@ -13750,15 +12696,15 @@
               <a:buNone/>
             </a:pPr>
             <a:r>
-              <a:rPr b="1" lang="en">
+              <a:rPr lang="en">
                 <a:latin typeface="Proxima Nova"/>
                 <a:ea typeface="Proxima Nova"/>
                 <a:cs typeface="Proxima Nova"/>
                 <a:sym typeface="Proxima Nova"/>
               </a:rPr>
-              <a:t>19</a:t>
-            </a:r>
-            <a:endParaRPr b="1">
+              <a:t>???</a:t>
+            </a:r>
+            <a:endParaRPr>
               <a:latin typeface="Proxima Nova"/>
               <a:ea typeface="Proxima Nova"/>
               <a:cs typeface="Proxima Nova"/>
@@ -13767,219 +12713,11 @@
           </a:p>
         </p:txBody>
       </p:sp>
-      <p:sp>
-        <p:nvSpPr>
-          <p:cNvPr id="261" name="Google Shape;261;p29"/>
-          <p:cNvSpPr txBox="1"/>
-          <p:nvPr/>
-        </p:nvSpPr>
-        <p:spPr>
-          <a:xfrm>
-            <a:off x="4328975" y="3830375"/>
-            <a:ext cx="544800" cy="400200"/>
-          </a:xfrm>
-          <a:prstGeom prst="rect">
-            <a:avLst/>
-          </a:prstGeom>
-          <a:noFill/>
-          <a:ln>
-            <a:noFill/>
-          </a:ln>
-        </p:spPr>
-        <p:txBody>
-          <a:bodyPr anchorCtr="0" anchor="t" bIns="91425" lIns="91425" spcFirstLastPara="1" rIns="91425" wrap="square" tIns="91425">
-            <a:spAutoFit/>
-          </a:bodyPr>
-          <a:lstStyle/>
-          <a:p>
-            <a:pPr indent="0" lvl="0" marL="0" rtl="0" algn="l">
-              <a:spcBef>
-                <a:spcPts val="0"/>
-              </a:spcBef>
-              <a:spcAft>
-                <a:spcPts val="0"/>
-              </a:spcAft>
-              <a:buNone/>
-            </a:pPr>
-            <a:r>
-              <a:rPr b="1" lang="en">
-                <a:latin typeface="Proxima Nova"/>
-                <a:ea typeface="Proxima Nova"/>
-                <a:cs typeface="Proxima Nova"/>
-                <a:sym typeface="Proxima Nova"/>
-              </a:rPr>
-              <a:t>19</a:t>
-            </a:r>
-            <a:endParaRPr b="1">
-              <a:latin typeface="Proxima Nova"/>
-              <a:ea typeface="Proxima Nova"/>
-              <a:cs typeface="Proxima Nova"/>
-              <a:sym typeface="Proxima Nova"/>
-            </a:endParaRPr>
-          </a:p>
-        </p:txBody>
-      </p:sp>
-      <p:sp>
-        <p:nvSpPr>
-          <p:cNvPr id="262" name="Google Shape;262;p29"/>
-          <p:cNvSpPr txBox="1"/>
-          <p:nvPr/>
-        </p:nvSpPr>
-        <p:spPr>
-          <a:xfrm>
-            <a:off x="6104800" y="3042525"/>
-            <a:ext cx="544800" cy="400200"/>
-          </a:xfrm>
-          <a:prstGeom prst="rect">
-            <a:avLst/>
-          </a:prstGeom>
-          <a:noFill/>
-          <a:ln>
-            <a:noFill/>
-          </a:ln>
-        </p:spPr>
-        <p:txBody>
-          <a:bodyPr anchorCtr="0" anchor="t" bIns="91425" lIns="91425" spcFirstLastPara="1" rIns="91425" wrap="square" tIns="91425">
-            <a:spAutoFit/>
-          </a:bodyPr>
-          <a:lstStyle/>
-          <a:p>
-            <a:pPr indent="0" lvl="0" marL="0" rtl="0" algn="l">
-              <a:spcBef>
-                <a:spcPts val="0"/>
-              </a:spcBef>
-              <a:spcAft>
-                <a:spcPts val="0"/>
-              </a:spcAft>
-              <a:buNone/>
-            </a:pPr>
-            <a:r>
-              <a:rPr b="1" lang="en">
-                <a:latin typeface="Proxima Nova"/>
-                <a:ea typeface="Proxima Nova"/>
-                <a:cs typeface="Proxima Nova"/>
-                <a:sym typeface="Proxima Nova"/>
-              </a:rPr>
-              <a:t>38</a:t>
-            </a:r>
-            <a:endParaRPr b="1">
-              <a:latin typeface="Proxima Nova"/>
-              <a:ea typeface="Proxima Nova"/>
-              <a:cs typeface="Proxima Nova"/>
-              <a:sym typeface="Proxima Nova"/>
-            </a:endParaRPr>
-          </a:p>
-        </p:txBody>
-      </p:sp>
-      <p:sp>
-        <p:nvSpPr>
-          <p:cNvPr id="263" name="Google Shape;263;p29"/>
-          <p:cNvSpPr txBox="1"/>
-          <p:nvPr/>
-        </p:nvSpPr>
-        <p:spPr>
-          <a:xfrm>
-            <a:off x="6549825" y="3042525"/>
-            <a:ext cx="544800" cy="400200"/>
-          </a:xfrm>
-          <a:prstGeom prst="rect">
-            <a:avLst/>
-          </a:prstGeom>
-          <a:noFill/>
-          <a:ln>
-            <a:noFill/>
-          </a:ln>
-        </p:spPr>
-        <p:txBody>
-          <a:bodyPr anchorCtr="0" anchor="t" bIns="91425" lIns="91425" spcFirstLastPara="1" rIns="91425" wrap="square" tIns="91425">
-            <a:spAutoFit/>
-          </a:bodyPr>
-          <a:lstStyle/>
-          <a:p>
-            <a:pPr indent="0" lvl="0" marL="0" rtl="0" algn="l">
-              <a:spcBef>
-                <a:spcPts val="0"/>
-              </a:spcBef>
-              <a:spcAft>
-                <a:spcPts val="0"/>
-              </a:spcAft>
-              <a:buNone/>
-            </a:pPr>
-            <a:r>
-              <a:rPr b="1" lang="en">
-                <a:latin typeface="Proxima Nova"/>
-                <a:ea typeface="Proxima Nova"/>
-                <a:cs typeface="Proxima Nova"/>
-                <a:sym typeface="Proxima Nova"/>
-              </a:rPr>
-              <a:t>38</a:t>
-            </a:r>
-            <a:endParaRPr b="1">
-              <a:latin typeface="Proxima Nova"/>
-              <a:ea typeface="Proxima Nova"/>
-              <a:cs typeface="Proxima Nova"/>
-              <a:sym typeface="Proxima Nova"/>
-            </a:endParaRPr>
-          </a:p>
-        </p:txBody>
-      </p:sp>
-      <p:sp>
-        <p:nvSpPr>
-          <p:cNvPr id="264" name="Google Shape;264;p29"/>
-          <p:cNvSpPr txBox="1"/>
-          <p:nvPr/>
-        </p:nvSpPr>
-        <p:spPr>
-          <a:xfrm>
-            <a:off x="8023125" y="3036525"/>
-            <a:ext cx="544800" cy="400200"/>
-          </a:xfrm>
-          <a:prstGeom prst="rect">
-            <a:avLst/>
-          </a:prstGeom>
-          <a:noFill/>
-          <a:ln>
-            <a:noFill/>
-          </a:ln>
-        </p:spPr>
-        <p:txBody>
-          <a:bodyPr anchorCtr="0" anchor="t" bIns="91425" lIns="91425" spcFirstLastPara="1" rIns="91425" wrap="square" tIns="91425">
-            <a:spAutoFit/>
-          </a:bodyPr>
-          <a:lstStyle/>
-          <a:p>
-            <a:pPr indent="0" lvl="0" marL="0" rtl="0" algn="l">
-              <a:spcBef>
-                <a:spcPts val="0"/>
-              </a:spcBef>
-              <a:spcAft>
-                <a:spcPts val="0"/>
-              </a:spcAft>
-              <a:buNone/>
-            </a:pPr>
-            <a:r>
-              <a:rPr b="1" lang="en">
-                <a:latin typeface="Proxima Nova"/>
-                <a:ea typeface="Proxima Nova"/>
-                <a:cs typeface="Proxima Nova"/>
-                <a:sym typeface="Proxima Nova"/>
-              </a:rPr>
-              <a:t>38</a:t>
-            </a:r>
-            <a:endParaRPr b="1">
-              <a:latin typeface="Proxima Nova"/>
-              <a:ea typeface="Proxima Nova"/>
-              <a:cs typeface="Proxima Nova"/>
-              <a:sym typeface="Proxima Nova"/>
-            </a:endParaRPr>
-          </a:p>
-        </p:txBody>
-      </p:sp>
       <p:cxnSp>
         <p:nvCxnSpPr>
-          <p:cNvPr id="265" name="Google Shape;265;p29"/>
+          <p:cNvPr id="235" name="Google Shape;235;p29"/>
           <p:cNvCxnSpPr>
-            <a:endCxn id="264" idx="1"/>
+            <a:endCxn id="234" idx="1"/>
           </p:cNvCxnSpPr>
           <p:nvPr/>
         </p:nvCxnSpPr>
@@ -14003,6 +12741,110 @@
           </a:ln>
         </p:spPr>
       </p:cxnSp>
+      <p:sp>
+        <p:nvSpPr>
+          <p:cNvPr id="236" name="Google Shape;236;p29"/>
+          <p:cNvSpPr txBox="1"/>
+          <p:nvPr/>
+        </p:nvSpPr>
+        <p:spPr>
+          <a:xfrm>
+            <a:off x="3865300" y="3830375"/>
+            <a:ext cx="544800" cy="400200"/>
+          </a:xfrm>
+          <a:prstGeom prst="rect">
+            <a:avLst/>
+          </a:prstGeom>
+          <a:noFill/>
+          <a:ln>
+            <a:noFill/>
+          </a:ln>
+        </p:spPr>
+        <p:txBody>
+          <a:bodyPr anchorCtr="0" anchor="t" bIns="91425" lIns="91425" spcFirstLastPara="1" rIns="91425" wrap="square" tIns="91425">
+            <a:spAutoFit/>
+          </a:bodyPr>
+          <a:lstStyle/>
+          <a:p>
+            <a:pPr indent="0" lvl="0" marL="0" rtl="0" algn="l">
+              <a:spcBef>
+                <a:spcPts val="0"/>
+              </a:spcBef>
+              <a:spcAft>
+                <a:spcPts val="0"/>
+              </a:spcAft>
+              <a:buNone/>
+            </a:pPr>
+            <a:r>
+              <a:rPr lang="en">
+                <a:latin typeface="Proxima Nova"/>
+                <a:ea typeface="Proxima Nova"/>
+                <a:cs typeface="Proxima Nova"/>
+                <a:sym typeface="Proxima Nova"/>
+              </a:rPr>
+              <a:t>19</a:t>
+            </a:r>
+            <a:endParaRPr>
+              <a:latin typeface="Proxima Nova"/>
+              <a:ea typeface="Proxima Nova"/>
+              <a:cs typeface="Proxima Nova"/>
+              <a:sym typeface="Proxima Nova"/>
+            </a:endParaRPr>
+          </a:p>
+        </p:txBody>
+      </p:sp>
+      <p:sp>
+        <p:nvSpPr>
+          <p:cNvPr id="237" name="Google Shape;237;p29"/>
+          <p:cNvSpPr txBox="1"/>
+          <p:nvPr/>
+        </p:nvSpPr>
+        <p:spPr>
+          <a:xfrm>
+            <a:off x="4328975" y="3830375"/>
+            <a:ext cx="544800" cy="400200"/>
+          </a:xfrm>
+          <a:prstGeom prst="rect">
+            <a:avLst/>
+          </a:prstGeom>
+          <a:noFill/>
+          <a:ln>
+            <a:noFill/>
+          </a:ln>
+        </p:spPr>
+        <p:txBody>
+          <a:bodyPr anchorCtr="0" anchor="t" bIns="91425" lIns="91425" spcFirstLastPara="1" rIns="91425" wrap="square" tIns="91425">
+            <a:spAutoFit/>
+          </a:bodyPr>
+          <a:lstStyle/>
+          <a:p>
+            <a:pPr indent="0" lvl="0" marL="0" rtl="0" algn="l">
+              <a:spcBef>
+                <a:spcPts val="0"/>
+              </a:spcBef>
+              <a:spcAft>
+                <a:spcPts val="0"/>
+              </a:spcAft>
+              <a:buNone/>
+            </a:pPr>
+            <a:r>
+              <a:rPr lang="en">
+                <a:latin typeface="Proxima Nova"/>
+                <a:ea typeface="Proxima Nova"/>
+                <a:cs typeface="Proxima Nova"/>
+                <a:sym typeface="Proxima Nova"/>
+              </a:rPr>
+              <a:t>19</a:t>
+            </a:r>
+            <a:endParaRPr>
+              <a:latin typeface="Proxima Nova"/>
+              <a:ea typeface="Proxima Nova"/>
+              <a:cs typeface="Proxima Nova"/>
+              <a:sym typeface="Proxima Nova"/>
+            </a:endParaRPr>
+          </a:p>
+        </p:txBody>
+      </p:sp>
     </p:spTree>
   </p:cSld>
   <p:clrMapOvr>
@@ -14016,7 +12858,7 @@
   <p:cSld>
     <p:spTree>
       <p:nvGrpSpPr>
-        <p:cNvPr id="269" name="Shape 269"/>
+        <p:cNvPr id="241" name="Shape 241"/>
         <p:cNvGrpSpPr/>
         <p:nvPr/>
       </p:nvGrpSpPr>
@@ -14030,7 +12872,7 @@
       </p:grpSpPr>
       <p:sp>
         <p:nvSpPr>
-          <p:cNvPr id="270" name="Google Shape;270;p30"/>
+          <p:cNvPr id="242" name="Google Shape;242;p30"/>
           <p:cNvSpPr txBox="1"/>
           <p:nvPr>
             <p:ph type="title"/>
@@ -14062,7 +12904,7 @@
             </a:pPr>
             <a:r>
               <a:rPr lang="en"/>
-              <a:t>Back Propagation</a:t>
+              <a:t>Forward Propagation Full Solution</a:t>
             </a:r>
             <a:endParaRPr/>
           </a:p>
@@ -14070,13 +12912,13 @@
       </p:sp>
       <p:sp>
         <p:nvSpPr>
-          <p:cNvPr id="271" name="Google Shape;271;p30"/>
+          <p:cNvPr id="243" name="Google Shape;243;p30"/>
           <p:cNvSpPr/>
           <p:nvPr/>
         </p:nvSpPr>
         <p:spPr>
           <a:xfrm>
-            <a:off x="941188" y="1291275"/>
+            <a:off x="1306300" y="1959425"/>
             <a:ext cx="979800" cy="979800"/>
           </a:xfrm>
           <a:prstGeom prst="ellipse">
@@ -14119,13 +12961,13 @@
       </p:sp>
       <p:sp>
         <p:nvSpPr>
-          <p:cNvPr id="272" name="Google Shape;272;p30"/>
+          <p:cNvPr id="244" name="Google Shape;244;p30"/>
           <p:cNvSpPr/>
           <p:nvPr/>
         </p:nvSpPr>
         <p:spPr>
           <a:xfrm>
-            <a:off x="941188" y="2872425"/>
+            <a:off x="1306300" y="3540575"/>
             <a:ext cx="979800" cy="979800"/>
           </a:xfrm>
           <a:prstGeom prst="ellipse">
@@ -14168,13 +13010,13 @@
       </p:sp>
       <p:sp>
         <p:nvSpPr>
-          <p:cNvPr id="273" name="Google Shape;273;p30"/>
+          <p:cNvPr id="245" name="Google Shape;245;p30"/>
           <p:cNvSpPr/>
           <p:nvPr/>
         </p:nvSpPr>
         <p:spPr>
           <a:xfrm>
-            <a:off x="3461238" y="2872425"/>
+            <a:off x="3826350" y="3540575"/>
             <a:ext cx="979800" cy="979800"/>
           </a:xfrm>
           <a:prstGeom prst="ellipse">
@@ -14217,13 +13059,13 @@
       </p:sp>
       <p:sp>
         <p:nvSpPr>
-          <p:cNvPr id="274" name="Google Shape;274;p30"/>
+          <p:cNvPr id="246" name="Google Shape;246;p30"/>
           <p:cNvSpPr/>
           <p:nvPr/>
         </p:nvSpPr>
         <p:spPr>
           <a:xfrm>
-            <a:off x="3461238" y="1291275"/>
+            <a:off x="3826350" y="1959425"/>
             <a:ext cx="979800" cy="979800"/>
           </a:xfrm>
           <a:prstGeom prst="ellipse">
@@ -14266,13 +13108,13 @@
       </p:sp>
       <p:sp>
         <p:nvSpPr>
-          <p:cNvPr id="275" name="Google Shape;275;p30"/>
+          <p:cNvPr id="247" name="Google Shape;247;p30"/>
           <p:cNvSpPr/>
           <p:nvPr/>
         </p:nvSpPr>
         <p:spPr>
           <a:xfrm>
-            <a:off x="5694813" y="2084575"/>
+            <a:off x="6059925" y="2752725"/>
             <a:ext cx="979800" cy="979800"/>
           </a:xfrm>
           <a:prstGeom prst="ellipse">
@@ -14315,16 +13157,16 @@
       </p:sp>
       <p:cxnSp>
         <p:nvCxnSpPr>
-          <p:cNvPr id="276" name="Google Shape;276;p30"/>
+          <p:cNvPr id="248" name="Google Shape;248;p30"/>
           <p:cNvCxnSpPr>
-            <a:stCxn id="271" idx="6"/>
-            <a:endCxn id="274" idx="2"/>
+            <a:stCxn id="243" idx="6"/>
+            <a:endCxn id="246" idx="2"/>
           </p:cNvCxnSpPr>
           <p:nvPr/>
         </p:nvCxnSpPr>
         <p:spPr>
           <a:xfrm>
-            <a:off x="1920988" y="1781175"/>
+            <a:off x="2286100" y="2449325"/>
             <a:ext cx="1540200" cy="0"/>
           </a:xfrm>
           <a:prstGeom prst="straightConnector1">
@@ -14344,16 +13186,16 @@
       </p:cxnSp>
       <p:cxnSp>
         <p:nvCxnSpPr>
-          <p:cNvPr id="277" name="Google Shape;277;p30"/>
+          <p:cNvPr id="249" name="Google Shape;249;p30"/>
           <p:cNvCxnSpPr>
-            <a:stCxn id="274" idx="6"/>
-            <a:endCxn id="275" idx="2"/>
+            <a:stCxn id="246" idx="6"/>
+            <a:endCxn id="247" idx="2"/>
           </p:cNvCxnSpPr>
           <p:nvPr/>
         </p:nvCxnSpPr>
         <p:spPr>
           <a:xfrm>
-            <a:off x="4441038" y="1781175"/>
+            <a:off x="4806150" y="2449325"/>
             <a:ext cx="1253700" cy="793200"/>
           </a:xfrm>
           <a:prstGeom prst="straightConnector1">
@@ -14373,16 +13215,16 @@
       </p:cxnSp>
       <p:cxnSp>
         <p:nvCxnSpPr>
-          <p:cNvPr id="278" name="Google Shape;278;p30"/>
+          <p:cNvPr id="250" name="Google Shape;250;p30"/>
           <p:cNvCxnSpPr>
-            <a:stCxn id="273" idx="6"/>
-            <a:endCxn id="275" idx="2"/>
+            <a:stCxn id="245" idx="6"/>
+            <a:endCxn id="247" idx="2"/>
           </p:cNvCxnSpPr>
           <p:nvPr/>
         </p:nvCxnSpPr>
         <p:spPr>
           <a:xfrm flipH="1" rot="10800000">
-            <a:off x="4441038" y="2574525"/>
+            <a:off x="4806150" y="3242675"/>
             <a:ext cx="1253700" cy="787800"/>
           </a:xfrm>
           <a:prstGeom prst="straightConnector1">
@@ -14402,15 +13244,15 @@
       </p:cxnSp>
       <p:cxnSp>
         <p:nvCxnSpPr>
-          <p:cNvPr id="279" name="Google Shape;279;p30"/>
+          <p:cNvPr id="251" name="Google Shape;251;p30"/>
           <p:cNvCxnSpPr>
-            <a:endCxn id="273" idx="2"/>
+            <a:endCxn id="245" idx="2"/>
           </p:cNvCxnSpPr>
           <p:nvPr/>
         </p:nvCxnSpPr>
         <p:spPr>
           <a:xfrm>
-            <a:off x="1921038" y="3362325"/>
+            <a:off x="2286150" y="4030475"/>
             <a:ext cx="1540200" cy="0"/>
           </a:xfrm>
           <a:prstGeom prst="straightConnector1">
@@ -14430,16 +13272,16 @@
       </p:cxnSp>
       <p:cxnSp>
         <p:nvCxnSpPr>
-          <p:cNvPr id="280" name="Google Shape;280;p30"/>
+          <p:cNvPr id="252" name="Google Shape;252;p30"/>
           <p:cNvCxnSpPr>
-            <a:stCxn id="271" idx="6"/>
-            <a:endCxn id="273" idx="2"/>
+            <a:stCxn id="243" idx="6"/>
+            <a:endCxn id="245" idx="2"/>
           </p:cNvCxnSpPr>
           <p:nvPr/>
         </p:nvCxnSpPr>
         <p:spPr>
           <a:xfrm>
-            <a:off x="1920988" y="1781175"/>
+            <a:off x="2286100" y="2449325"/>
             <a:ext cx="1540200" cy="1581300"/>
           </a:xfrm>
           <a:prstGeom prst="straightConnector1">
@@ -14459,16 +13301,16 @@
       </p:cxnSp>
       <p:cxnSp>
         <p:nvCxnSpPr>
-          <p:cNvPr id="281" name="Google Shape;281;p30"/>
+          <p:cNvPr id="253" name="Google Shape;253;p30"/>
           <p:cNvCxnSpPr>
-            <a:stCxn id="272" idx="6"/>
-            <a:endCxn id="274" idx="2"/>
+            <a:stCxn id="244" idx="6"/>
+            <a:endCxn id="246" idx="2"/>
           </p:cNvCxnSpPr>
           <p:nvPr/>
         </p:nvCxnSpPr>
         <p:spPr>
           <a:xfrm flipH="1" rot="10800000">
-            <a:off x="1920988" y="1781325"/>
+            <a:off x="2286100" y="2449475"/>
             <a:ext cx="1540200" cy="1581000"/>
           </a:xfrm>
           <a:prstGeom prst="straightConnector1">
@@ -14488,13 +13330,13 @@
       </p:cxnSp>
       <p:sp>
         <p:nvSpPr>
-          <p:cNvPr id="282" name="Google Shape;282;p30"/>
+          <p:cNvPr id="254" name="Google Shape;254;p30"/>
           <p:cNvSpPr txBox="1"/>
           <p:nvPr/>
         </p:nvSpPr>
         <p:spPr>
           <a:xfrm>
-            <a:off x="4826588" y="1628050"/>
+            <a:off x="5191700" y="2296200"/>
             <a:ext cx="402000" cy="400200"/>
           </a:xfrm>
           <a:prstGeom prst="rect">
@@ -14540,13 +13382,13 @@
       </p:sp>
       <p:sp>
         <p:nvSpPr>
-          <p:cNvPr id="283" name="Google Shape;283;p30"/>
+          <p:cNvPr id="255" name="Google Shape;255;p30"/>
           <p:cNvSpPr txBox="1"/>
           <p:nvPr/>
         </p:nvSpPr>
         <p:spPr>
           <a:xfrm>
-            <a:off x="5011288" y="3033175"/>
+            <a:off x="5376400" y="3701325"/>
             <a:ext cx="402000" cy="400200"/>
           </a:xfrm>
           <a:prstGeom prst="rect">
@@ -14592,13 +13434,13 @@
       </p:sp>
       <p:sp>
         <p:nvSpPr>
-          <p:cNvPr id="284" name="Google Shape;284;p30"/>
+          <p:cNvPr id="256" name="Google Shape;256;p30"/>
           <p:cNvSpPr txBox="1"/>
           <p:nvPr/>
         </p:nvSpPr>
         <p:spPr>
           <a:xfrm>
-            <a:off x="1226913" y="1628050"/>
+            <a:off x="1592025" y="2296200"/>
             <a:ext cx="544800" cy="400200"/>
           </a:xfrm>
           <a:prstGeom prst="rect">
@@ -14644,13 +13486,13 @@
       </p:sp>
       <p:sp>
         <p:nvSpPr>
-          <p:cNvPr id="285" name="Google Shape;285;p30"/>
+          <p:cNvPr id="257" name="Google Shape;257;p30"/>
           <p:cNvSpPr txBox="1"/>
           <p:nvPr/>
         </p:nvSpPr>
         <p:spPr>
           <a:xfrm>
-            <a:off x="1158688" y="3162225"/>
+            <a:off x="1523800" y="3830375"/>
             <a:ext cx="544800" cy="400200"/>
           </a:xfrm>
           <a:prstGeom prst="rect">
@@ -14696,13 +13538,13 @@
       </p:sp>
       <p:sp>
         <p:nvSpPr>
-          <p:cNvPr id="286" name="Google Shape;286;p30"/>
+          <p:cNvPr id="258" name="Google Shape;258;p30"/>
           <p:cNvSpPr txBox="1"/>
           <p:nvPr/>
         </p:nvSpPr>
         <p:spPr>
           <a:xfrm>
-            <a:off x="2530888" y="1452425"/>
+            <a:off x="2896000" y="2120575"/>
             <a:ext cx="544800" cy="400200"/>
           </a:xfrm>
           <a:prstGeom prst="rect">
@@ -14748,13 +13590,13 @@
       </p:sp>
       <p:sp>
         <p:nvSpPr>
-          <p:cNvPr id="287" name="Google Shape;287;p30"/>
+          <p:cNvPr id="259" name="Google Shape;259;p30"/>
           <p:cNvSpPr txBox="1"/>
           <p:nvPr/>
         </p:nvSpPr>
         <p:spPr>
           <a:xfrm>
-            <a:off x="1986088" y="1903625"/>
+            <a:off x="2351200" y="2571775"/>
             <a:ext cx="544800" cy="400200"/>
           </a:xfrm>
           <a:prstGeom prst="rect">
@@ -14800,13 +13642,13 @@
       </p:sp>
       <p:sp>
         <p:nvSpPr>
-          <p:cNvPr id="288" name="Google Shape;288;p30"/>
+          <p:cNvPr id="260" name="Google Shape;260;p30"/>
           <p:cNvSpPr txBox="1"/>
           <p:nvPr/>
         </p:nvSpPr>
         <p:spPr>
           <a:xfrm>
-            <a:off x="2119938" y="2632963"/>
+            <a:off x="2485050" y="3301113"/>
             <a:ext cx="544800" cy="400200"/>
           </a:xfrm>
           <a:prstGeom prst="rect">
@@ -14852,13 +13694,13 @@
       </p:sp>
       <p:sp>
         <p:nvSpPr>
-          <p:cNvPr id="289" name="Google Shape;289;p30"/>
+          <p:cNvPr id="261" name="Google Shape;261;p30"/>
           <p:cNvSpPr txBox="1"/>
           <p:nvPr/>
         </p:nvSpPr>
         <p:spPr>
           <a:xfrm>
-            <a:off x="2418713" y="3064363"/>
+            <a:off x="2783825" y="3732513"/>
             <a:ext cx="544800" cy="400200"/>
           </a:xfrm>
           <a:prstGeom prst="rect">
@@ -14904,16 +13746,16 @@
       </p:sp>
       <p:cxnSp>
         <p:nvCxnSpPr>
-          <p:cNvPr id="290" name="Google Shape;290;p30"/>
+          <p:cNvPr id="262" name="Google Shape;262;p30"/>
           <p:cNvCxnSpPr>
-            <a:stCxn id="274" idx="0"/>
-            <a:endCxn id="274" idx="4"/>
+            <a:stCxn id="246" idx="0"/>
+            <a:endCxn id="246" idx="4"/>
           </p:cNvCxnSpPr>
           <p:nvPr/>
         </p:nvCxnSpPr>
         <p:spPr>
           <a:xfrm>
-            <a:off x="3951138" y="1291275"/>
+            <a:off x="4316250" y="1959425"/>
             <a:ext cx="0" cy="979800"/>
           </a:xfrm>
           <a:prstGeom prst="straightConnector1">
@@ -14933,13 +13775,13 @@
       </p:cxnSp>
       <p:cxnSp>
         <p:nvCxnSpPr>
-          <p:cNvPr id="291" name="Google Shape;291;p30"/>
+          <p:cNvPr id="263" name="Google Shape;263;p30"/>
           <p:cNvCxnSpPr/>
           <p:nvPr/>
         </p:nvCxnSpPr>
         <p:spPr>
           <a:xfrm>
-            <a:off x="3951138" y="2872425"/>
+            <a:off x="4316250" y="3540575"/>
             <a:ext cx="0" cy="979800"/>
           </a:xfrm>
           <a:prstGeom prst="straightConnector1">
@@ -14959,13 +13801,13 @@
       </p:cxnSp>
       <p:cxnSp>
         <p:nvCxnSpPr>
-          <p:cNvPr id="292" name="Google Shape;292;p30"/>
+          <p:cNvPr id="264" name="Google Shape;264;p30"/>
           <p:cNvCxnSpPr/>
           <p:nvPr/>
         </p:nvCxnSpPr>
         <p:spPr>
           <a:xfrm>
-            <a:off x="6184713" y="2078575"/>
+            <a:off x="6549825" y="2746725"/>
             <a:ext cx="0" cy="979800"/>
           </a:xfrm>
           <a:prstGeom prst="straightConnector1">
@@ -14985,13 +13827,13 @@
       </p:cxnSp>
       <p:sp>
         <p:nvSpPr>
-          <p:cNvPr id="293" name="Google Shape;293;p30"/>
+          <p:cNvPr id="265" name="Google Shape;265;p30"/>
           <p:cNvSpPr txBox="1"/>
           <p:nvPr/>
         </p:nvSpPr>
         <p:spPr>
           <a:xfrm>
-            <a:off x="3558288" y="1581075"/>
+            <a:off x="3923400" y="2249225"/>
             <a:ext cx="544800" cy="400200"/>
           </a:xfrm>
           <a:prstGeom prst="rect">
@@ -15037,13 +13879,13 @@
       </p:sp>
       <p:sp>
         <p:nvSpPr>
-          <p:cNvPr id="294" name="Google Shape;294;p30"/>
+          <p:cNvPr id="266" name="Google Shape;266;p30"/>
           <p:cNvSpPr txBox="1"/>
           <p:nvPr/>
         </p:nvSpPr>
         <p:spPr>
           <a:xfrm>
-            <a:off x="3934488" y="1581075"/>
+            <a:off x="4299600" y="2249225"/>
             <a:ext cx="544800" cy="400200"/>
           </a:xfrm>
           <a:prstGeom prst="rect">
@@ -15089,13 +13931,13 @@
       </p:sp>
       <p:sp>
         <p:nvSpPr>
-          <p:cNvPr id="295" name="Google Shape;295;p30"/>
+          <p:cNvPr id="267" name="Google Shape;267;p30"/>
           <p:cNvSpPr txBox="1"/>
           <p:nvPr/>
         </p:nvSpPr>
         <p:spPr>
           <a:xfrm>
-            <a:off x="3500188" y="3162225"/>
+            <a:off x="3865300" y="3830375"/>
             <a:ext cx="544800" cy="400200"/>
           </a:xfrm>
           <a:prstGeom prst="rect">
@@ -15141,13 +13983,13 @@
       </p:sp>
       <p:sp>
         <p:nvSpPr>
-          <p:cNvPr id="296" name="Google Shape;296;p30"/>
+          <p:cNvPr id="268" name="Google Shape;268;p30"/>
           <p:cNvSpPr txBox="1"/>
           <p:nvPr/>
         </p:nvSpPr>
         <p:spPr>
           <a:xfrm>
-            <a:off x="3963863" y="3162225"/>
+            <a:off x="4328975" y="3830375"/>
             <a:ext cx="544800" cy="400200"/>
           </a:xfrm>
           <a:prstGeom prst="rect">
@@ -15193,13 +14035,13 @@
       </p:sp>
       <p:sp>
         <p:nvSpPr>
-          <p:cNvPr id="297" name="Google Shape;297;p30"/>
+          <p:cNvPr id="269" name="Google Shape;269;p30"/>
           <p:cNvSpPr txBox="1"/>
           <p:nvPr/>
         </p:nvSpPr>
         <p:spPr>
           <a:xfrm>
-            <a:off x="5739688" y="2374375"/>
+            <a:off x="6104800" y="3042525"/>
             <a:ext cx="544800" cy="400200"/>
           </a:xfrm>
           <a:prstGeom prst="rect">
@@ -15245,13 +14087,13 @@
       </p:sp>
       <p:sp>
         <p:nvSpPr>
-          <p:cNvPr id="298" name="Google Shape;298;p30"/>
+          <p:cNvPr id="270" name="Google Shape;270;p30"/>
           <p:cNvSpPr txBox="1"/>
           <p:nvPr/>
         </p:nvSpPr>
         <p:spPr>
           <a:xfrm>
-            <a:off x="6184713" y="2374375"/>
+            <a:off x="6549825" y="3042525"/>
             <a:ext cx="544800" cy="400200"/>
           </a:xfrm>
           <a:prstGeom prst="rect">
@@ -15297,13 +14139,13 @@
       </p:sp>
       <p:sp>
         <p:nvSpPr>
-          <p:cNvPr id="299" name="Google Shape;299;p30"/>
+          <p:cNvPr id="271" name="Google Shape;271;p30"/>
           <p:cNvSpPr txBox="1"/>
           <p:nvPr/>
         </p:nvSpPr>
         <p:spPr>
           <a:xfrm>
-            <a:off x="7658013" y="2368375"/>
+            <a:off x="8023125" y="3036525"/>
             <a:ext cx="544800" cy="400200"/>
           </a:xfrm>
           <a:prstGeom prst="rect">
@@ -15349,15 +14191,15 @@
       </p:sp>
       <p:cxnSp>
         <p:nvCxnSpPr>
-          <p:cNvPr id="300" name="Google Shape;300;p30"/>
+          <p:cNvPr id="272" name="Google Shape;272;p30"/>
           <p:cNvCxnSpPr>
-            <a:endCxn id="299" idx="1"/>
+            <a:endCxn id="271" idx="1"/>
           </p:cNvCxnSpPr>
           <p:nvPr/>
         </p:nvCxnSpPr>
         <p:spPr>
           <a:xfrm>
-            <a:off x="6674613" y="2568475"/>
+            <a:off x="7039725" y="3236625"/>
             <a:ext cx="983400" cy="0"/>
           </a:xfrm>
           <a:prstGeom prst="straightConnector1">
@@ -15375,114 +14217,6 @@
           </a:ln>
         </p:spPr>
       </p:cxnSp>
-      <p:sp>
-        <p:nvSpPr>
-          <p:cNvPr id="301" name="Google Shape;301;p30"/>
-          <p:cNvSpPr txBox="1"/>
-          <p:nvPr/>
-        </p:nvSpPr>
-        <p:spPr>
-          <a:xfrm>
-            <a:off x="3347400" y="4150275"/>
-            <a:ext cx="2990100" cy="400200"/>
-          </a:xfrm>
-          <a:prstGeom prst="rect">
-            <a:avLst/>
-          </a:prstGeom>
-          <a:noFill/>
-          <a:ln>
-            <a:noFill/>
-          </a:ln>
-        </p:spPr>
-        <p:txBody>
-          <a:bodyPr anchorCtr="0" anchor="t" bIns="91425" lIns="91425" spcFirstLastPara="1" rIns="91425" wrap="square" tIns="91425">
-            <a:spAutoFit/>
-          </a:bodyPr>
-          <a:lstStyle/>
-          <a:p>
-            <a:pPr indent="0" lvl="0" marL="0" rtl="0" algn="l">
-              <a:spcBef>
-                <a:spcPts val="0"/>
-              </a:spcBef>
-              <a:spcAft>
-                <a:spcPts val="0"/>
-              </a:spcAft>
-              <a:buNone/>
-            </a:pPr>
-            <a:r>
-              <a:rPr lang="en">
-                <a:latin typeface="Proxima Nova"/>
-                <a:ea typeface="Proxima Nova"/>
-                <a:cs typeface="Proxima Nova"/>
-                <a:sym typeface="Proxima Nova"/>
-              </a:rPr>
-              <a:t>What is       .       What about </a:t>
-            </a:r>
-            <a:endParaRPr>
-              <a:latin typeface="Proxima Nova"/>
-              <a:ea typeface="Proxima Nova"/>
-              <a:cs typeface="Proxima Nova"/>
-              <a:sym typeface="Proxima Nova"/>
-            </a:endParaRPr>
-          </a:p>
-        </p:txBody>
-      </p:sp>
-      <p:pic>
-        <p:nvPicPr>
-          <p:cNvPr id="302" name="Google Shape;302;p30"/>
-          <p:cNvPicPr preferRelativeResize="0"/>
-          <p:nvPr/>
-        </p:nvPicPr>
-        <p:blipFill>
-          <a:blip r:embed="rId3">
-            <a:alphaModFix/>
-          </a:blip>
-          <a:stretch>
-            <a:fillRect/>
-          </a:stretch>
-        </p:blipFill>
-        <p:spPr>
-          <a:xfrm>
-            <a:off x="4078975" y="4156609"/>
-            <a:ext cx="255831" cy="511113"/>
-          </a:xfrm>
-          <a:prstGeom prst="rect">
-            <a:avLst/>
-          </a:prstGeom>
-          <a:noFill/>
-          <a:ln>
-            <a:noFill/>
-          </a:ln>
-        </p:spPr>
-      </p:pic>
-      <p:pic>
-        <p:nvPicPr>
-          <p:cNvPr id="303" name="Google Shape;303;p30"/>
-          <p:cNvPicPr preferRelativeResize="0"/>
-          <p:nvPr/>
-        </p:nvPicPr>
-        <p:blipFill>
-          <a:blip r:embed="rId4">
-            <a:alphaModFix/>
-          </a:blip>
-          <a:stretch>
-            <a:fillRect/>
-          </a:stretch>
-        </p:blipFill>
-        <p:spPr>
-          <a:xfrm>
-            <a:off x="5694740" y="4131214"/>
-            <a:ext cx="348860" cy="498646"/>
-          </a:xfrm>
-          <a:prstGeom prst="rect">
-            <a:avLst/>
-          </a:prstGeom>
-          <a:noFill/>
-          <a:ln>
-            <a:noFill/>
-          </a:ln>
-        </p:spPr>
-      </p:pic>
     </p:spTree>
   </p:cSld>
   <p:clrMapOvr>
@@ -15496,7 +14230,7 @@
   <p:cSld>
     <p:spTree>
       <p:nvGrpSpPr>
-        <p:cNvPr id="307" name="Shape 307"/>
+        <p:cNvPr id="276" name="Shape 276"/>
         <p:cNvGrpSpPr/>
         <p:nvPr/>
       </p:nvGrpSpPr>
@@ -15510,7 +14244,7 @@
       </p:grpSpPr>
       <p:sp>
         <p:nvSpPr>
-          <p:cNvPr id="308" name="Google Shape;308;p31"/>
+          <p:cNvPr id="277" name="Google Shape;277;p31"/>
           <p:cNvSpPr txBox="1"/>
           <p:nvPr>
             <p:ph type="title"/>
@@ -15542,7 +14276,7 @@
             </a:pPr>
             <a:r>
               <a:rPr lang="en"/>
-              <a:t>Back Propagation Formulas</a:t>
+              <a:t>Back Propagation</a:t>
             </a:r>
             <a:endParaRPr/>
           </a:p>
@@ -15550,24 +14284,444 @@
       </p:sp>
       <p:sp>
         <p:nvSpPr>
-          <p:cNvPr id="309" name="Google Shape;309;p31"/>
+          <p:cNvPr id="278" name="Google Shape;278;p31"/>
+          <p:cNvSpPr/>
+          <p:nvPr/>
+        </p:nvSpPr>
+        <p:spPr>
+          <a:xfrm>
+            <a:off x="941188" y="1291275"/>
+            <a:ext cx="979800" cy="979800"/>
+          </a:xfrm>
+          <a:prstGeom prst="ellipse">
+            <a:avLst/>
+          </a:prstGeom>
+          <a:solidFill>
+            <a:schemeClr val="lt2"/>
+          </a:solidFill>
+          <a:ln cap="flat" cmpd="sng" w="9525">
+            <a:solidFill>
+              <a:schemeClr val="dk2"/>
+            </a:solidFill>
+            <a:prstDash val="solid"/>
+            <a:round/>
+            <a:headEnd len="sm" w="sm" type="none"/>
+            <a:tailEnd len="sm" w="sm" type="none"/>
+          </a:ln>
+        </p:spPr>
+        <p:txBody>
+          <a:bodyPr anchorCtr="0" anchor="ctr" bIns="91425" lIns="91425" spcFirstLastPara="1" rIns="91425" wrap="square" tIns="91425">
+            <a:noAutofit/>
+          </a:bodyPr>
+          <a:lstStyle/>
+          <a:p>
+            <a:pPr indent="0" lvl="0" marL="0" rtl="0" algn="l">
+              <a:spcBef>
+                <a:spcPts val="0"/>
+              </a:spcBef>
+              <a:spcAft>
+                <a:spcPts val="0"/>
+              </a:spcAft>
+              <a:buNone/>
+            </a:pPr>
+            <a:r>
+              <a:t/>
+            </a:r>
+            <a:endParaRPr/>
+          </a:p>
+        </p:txBody>
+      </p:sp>
+      <p:sp>
+        <p:nvSpPr>
+          <p:cNvPr id="279" name="Google Shape;279;p31"/>
+          <p:cNvSpPr/>
+          <p:nvPr/>
+        </p:nvSpPr>
+        <p:spPr>
+          <a:xfrm>
+            <a:off x="941188" y="2872425"/>
+            <a:ext cx="979800" cy="979800"/>
+          </a:xfrm>
+          <a:prstGeom prst="ellipse">
+            <a:avLst/>
+          </a:prstGeom>
+          <a:solidFill>
+            <a:schemeClr val="lt2"/>
+          </a:solidFill>
+          <a:ln cap="flat" cmpd="sng" w="9525">
+            <a:solidFill>
+              <a:schemeClr val="dk2"/>
+            </a:solidFill>
+            <a:prstDash val="solid"/>
+            <a:round/>
+            <a:headEnd len="sm" w="sm" type="none"/>
+            <a:tailEnd len="sm" w="sm" type="none"/>
+          </a:ln>
+        </p:spPr>
+        <p:txBody>
+          <a:bodyPr anchorCtr="0" anchor="ctr" bIns="91425" lIns="91425" spcFirstLastPara="1" rIns="91425" wrap="square" tIns="91425">
+            <a:noAutofit/>
+          </a:bodyPr>
+          <a:lstStyle/>
+          <a:p>
+            <a:pPr indent="0" lvl="0" marL="0" rtl="0" algn="l">
+              <a:spcBef>
+                <a:spcPts val="0"/>
+              </a:spcBef>
+              <a:spcAft>
+                <a:spcPts val="0"/>
+              </a:spcAft>
+              <a:buNone/>
+            </a:pPr>
+            <a:r>
+              <a:t/>
+            </a:r>
+            <a:endParaRPr/>
+          </a:p>
+        </p:txBody>
+      </p:sp>
+      <p:sp>
+        <p:nvSpPr>
+          <p:cNvPr id="280" name="Google Shape;280;p31"/>
+          <p:cNvSpPr/>
+          <p:nvPr/>
+        </p:nvSpPr>
+        <p:spPr>
+          <a:xfrm>
+            <a:off x="3461238" y="2872425"/>
+            <a:ext cx="979800" cy="979800"/>
+          </a:xfrm>
+          <a:prstGeom prst="ellipse">
+            <a:avLst/>
+          </a:prstGeom>
+          <a:solidFill>
+            <a:schemeClr val="lt2"/>
+          </a:solidFill>
+          <a:ln cap="flat" cmpd="sng" w="9525">
+            <a:solidFill>
+              <a:schemeClr val="dk2"/>
+            </a:solidFill>
+            <a:prstDash val="solid"/>
+            <a:round/>
+            <a:headEnd len="sm" w="sm" type="none"/>
+            <a:tailEnd len="sm" w="sm" type="none"/>
+          </a:ln>
+        </p:spPr>
+        <p:txBody>
+          <a:bodyPr anchorCtr="0" anchor="ctr" bIns="91425" lIns="91425" spcFirstLastPara="1" rIns="91425" wrap="square" tIns="91425">
+            <a:noAutofit/>
+          </a:bodyPr>
+          <a:lstStyle/>
+          <a:p>
+            <a:pPr indent="0" lvl="0" marL="0" rtl="0" algn="l">
+              <a:spcBef>
+                <a:spcPts val="0"/>
+              </a:spcBef>
+              <a:spcAft>
+                <a:spcPts val="0"/>
+              </a:spcAft>
+              <a:buNone/>
+            </a:pPr>
+            <a:r>
+              <a:t/>
+            </a:r>
+            <a:endParaRPr/>
+          </a:p>
+        </p:txBody>
+      </p:sp>
+      <p:sp>
+        <p:nvSpPr>
+          <p:cNvPr id="281" name="Google Shape;281;p31"/>
+          <p:cNvSpPr/>
+          <p:nvPr/>
+        </p:nvSpPr>
+        <p:spPr>
+          <a:xfrm>
+            <a:off x="3461238" y="1291275"/>
+            <a:ext cx="979800" cy="979800"/>
+          </a:xfrm>
+          <a:prstGeom prst="ellipse">
+            <a:avLst/>
+          </a:prstGeom>
+          <a:solidFill>
+            <a:schemeClr val="lt2"/>
+          </a:solidFill>
+          <a:ln cap="flat" cmpd="sng" w="9525">
+            <a:solidFill>
+              <a:schemeClr val="dk2"/>
+            </a:solidFill>
+            <a:prstDash val="solid"/>
+            <a:round/>
+            <a:headEnd len="sm" w="sm" type="none"/>
+            <a:tailEnd len="sm" w="sm" type="none"/>
+          </a:ln>
+        </p:spPr>
+        <p:txBody>
+          <a:bodyPr anchorCtr="0" anchor="ctr" bIns="91425" lIns="91425" spcFirstLastPara="1" rIns="91425" wrap="square" tIns="91425">
+            <a:noAutofit/>
+          </a:bodyPr>
+          <a:lstStyle/>
+          <a:p>
+            <a:pPr indent="0" lvl="0" marL="0" rtl="0" algn="l">
+              <a:spcBef>
+                <a:spcPts val="0"/>
+              </a:spcBef>
+              <a:spcAft>
+                <a:spcPts val="0"/>
+              </a:spcAft>
+              <a:buNone/>
+            </a:pPr>
+            <a:r>
+              <a:t/>
+            </a:r>
+            <a:endParaRPr/>
+          </a:p>
+        </p:txBody>
+      </p:sp>
+      <p:sp>
+        <p:nvSpPr>
+          <p:cNvPr id="282" name="Google Shape;282;p31"/>
+          <p:cNvSpPr/>
+          <p:nvPr/>
+        </p:nvSpPr>
+        <p:spPr>
+          <a:xfrm>
+            <a:off x="5694813" y="2084575"/>
+            <a:ext cx="979800" cy="979800"/>
+          </a:xfrm>
+          <a:prstGeom prst="ellipse">
+            <a:avLst/>
+          </a:prstGeom>
+          <a:solidFill>
+            <a:schemeClr val="lt2"/>
+          </a:solidFill>
+          <a:ln cap="flat" cmpd="sng" w="9525">
+            <a:solidFill>
+              <a:schemeClr val="dk2"/>
+            </a:solidFill>
+            <a:prstDash val="solid"/>
+            <a:round/>
+            <a:headEnd len="sm" w="sm" type="none"/>
+            <a:tailEnd len="sm" w="sm" type="none"/>
+          </a:ln>
+        </p:spPr>
+        <p:txBody>
+          <a:bodyPr anchorCtr="0" anchor="ctr" bIns="91425" lIns="91425" spcFirstLastPara="1" rIns="91425" wrap="square" tIns="91425">
+            <a:noAutofit/>
+          </a:bodyPr>
+          <a:lstStyle/>
+          <a:p>
+            <a:pPr indent="0" lvl="0" marL="0" rtl="0" algn="l">
+              <a:spcBef>
+                <a:spcPts val="0"/>
+              </a:spcBef>
+              <a:spcAft>
+                <a:spcPts val="0"/>
+              </a:spcAft>
+              <a:buNone/>
+            </a:pPr>
+            <a:r>
+              <a:t/>
+            </a:r>
+            <a:endParaRPr/>
+          </a:p>
+        </p:txBody>
+      </p:sp>
+      <p:cxnSp>
+        <p:nvCxnSpPr>
+          <p:cNvPr id="283" name="Google Shape;283;p31"/>
+          <p:cNvCxnSpPr>
+            <a:stCxn id="278" idx="6"/>
+            <a:endCxn id="281" idx="2"/>
+          </p:cNvCxnSpPr>
+          <p:nvPr/>
+        </p:nvCxnSpPr>
+        <p:spPr>
+          <a:xfrm>
+            <a:off x="1920988" y="1781175"/>
+            <a:ext cx="1540200" cy="0"/>
+          </a:xfrm>
+          <a:prstGeom prst="straightConnector1">
+            <a:avLst/>
+          </a:prstGeom>
+          <a:noFill/>
+          <a:ln cap="flat" cmpd="sng" w="9525">
+            <a:solidFill>
+              <a:schemeClr val="dk2"/>
+            </a:solidFill>
+            <a:prstDash val="solid"/>
+            <a:round/>
+            <a:headEnd len="med" w="med" type="none"/>
+            <a:tailEnd len="med" w="med" type="none"/>
+          </a:ln>
+        </p:spPr>
+      </p:cxnSp>
+      <p:cxnSp>
+        <p:nvCxnSpPr>
+          <p:cNvPr id="284" name="Google Shape;284;p31"/>
+          <p:cNvCxnSpPr>
+            <a:stCxn id="281" idx="6"/>
+            <a:endCxn id="282" idx="2"/>
+          </p:cNvCxnSpPr>
+          <p:nvPr/>
+        </p:nvCxnSpPr>
+        <p:spPr>
+          <a:xfrm>
+            <a:off x="4441038" y="1781175"/>
+            <a:ext cx="1253700" cy="793200"/>
+          </a:xfrm>
+          <a:prstGeom prst="straightConnector1">
+            <a:avLst/>
+          </a:prstGeom>
+          <a:noFill/>
+          <a:ln cap="flat" cmpd="sng" w="9525">
+            <a:solidFill>
+              <a:schemeClr val="dk2"/>
+            </a:solidFill>
+            <a:prstDash val="solid"/>
+            <a:round/>
+            <a:headEnd len="med" w="med" type="none"/>
+            <a:tailEnd len="med" w="med" type="none"/>
+          </a:ln>
+        </p:spPr>
+      </p:cxnSp>
+      <p:cxnSp>
+        <p:nvCxnSpPr>
+          <p:cNvPr id="285" name="Google Shape;285;p31"/>
+          <p:cNvCxnSpPr>
+            <a:stCxn id="280" idx="6"/>
+            <a:endCxn id="282" idx="2"/>
+          </p:cNvCxnSpPr>
+          <p:nvPr/>
+        </p:nvCxnSpPr>
+        <p:spPr>
+          <a:xfrm flipH="1" rot="10800000">
+            <a:off x="4441038" y="2574525"/>
+            <a:ext cx="1253700" cy="787800"/>
+          </a:xfrm>
+          <a:prstGeom prst="straightConnector1">
+            <a:avLst/>
+          </a:prstGeom>
+          <a:noFill/>
+          <a:ln cap="flat" cmpd="sng" w="9525">
+            <a:solidFill>
+              <a:schemeClr val="dk2"/>
+            </a:solidFill>
+            <a:prstDash val="solid"/>
+            <a:round/>
+            <a:headEnd len="med" w="med" type="none"/>
+            <a:tailEnd len="med" w="med" type="none"/>
+          </a:ln>
+        </p:spPr>
+      </p:cxnSp>
+      <p:cxnSp>
+        <p:nvCxnSpPr>
+          <p:cNvPr id="286" name="Google Shape;286;p31"/>
+          <p:cNvCxnSpPr>
+            <a:endCxn id="280" idx="2"/>
+          </p:cNvCxnSpPr>
+          <p:nvPr/>
+        </p:nvCxnSpPr>
+        <p:spPr>
+          <a:xfrm>
+            <a:off x="1921038" y="3362325"/>
+            <a:ext cx="1540200" cy="0"/>
+          </a:xfrm>
+          <a:prstGeom prst="straightConnector1">
+            <a:avLst/>
+          </a:prstGeom>
+          <a:noFill/>
+          <a:ln cap="flat" cmpd="sng" w="9525">
+            <a:solidFill>
+              <a:schemeClr val="dk2"/>
+            </a:solidFill>
+            <a:prstDash val="solid"/>
+            <a:round/>
+            <a:headEnd len="med" w="med" type="none"/>
+            <a:tailEnd len="med" w="med" type="none"/>
+          </a:ln>
+        </p:spPr>
+      </p:cxnSp>
+      <p:cxnSp>
+        <p:nvCxnSpPr>
+          <p:cNvPr id="287" name="Google Shape;287;p31"/>
+          <p:cNvCxnSpPr>
+            <a:stCxn id="278" idx="6"/>
+            <a:endCxn id="280" idx="2"/>
+          </p:cNvCxnSpPr>
+          <p:nvPr/>
+        </p:nvCxnSpPr>
+        <p:spPr>
+          <a:xfrm>
+            <a:off x="1920988" y="1781175"/>
+            <a:ext cx="1540200" cy="1581300"/>
+          </a:xfrm>
+          <a:prstGeom prst="straightConnector1">
+            <a:avLst/>
+          </a:prstGeom>
+          <a:noFill/>
+          <a:ln cap="flat" cmpd="sng" w="9525">
+            <a:solidFill>
+              <a:schemeClr val="dk2"/>
+            </a:solidFill>
+            <a:prstDash val="solid"/>
+            <a:round/>
+            <a:headEnd len="med" w="med" type="none"/>
+            <a:tailEnd len="med" w="med" type="none"/>
+          </a:ln>
+        </p:spPr>
+      </p:cxnSp>
+      <p:cxnSp>
+        <p:nvCxnSpPr>
+          <p:cNvPr id="288" name="Google Shape;288;p31"/>
+          <p:cNvCxnSpPr>
+            <a:stCxn id="279" idx="6"/>
+            <a:endCxn id="281" idx="2"/>
+          </p:cNvCxnSpPr>
+          <p:nvPr/>
+        </p:nvCxnSpPr>
+        <p:spPr>
+          <a:xfrm flipH="1" rot="10800000">
+            <a:off x="1920988" y="1781325"/>
+            <a:ext cx="1540200" cy="1581000"/>
+          </a:xfrm>
+          <a:prstGeom prst="straightConnector1">
+            <a:avLst/>
+          </a:prstGeom>
+          <a:noFill/>
+          <a:ln cap="flat" cmpd="sng" w="9525">
+            <a:solidFill>
+              <a:schemeClr val="dk2"/>
+            </a:solidFill>
+            <a:prstDash val="solid"/>
+            <a:round/>
+            <a:headEnd len="med" w="med" type="none"/>
+            <a:tailEnd len="med" w="med" type="none"/>
+          </a:ln>
+        </p:spPr>
+      </p:cxnSp>
+      <p:sp>
+        <p:nvSpPr>
+          <p:cNvPr id="289" name="Google Shape;289;p31"/>
           <p:cNvSpPr txBox="1"/>
-          <p:nvPr>
-            <p:ph idx="1" type="body"/>
-          </p:nvPr>
-        </p:nvSpPr>
-        <p:spPr>
-          <a:xfrm>
-            <a:off x="311700" y="1152475"/>
-            <a:ext cx="8520600" cy="3416400"/>
+          <p:nvPr/>
+        </p:nvSpPr>
+        <p:spPr>
+          <a:xfrm>
+            <a:off x="4826588" y="1628050"/>
+            <a:ext cx="402000" cy="400200"/>
           </a:xfrm>
           <a:prstGeom prst="rect">
             <a:avLst/>
           </a:prstGeom>
+          <a:noFill/>
+          <a:ln>
+            <a:noFill/>
+          </a:ln>
         </p:spPr>
         <p:txBody>
           <a:bodyPr anchorCtr="0" anchor="t" bIns="91425" lIns="91425" spcFirstLastPara="1" rIns="91425" wrap="square" tIns="91425">
-            <a:normAutofit/>
+            <a:spAutoFit/>
           </a:bodyPr>
           <a:lstStyle/>
           <a:p>
@@ -15576,20 +14730,920 @@
                 <a:spcPts val="0"/>
               </a:spcBef>
               <a:spcAft>
-                <a:spcPts val="1200"/>
-              </a:spcAft>
-              <a:buNone/>
-            </a:pPr>
-            <a:r>
-              <a:t/>
-            </a:r>
-            <a:endParaRPr/>
+                <a:spcPts val="0"/>
+              </a:spcAft>
+              <a:buNone/>
+            </a:pPr>
+            <a:r>
+              <a:rPr lang="en">
+                <a:latin typeface="Proxima Nova"/>
+                <a:ea typeface="Proxima Nova"/>
+                <a:cs typeface="Proxima Nova"/>
+                <a:sym typeface="Proxima Nova"/>
+              </a:rPr>
+              <a:t>1</a:t>
+            </a:r>
+            <a:endParaRPr>
+              <a:latin typeface="Proxima Nova"/>
+              <a:ea typeface="Proxima Nova"/>
+              <a:cs typeface="Proxima Nova"/>
+              <a:sym typeface="Proxima Nova"/>
+            </a:endParaRPr>
+          </a:p>
+        </p:txBody>
+      </p:sp>
+      <p:sp>
+        <p:nvSpPr>
+          <p:cNvPr id="290" name="Google Shape;290;p31"/>
+          <p:cNvSpPr txBox="1"/>
+          <p:nvPr/>
+        </p:nvSpPr>
+        <p:spPr>
+          <a:xfrm>
+            <a:off x="5011288" y="3033175"/>
+            <a:ext cx="402000" cy="400200"/>
+          </a:xfrm>
+          <a:prstGeom prst="rect">
+            <a:avLst/>
+          </a:prstGeom>
+          <a:noFill/>
+          <a:ln>
+            <a:noFill/>
+          </a:ln>
+        </p:spPr>
+        <p:txBody>
+          <a:bodyPr anchorCtr="0" anchor="t" bIns="91425" lIns="91425" spcFirstLastPara="1" rIns="91425" wrap="square" tIns="91425">
+            <a:spAutoFit/>
+          </a:bodyPr>
+          <a:lstStyle/>
+          <a:p>
+            <a:pPr indent="0" lvl="0" marL="0" rtl="0" algn="l">
+              <a:spcBef>
+                <a:spcPts val="0"/>
+              </a:spcBef>
+              <a:spcAft>
+                <a:spcPts val="0"/>
+              </a:spcAft>
+              <a:buNone/>
+            </a:pPr>
+            <a:r>
+              <a:rPr lang="en">
+                <a:latin typeface="Proxima Nova"/>
+                <a:ea typeface="Proxima Nova"/>
+                <a:cs typeface="Proxima Nova"/>
+                <a:sym typeface="Proxima Nova"/>
+              </a:rPr>
+              <a:t>2</a:t>
+            </a:r>
+            <a:endParaRPr>
+              <a:latin typeface="Proxima Nova"/>
+              <a:ea typeface="Proxima Nova"/>
+              <a:cs typeface="Proxima Nova"/>
+              <a:sym typeface="Proxima Nova"/>
+            </a:endParaRPr>
+          </a:p>
+        </p:txBody>
+      </p:sp>
+      <p:sp>
+        <p:nvSpPr>
+          <p:cNvPr id="291" name="Google Shape;291;p31"/>
+          <p:cNvSpPr txBox="1"/>
+          <p:nvPr/>
+        </p:nvSpPr>
+        <p:spPr>
+          <a:xfrm>
+            <a:off x="1226913" y="1628050"/>
+            <a:ext cx="544800" cy="400200"/>
+          </a:xfrm>
+          <a:prstGeom prst="rect">
+            <a:avLst/>
+          </a:prstGeom>
+          <a:noFill/>
+          <a:ln>
+            <a:noFill/>
+          </a:ln>
+        </p:spPr>
+        <p:txBody>
+          <a:bodyPr anchorCtr="0" anchor="t" bIns="91425" lIns="91425" spcFirstLastPara="1" rIns="91425" wrap="square" tIns="91425">
+            <a:spAutoFit/>
+          </a:bodyPr>
+          <a:lstStyle/>
+          <a:p>
+            <a:pPr indent="0" lvl="0" marL="0" rtl="0" algn="l">
+              <a:spcBef>
+                <a:spcPts val="0"/>
+              </a:spcBef>
+              <a:spcAft>
+                <a:spcPts val="0"/>
+              </a:spcAft>
+              <a:buNone/>
+            </a:pPr>
+            <a:r>
+              <a:rPr lang="en">
+                <a:latin typeface="Proxima Nova"/>
+                <a:ea typeface="Proxima Nova"/>
+                <a:cs typeface="Proxima Nova"/>
+                <a:sym typeface="Proxima Nova"/>
+              </a:rPr>
+              <a:t>5</a:t>
+            </a:r>
+            <a:endParaRPr>
+              <a:latin typeface="Proxima Nova"/>
+              <a:ea typeface="Proxima Nova"/>
+              <a:cs typeface="Proxima Nova"/>
+              <a:sym typeface="Proxima Nova"/>
+            </a:endParaRPr>
+          </a:p>
+        </p:txBody>
+      </p:sp>
+      <p:sp>
+        <p:nvSpPr>
+          <p:cNvPr id="292" name="Google Shape;292;p31"/>
+          <p:cNvSpPr txBox="1"/>
+          <p:nvPr/>
+        </p:nvSpPr>
+        <p:spPr>
+          <a:xfrm>
+            <a:off x="1158688" y="3162225"/>
+            <a:ext cx="544800" cy="400200"/>
+          </a:xfrm>
+          <a:prstGeom prst="rect">
+            <a:avLst/>
+          </a:prstGeom>
+          <a:noFill/>
+          <a:ln>
+            <a:noFill/>
+          </a:ln>
+        </p:spPr>
+        <p:txBody>
+          <a:bodyPr anchorCtr="0" anchor="t" bIns="91425" lIns="91425" spcFirstLastPara="1" rIns="91425" wrap="square" tIns="91425">
+            <a:spAutoFit/>
+          </a:bodyPr>
+          <a:lstStyle/>
+          <a:p>
+            <a:pPr indent="0" lvl="0" marL="0" rtl="0" algn="l">
+              <a:spcBef>
+                <a:spcPts val="0"/>
+              </a:spcBef>
+              <a:spcAft>
+                <a:spcPts val="0"/>
+              </a:spcAft>
+              <a:buNone/>
+            </a:pPr>
+            <a:r>
+              <a:rPr lang="en">
+                <a:latin typeface="Proxima Nova"/>
+                <a:ea typeface="Proxima Nova"/>
+                <a:cs typeface="Proxima Nova"/>
+                <a:sym typeface="Proxima Nova"/>
+              </a:rPr>
+              <a:t>4</a:t>
+            </a:r>
+            <a:endParaRPr>
+              <a:latin typeface="Proxima Nova"/>
+              <a:ea typeface="Proxima Nova"/>
+              <a:cs typeface="Proxima Nova"/>
+              <a:sym typeface="Proxima Nova"/>
+            </a:endParaRPr>
+          </a:p>
+        </p:txBody>
+      </p:sp>
+      <p:sp>
+        <p:nvSpPr>
+          <p:cNvPr id="293" name="Google Shape;293;p31"/>
+          <p:cNvSpPr txBox="1"/>
+          <p:nvPr/>
+        </p:nvSpPr>
+        <p:spPr>
+          <a:xfrm>
+            <a:off x="2530888" y="1452425"/>
+            <a:ext cx="544800" cy="400200"/>
+          </a:xfrm>
+          <a:prstGeom prst="rect">
+            <a:avLst/>
+          </a:prstGeom>
+          <a:noFill/>
+          <a:ln>
+            <a:noFill/>
+          </a:ln>
+        </p:spPr>
+        <p:txBody>
+          <a:bodyPr anchorCtr="0" anchor="t" bIns="91425" lIns="91425" spcFirstLastPara="1" rIns="91425" wrap="square" tIns="91425">
+            <a:spAutoFit/>
+          </a:bodyPr>
+          <a:lstStyle/>
+          <a:p>
+            <a:pPr indent="0" lvl="0" marL="0" rtl="0" algn="l">
+              <a:spcBef>
+                <a:spcPts val="0"/>
+              </a:spcBef>
+              <a:spcAft>
+                <a:spcPts val="0"/>
+              </a:spcAft>
+              <a:buNone/>
+            </a:pPr>
+            <a:r>
+              <a:rPr lang="en">
+                <a:latin typeface="Proxima Nova"/>
+                <a:ea typeface="Proxima Nova"/>
+                <a:cs typeface="Proxima Nova"/>
+                <a:sym typeface="Proxima Nova"/>
+              </a:rPr>
+              <a:t>2</a:t>
+            </a:r>
+            <a:endParaRPr>
+              <a:latin typeface="Proxima Nova"/>
+              <a:ea typeface="Proxima Nova"/>
+              <a:cs typeface="Proxima Nova"/>
+              <a:sym typeface="Proxima Nova"/>
+            </a:endParaRPr>
+          </a:p>
+        </p:txBody>
+      </p:sp>
+      <p:sp>
+        <p:nvSpPr>
+          <p:cNvPr id="294" name="Google Shape;294;p31"/>
+          <p:cNvSpPr txBox="1"/>
+          <p:nvPr/>
+        </p:nvSpPr>
+        <p:spPr>
+          <a:xfrm>
+            <a:off x="1986088" y="1903625"/>
+            <a:ext cx="544800" cy="400200"/>
+          </a:xfrm>
+          <a:prstGeom prst="rect">
+            <a:avLst/>
+          </a:prstGeom>
+          <a:noFill/>
+          <a:ln>
+            <a:noFill/>
+          </a:ln>
+        </p:spPr>
+        <p:txBody>
+          <a:bodyPr anchorCtr="0" anchor="t" bIns="91425" lIns="91425" spcFirstLastPara="1" rIns="91425" wrap="square" tIns="91425">
+            <a:spAutoFit/>
+          </a:bodyPr>
+          <a:lstStyle/>
+          <a:p>
+            <a:pPr indent="0" lvl="0" marL="0" rtl="0" algn="l">
+              <a:spcBef>
+                <a:spcPts val="0"/>
+              </a:spcBef>
+              <a:spcAft>
+                <a:spcPts val="0"/>
+              </a:spcAft>
+              <a:buNone/>
+            </a:pPr>
+            <a:r>
+              <a:rPr lang="en">
+                <a:latin typeface="Proxima Nova"/>
+                <a:ea typeface="Proxima Nova"/>
+                <a:cs typeface="Proxima Nova"/>
+                <a:sym typeface="Proxima Nova"/>
+              </a:rPr>
+              <a:t>3</a:t>
+            </a:r>
+            <a:endParaRPr>
+              <a:latin typeface="Proxima Nova"/>
+              <a:ea typeface="Proxima Nova"/>
+              <a:cs typeface="Proxima Nova"/>
+              <a:sym typeface="Proxima Nova"/>
+            </a:endParaRPr>
+          </a:p>
+        </p:txBody>
+      </p:sp>
+      <p:sp>
+        <p:nvSpPr>
+          <p:cNvPr id="295" name="Google Shape;295;p31"/>
+          <p:cNvSpPr txBox="1"/>
+          <p:nvPr/>
+        </p:nvSpPr>
+        <p:spPr>
+          <a:xfrm>
+            <a:off x="2119938" y="2632963"/>
+            <a:ext cx="544800" cy="400200"/>
+          </a:xfrm>
+          <a:prstGeom prst="rect">
+            <a:avLst/>
+          </a:prstGeom>
+          <a:noFill/>
+          <a:ln>
+            <a:noFill/>
+          </a:ln>
+        </p:spPr>
+        <p:txBody>
+          <a:bodyPr anchorCtr="0" anchor="t" bIns="91425" lIns="91425" spcFirstLastPara="1" rIns="91425" wrap="square" tIns="91425">
+            <a:spAutoFit/>
+          </a:bodyPr>
+          <a:lstStyle/>
+          <a:p>
+            <a:pPr indent="0" lvl="0" marL="0" rtl="0" algn="l">
+              <a:spcBef>
+                <a:spcPts val="0"/>
+              </a:spcBef>
+              <a:spcAft>
+                <a:spcPts val="0"/>
+              </a:spcAft>
+              <a:buNone/>
+            </a:pPr>
+            <a:r>
+              <a:rPr lang="en">
+                <a:latin typeface="Proxima Nova"/>
+                <a:ea typeface="Proxima Nova"/>
+                <a:cs typeface="Proxima Nova"/>
+                <a:sym typeface="Proxima Nova"/>
+              </a:rPr>
+              <a:t>-3</a:t>
+            </a:r>
+            <a:endParaRPr>
+              <a:latin typeface="Proxima Nova"/>
+              <a:ea typeface="Proxima Nova"/>
+              <a:cs typeface="Proxima Nova"/>
+              <a:sym typeface="Proxima Nova"/>
+            </a:endParaRPr>
+          </a:p>
+        </p:txBody>
+      </p:sp>
+      <p:sp>
+        <p:nvSpPr>
+          <p:cNvPr id="296" name="Google Shape;296;p31"/>
+          <p:cNvSpPr txBox="1"/>
+          <p:nvPr/>
+        </p:nvSpPr>
+        <p:spPr>
+          <a:xfrm>
+            <a:off x="2418713" y="3064363"/>
+            <a:ext cx="544800" cy="400200"/>
+          </a:xfrm>
+          <a:prstGeom prst="rect">
+            <a:avLst/>
+          </a:prstGeom>
+          <a:noFill/>
+          <a:ln>
+            <a:noFill/>
+          </a:ln>
+        </p:spPr>
+        <p:txBody>
+          <a:bodyPr anchorCtr="0" anchor="t" bIns="91425" lIns="91425" spcFirstLastPara="1" rIns="91425" wrap="square" tIns="91425">
+            <a:spAutoFit/>
+          </a:bodyPr>
+          <a:lstStyle/>
+          <a:p>
+            <a:pPr indent="0" lvl="0" marL="0" rtl="0" algn="l">
+              <a:spcBef>
+                <a:spcPts val="0"/>
+              </a:spcBef>
+              <a:spcAft>
+                <a:spcPts val="0"/>
+              </a:spcAft>
+              <a:buNone/>
+            </a:pPr>
+            <a:r>
+              <a:rPr lang="en">
+                <a:latin typeface="Proxima Nova"/>
+                <a:ea typeface="Proxima Nova"/>
+                <a:cs typeface="Proxima Nova"/>
+                <a:sym typeface="Proxima Nova"/>
+              </a:rPr>
+              <a:t>1</a:t>
+            </a:r>
+            <a:endParaRPr>
+              <a:latin typeface="Proxima Nova"/>
+              <a:ea typeface="Proxima Nova"/>
+              <a:cs typeface="Proxima Nova"/>
+              <a:sym typeface="Proxima Nova"/>
+            </a:endParaRPr>
+          </a:p>
+        </p:txBody>
+      </p:sp>
+      <p:cxnSp>
+        <p:nvCxnSpPr>
+          <p:cNvPr id="297" name="Google Shape;297;p31"/>
+          <p:cNvCxnSpPr>
+            <a:stCxn id="281" idx="0"/>
+            <a:endCxn id="281" idx="4"/>
+          </p:cNvCxnSpPr>
+          <p:nvPr/>
+        </p:nvCxnSpPr>
+        <p:spPr>
+          <a:xfrm>
+            <a:off x="3951138" y="1291275"/>
+            <a:ext cx="0" cy="979800"/>
+          </a:xfrm>
+          <a:prstGeom prst="straightConnector1">
+            <a:avLst/>
+          </a:prstGeom>
+          <a:noFill/>
+          <a:ln cap="flat" cmpd="sng" w="9525">
+            <a:solidFill>
+              <a:schemeClr val="dk1"/>
+            </a:solidFill>
+            <a:prstDash val="solid"/>
+            <a:round/>
+            <a:headEnd len="med" w="med" type="none"/>
+            <a:tailEnd len="med" w="med" type="none"/>
+          </a:ln>
+        </p:spPr>
+      </p:cxnSp>
+      <p:cxnSp>
+        <p:nvCxnSpPr>
+          <p:cNvPr id="298" name="Google Shape;298;p31"/>
+          <p:cNvCxnSpPr/>
+          <p:nvPr/>
+        </p:nvCxnSpPr>
+        <p:spPr>
+          <a:xfrm>
+            <a:off x="3951138" y="2872425"/>
+            <a:ext cx="0" cy="979800"/>
+          </a:xfrm>
+          <a:prstGeom prst="straightConnector1">
+            <a:avLst/>
+          </a:prstGeom>
+          <a:noFill/>
+          <a:ln cap="flat" cmpd="sng" w="9525">
+            <a:solidFill>
+              <a:schemeClr val="dk1"/>
+            </a:solidFill>
+            <a:prstDash val="solid"/>
+            <a:round/>
+            <a:headEnd len="med" w="med" type="none"/>
+            <a:tailEnd len="med" w="med" type="none"/>
+          </a:ln>
+        </p:spPr>
+      </p:cxnSp>
+      <p:cxnSp>
+        <p:nvCxnSpPr>
+          <p:cNvPr id="299" name="Google Shape;299;p31"/>
+          <p:cNvCxnSpPr/>
+          <p:nvPr/>
+        </p:nvCxnSpPr>
+        <p:spPr>
+          <a:xfrm>
+            <a:off x="6184713" y="2078575"/>
+            <a:ext cx="0" cy="979800"/>
+          </a:xfrm>
+          <a:prstGeom prst="straightConnector1">
+            <a:avLst/>
+          </a:prstGeom>
+          <a:noFill/>
+          <a:ln cap="flat" cmpd="sng" w="9525">
+            <a:solidFill>
+              <a:schemeClr val="dk1"/>
+            </a:solidFill>
+            <a:prstDash val="solid"/>
+            <a:round/>
+            <a:headEnd len="med" w="med" type="none"/>
+            <a:tailEnd len="med" w="med" type="none"/>
+          </a:ln>
+        </p:spPr>
+      </p:cxnSp>
+      <p:sp>
+        <p:nvSpPr>
+          <p:cNvPr id="300" name="Google Shape;300;p31"/>
+          <p:cNvSpPr txBox="1"/>
+          <p:nvPr/>
+        </p:nvSpPr>
+        <p:spPr>
+          <a:xfrm>
+            <a:off x="3558288" y="1581075"/>
+            <a:ext cx="544800" cy="400200"/>
+          </a:xfrm>
+          <a:prstGeom prst="rect">
+            <a:avLst/>
+          </a:prstGeom>
+          <a:noFill/>
+          <a:ln>
+            <a:noFill/>
+          </a:ln>
+        </p:spPr>
+        <p:txBody>
+          <a:bodyPr anchorCtr="0" anchor="t" bIns="91425" lIns="91425" spcFirstLastPara="1" rIns="91425" wrap="square" tIns="91425">
+            <a:spAutoFit/>
+          </a:bodyPr>
+          <a:lstStyle/>
+          <a:p>
+            <a:pPr indent="0" lvl="0" marL="0" rtl="0" algn="l">
+              <a:spcBef>
+                <a:spcPts val="0"/>
+              </a:spcBef>
+              <a:spcAft>
+                <a:spcPts val="0"/>
+              </a:spcAft>
+              <a:buNone/>
+            </a:pPr>
+            <a:r>
+              <a:rPr b="1" lang="en">
+                <a:latin typeface="Proxima Nova"/>
+                <a:ea typeface="Proxima Nova"/>
+                <a:cs typeface="Proxima Nova"/>
+                <a:sym typeface="Proxima Nova"/>
+              </a:rPr>
+              <a:t>-2</a:t>
+            </a:r>
+            <a:endParaRPr b="1">
+              <a:latin typeface="Proxima Nova"/>
+              <a:ea typeface="Proxima Nova"/>
+              <a:cs typeface="Proxima Nova"/>
+              <a:sym typeface="Proxima Nova"/>
+            </a:endParaRPr>
+          </a:p>
+        </p:txBody>
+      </p:sp>
+      <p:sp>
+        <p:nvSpPr>
+          <p:cNvPr id="301" name="Google Shape;301;p31"/>
+          <p:cNvSpPr txBox="1"/>
+          <p:nvPr/>
+        </p:nvSpPr>
+        <p:spPr>
+          <a:xfrm>
+            <a:off x="3934488" y="1581075"/>
+            <a:ext cx="544800" cy="400200"/>
+          </a:xfrm>
+          <a:prstGeom prst="rect">
+            <a:avLst/>
+          </a:prstGeom>
+          <a:noFill/>
+          <a:ln>
+            <a:noFill/>
+          </a:ln>
+        </p:spPr>
+        <p:txBody>
+          <a:bodyPr anchorCtr="0" anchor="t" bIns="91425" lIns="91425" spcFirstLastPara="1" rIns="91425" wrap="square" tIns="91425">
+            <a:spAutoFit/>
+          </a:bodyPr>
+          <a:lstStyle/>
+          <a:p>
+            <a:pPr indent="0" lvl="0" marL="0" rtl="0" algn="l">
+              <a:spcBef>
+                <a:spcPts val="0"/>
+              </a:spcBef>
+              <a:spcAft>
+                <a:spcPts val="0"/>
+              </a:spcAft>
+              <a:buNone/>
+            </a:pPr>
+            <a:r>
+              <a:rPr b="1" lang="en">
+                <a:latin typeface="Proxima Nova"/>
+                <a:ea typeface="Proxima Nova"/>
+                <a:cs typeface="Proxima Nova"/>
+                <a:sym typeface="Proxima Nova"/>
+              </a:rPr>
+              <a:t>0</a:t>
+            </a:r>
+            <a:endParaRPr b="1">
+              <a:latin typeface="Proxima Nova"/>
+              <a:ea typeface="Proxima Nova"/>
+              <a:cs typeface="Proxima Nova"/>
+              <a:sym typeface="Proxima Nova"/>
+            </a:endParaRPr>
+          </a:p>
+        </p:txBody>
+      </p:sp>
+      <p:sp>
+        <p:nvSpPr>
+          <p:cNvPr id="302" name="Google Shape;302;p31"/>
+          <p:cNvSpPr txBox="1"/>
+          <p:nvPr/>
+        </p:nvSpPr>
+        <p:spPr>
+          <a:xfrm>
+            <a:off x="3500188" y="3162225"/>
+            <a:ext cx="544800" cy="400200"/>
+          </a:xfrm>
+          <a:prstGeom prst="rect">
+            <a:avLst/>
+          </a:prstGeom>
+          <a:noFill/>
+          <a:ln>
+            <a:noFill/>
+          </a:ln>
+        </p:spPr>
+        <p:txBody>
+          <a:bodyPr anchorCtr="0" anchor="t" bIns="91425" lIns="91425" spcFirstLastPara="1" rIns="91425" wrap="square" tIns="91425">
+            <a:spAutoFit/>
+          </a:bodyPr>
+          <a:lstStyle/>
+          <a:p>
+            <a:pPr indent="0" lvl="0" marL="0" rtl="0" algn="l">
+              <a:spcBef>
+                <a:spcPts val="0"/>
+              </a:spcBef>
+              <a:spcAft>
+                <a:spcPts val="0"/>
+              </a:spcAft>
+              <a:buNone/>
+            </a:pPr>
+            <a:r>
+              <a:rPr b="1" lang="en">
+                <a:latin typeface="Proxima Nova"/>
+                <a:ea typeface="Proxima Nova"/>
+                <a:cs typeface="Proxima Nova"/>
+                <a:sym typeface="Proxima Nova"/>
+              </a:rPr>
+              <a:t>19</a:t>
+            </a:r>
+            <a:endParaRPr b="1">
+              <a:latin typeface="Proxima Nova"/>
+              <a:ea typeface="Proxima Nova"/>
+              <a:cs typeface="Proxima Nova"/>
+              <a:sym typeface="Proxima Nova"/>
+            </a:endParaRPr>
+          </a:p>
+        </p:txBody>
+      </p:sp>
+      <p:sp>
+        <p:nvSpPr>
+          <p:cNvPr id="303" name="Google Shape;303;p31"/>
+          <p:cNvSpPr txBox="1"/>
+          <p:nvPr/>
+        </p:nvSpPr>
+        <p:spPr>
+          <a:xfrm>
+            <a:off x="3963863" y="3162225"/>
+            <a:ext cx="544800" cy="400200"/>
+          </a:xfrm>
+          <a:prstGeom prst="rect">
+            <a:avLst/>
+          </a:prstGeom>
+          <a:noFill/>
+          <a:ln>
+            <a:noFill/>
+          </a:ln>
+        </p:spPr>
+        <p:txBody>
+          <a:bodyPr anchorCtr="0" anchor="t" bIns="91425" lIns="91425" spcFirstLastPara="1" rIns="91425" wrap="square" tIns="91425">
+            <a:spAutoFit/>
+          </a:bodyPr>
+          <a:lstStyle/>
+          <a:p>
+            <a:pPr indent="0" lvl="0" marL="0" rtl="0" algn="l">
+              <a:spcBef>
+                <a:spcPts val="0"/>
+              </a:spcBef>
+              <a:spcAft>
+                <a:spcPts val="0"/>
+              </a:spcAft>
+              <a:buNone/>
+            </a:pPr>
+            <a:r>
+              <a:rPr b="1" lang="en">
+                <a:latin typeface="Proxima Nova"/>
+                <a:ea typeface="Proxima Nova"/>
+                <a:cs typeface="Proxima Nova"/>
+                <a:sym typeface="Proxima Nova"/>
+              </a:rPr>
+              <a:t>19</a:t>
+            </a:r>
+            <a:endParaRPr b="1">
+              <a:latin typeface="Proxima Nova"/>
+              <a:ea typeface="Proxima Nova"/>
+              <a:cs typeface="Proxima Nova"/>
+              <a:sym typeface="Proxima Nova"/>
+            </a:endParaRPr>
+          </a:p>
+        </p:txBody>
+      </p:sp>
+      <p:sp>
+        <p:nvSpPr>
+          <p:cNvPr id="304" name="Google Shape;304;p31"/>
+          <p:cNvSpPr txBox="1"/>
+          <p:nvPr/>
+        </p:nvSpPr>
+        <p:spPr>
+          <a:xfrm>
+            <a:off x="5739688" y="2374375"/>
+            <a:ext cx="544800" cy="400200"/>
+          </a:xfrm>
+          <a:prstGeom prst="rect">
+            <a:avLst/>
+          </a:prstGeom>
+          <a:noFill/>
+          <a:ln>
+            <a:noFill/>
+          </a:ln>
+        </p:spPr>
+        <p:txBody>
+          <a:bodyPr anchorCtr="0" anchor="t" bIns="91425" lIns="91425" spcFirstLastPara="1" rIns="91425" wrap="square" tIns="91425">
+            <a:spAutoFit/>
+          </a:bodyPr>
+          <a:lstStyle/>
+          <a:p>
+            <a:pPr indent="0" lvl="0" marL="0" rtl="0" algn="l">
+              <a:spcBef>
+                <a:spcPts val="0"/>
+              </a:spcBef>
+              <a:spcAft>
+                <a:spcPts val="0"/>
+              </a:spcAft>
+              <a:buNone/>
+            </a:pPr>
+            <a:r>
+              <a:rPr b="1" lang="en">
+                <a:latin typeface="Proxima Nova"/>
+                <a:ea typeface="Proxima Nova"/>
+                <a:cs typeface="Proxima Nova"/>
+                <a:sym typeface="Proxima Nova"/>
+              </a:rPr>
+              <a:t>38</a:t>
+            </a:r>
+            <a:endParaRPr b="1">
+              <a:latin typeface="Proxima Nova"/>
+              <a:ea typeface="Proxima Nova"/>
+              <a:cs typeface="Proxima Nova"/>
+              <a:sym typeface="Proxima Nova"/>
+            </a:endParaRPr>
+          </a:p>
+        </p:txBody>
+      </p:sp>
+      <p:sp>
+        <p:nvSpPr>
+          <p:cNvPr id="305" name="Google Shape;305;p31"/>
+          <p:cNvSpPr txBox="1"/>
+          <p:nvPr/>
+        </p:nvSpPr>
+        <p:spPr>
+          <a:xfrm>
+            <a:off x="6184713" y="2374375"/>
+            <a:ext cx="544800" cy="400200"/>
+          </a:xfrm>
+          <a:prstGeom prst="rect">
+            <a:avLst/>
+          </a:prstGeom>
+          <a:noFill/>
+          <a:ln>
+            <a:noFill/>
+          </a:ln>
+        </p:spPr>
+        <p:txBody>
+          <a:bodyPr anchorCtr="0" anchor="t" bIns="91425" lIns="91425" spcFirstLastPara="1" rIns="91425" wrap="square" tIns="91425">
+            <a:spAutoFit/>
+          </a:bodyPr>
+          <a:lstStyle/>
+          <a:p>
+            <a:pPr indent="0" lvl="0" marL="0" rtl="0" algn="l">
+              <a:spcBef>
+                <a:spcPts val="0"/>
+              </a:spcBef>
+              <a:spcAft>
+                <a:spcPts val="0"/>
+              </a:spcAft>
+              <a:buNone/>
+            </a:pPr>
+            <a:r>
+              <a:rPr b="1" lang="en">
+                <a:latin typeface="Proxima Nova"/>
+                <a:ea typeface="Proxima Nova"/>
+                <a:cs typeface="Proxima Nova"/>
+                <a:sym typeface="Proxima Nova"/>
+              </a:rPr>
+              <a:t>38</a:t>
+            </a:r>
+            <a:endParaRPr b="1">
+              <a:latin typeface="Proxima Nova"/>
+              <a:ea typeface="Proxima Nova"/>
+              <a:cs typeface="Proxima Nova"/>
+              <a:sym typeface="Proxima Nova"/>
+            </a:endParaRPr>
+          </a:p>
+        </p:txBody>
+      </p:sp>
+      <p:sp>
+        <p:nvSpPr>
+          <p:cNvPr id="306" name="Google Shape;306;p31"/>
+          <p:cNvSpPr txBox="1"/>
+          <p:nvPr/>
+        </p:nvSpPr>
+        <p:spPr>
+          <a:xfrm>
+            <a:off x="7658013" y="2368375"/>
+            <a:ext cx="544800" cy="400200"/>
+          </a:xfrm>
+          <a:prstGeom prst="rect">
+            <a:avLst/>
+          </a:prstGeom>
+          <a:noFill/>
+          <a:ln>
+            <a:noFill/>
+          </a:ln>
+        </p:spPr>
+        <p:txBody>
+          <a:bodyPr anchorCtr="0" anchor="t" bIns="91425" lIns="91425" spcFirstLastPara="1" rIns="91425" wrap="square" tIns="91425">
+            <a:spAutoFit/>
+          </a:bodyPr>
+          <a:lstStyle/>
+          <a:p>
+            <a:pPr indent="0" lvl="0" marL="0" rtl="0" algn="l">
+              <a:spcBef>
+                <a:spcPts val="0"/>
+              </a:spcBef>
+              <a:spcAft>
+                <a:spcPts val="0"/>
+              </a:spcAft>
+              <a:buNone/>
+            </a:pPr>
+            <a:r>
+              <a:rPr b="1" lang="en">
+                <a:latin typeface="Proxima Nova"/>
+                <a:ea typeface="Proxima Nova"/>
+                <a:cs typeface="Proxima Nova"/>
+                <a:sym typeface="Proxima Nova"/>
+              </a:rPr>
+              <a:t>38</a:t>
+            </a:r>
+            <a:endParaRPr b="1">
+              <a:latin typeface="Proxima Nova"/>
+              <a:ea typeface="Proxima Nova"/>
+              <a:cs typeface="Proxima Nova"/>
+              <a:sym typeface="Proxima Nova"/>
+            </a:endParaRPr>
+          </a:p>
+        </p:txBody>
+      </p:sp>
+      <p:cxnSp>
+        <p:nvCxnSpPr>
+          <p:cNvPr id="307" name="Google Shape;307;p31"/>
+          <p:cNvCxnSpPr>
+            <a:endCxn id="306" idx="1"/>
+          </p:cNvCxnSpPr>
+          <p:nvPr/>
+        </p:nvCxnSpPr>
+        <p:spPr>
+          <a:xfrm>
+            <a:off x="6674613" y="2568475"/>
+            <a:ext cx="983400" cy="0"/>
+          </a:xfrm>
+          <a:prstGeom prst="straightConnector1">
+            <a:avLst/>
+          </a:prstGeom>
+          <a:noFill/>
+          <a:ln cap="flat" cmpd="sng" w="9525">
+            <a:solidFill>
+              <a:schemeClr val="dk2"/>
+            </a:solidFill>
+            <a:prstDash val="solid"/>
+            <a:round/>
+            <a:headEnd len="med" w="med" type="none"/>
+            <a:tailEnd len="med" w="med" type="triangle"/>
+          </a:ln>
+        </p:spPr>
+      </p:cxnSp>
+      <p:sp>
+        <p:nvSpPr>
+          <p:cNvPr id="308" name="Google Shape;308;p31"/>
+          <p:cNvSpPr txBox="1"/>
+          <p:nvPr/>
+        </p:nvSpPr>
+        <p:spPr>
+          <a:xfrm>
+            <a:off x="3347400" y="4150275"/>
+            <a:ext cx="2990100" cy="400200"/>
+          </a:xfrm>
+          <a:prstGeom prst="rect">
+            <a:avLst/>
+          </a:prstGeom>
+          <a:noFill/>
+          <a:ln>
+            <a:noFill/>
+          </a:ln>
+        </p:spPr>
+        <p:txBody>
+          <a:bodyPr anchorCtr="0" anchor="t" bIns="91425" lIns="91425" spcFirstLastPara="1" rIns="91425" wrap="square" tIns="91425">
+            <a:spAutoFit/>
+          </a:bodyPr>
+          <a:lstStyle/>
+          <a:p>
+            <a:pPr indent="0" lvl="0" marL="0" rtl="0" algn="l">
+              <a:spcBef>
+                <a:spcPts val="0"/>
+              </a:spcBef>
+              <a:spcAft>
+                <a:spcPts val="0"/>
+              </a:spcAft>
+              <a:buNone/>
+            </a:pPr>
+            <a:r>
+              <a:rPr lang="en">
+                <a:latin typeface="Proxima Nova"/>
+                <a:ea typeface="Proxima Nova"/>
+                <a:cs typeface="Proxima Nova"/>
+                <a:sym typeface="Proxima Nova"/>
+              </a:rPr>
+              <a:t>What is       .       What about </a:t>
+            </a:r>
+            <a:endParaRPr>
+              <a:latin typeface="Proxima Nova"/>
+              <a:ea typeface="Proxima Nova"/>
+              <a:cs typeface="Proxima Nova"/>
+              <a:sym typeface="Proxima Nova"/>
+            </a:endParaRPr>
           </a:p>
         </p:txBody>
       </p:sp>
       <p:pic>
         <p:nvPicPr>
-          <p:cNvPr id="310" name="Google Shape;310;p31"/>
+          <p:cNvPr id="309" name="Google Shape;309;p31"/>
           <p:cNvPicPr preferRelativeResize="0"/>
           <p:nvPr/>
         </p:nvPicPr>
@@ -15603,8 +15657,36 @@
         </p:blipFill>
         <p:spPr>
           <a:xfrm>
-            <a:off x="2387624" y="1534200"/>
-            <a:ext cx="4368750" cy="2782650"/>
+            <a:off x="4078975" y="4156609"/>
+            <a:ext cx="255831" cy="511113"/>
+          </a:xfrm>
+          <a:prstGeom prst="rect">
+            <a:avLst/>
+          </a:prstGeom>
+          <a:noFill/>
+          <a:ln>
+            <a:noFill/>
+          </a:ln>
+        </p:spPr>
+      </p:pic>
+      <p:pic>
+        <p:nvPicPr>
+          <p:cNvPr id="310" name="Google Shape;310;p31"/>
+          <p:cNvPicPr preferRelativeResize="0"/>
+          <p:nvPr/>
+        </p:nvPicPr>
+        <p:blipFill>
+          <a:blip r:embed="rId4">
+            <a:alphaModFix/>
+          </a:blip>
+          <a:stretch>
+            <a:fillRect/>
+          </a:stretch>
+        </p:blipFill>
+        <p:spPr>
+          <a:xfrm>
+            <a:off x="5694740" y="4131214"/>
+            <a:ext cx="348860" cy="498646"/>
           </a:xfrm>
           <a:prstGeom prst="rect">
             <a:avLst/>
@@ -15674,7 +15756,7 @@
             </a:pPr>
             <a:r>
               <a:rPr lang="en"/>
-              <a:t>Introduction</a:t>
+              <a:t>About Me</a:t>
             </a:r>
             <a:endParaRPr/>
           </a:p>
@@ -15690,8 +15772,8 @@
         </p:nvSpPr>
         <p:spPr>
           <a:xfrm>
-            <a:off x="311700" y="1320625"/>
-            <a:ext cx="8520600" cy="3934500"/>
+            <a:off x="311700" y="1152475"/>
+            <a:ext cx="8520600" cy="3416400"/>
           </a:xfrm>
           <a:prstGeom prst="rect">
             <a:avLst/>
@@ -15703,69 +15785,9 @@
           </a:bodyPr>
           <a:lstStyle/>
           <a:p>
-            <a:pPr indent="0" lvl="0" marL="0" rtl="0" algn="l">
-              <a:spcBef>
-                <a:spcPts val="0"/>
-              </a:spcBef>
-              <a:spcAft>
-                <a:spcPts val="0"/>
-              </a:spcAft>
-              <a:buNone/>
-            </a:pPr>
-            <a:br>
-              <a:rPr lang="en"/>
-            </a:br>
-            <a:endParaRPr/>
-          </a:p>
-          <a:p>
-            <a:pPr indent="0" lvl="0" marL="457200" rtl="0" algn="l">
-              <a:spcBef>
-                <a:spcPts val="1200"/>
-              </a:spcBef>
-              <a:spcAft>
-                <a:spcPts val="0"/>
-              </a:spcAft>
-              <a:buNone/>
-            </a:pPr>
-            <a:r>
-              <a:t/>
-            </a:r>
-            <a:endParaRPr/>
-          </a:p>
-          <a:p>
-            <a:pPr indent="0" lvl="0" marL="457200" rtl="0" algn="l">
-              <a:spcBef>
-                <a:spcPts val="1200"/>
-              </a:spcBef>
-              <a:spcAft>
-                <a:spcPts val="0"/>
-              </a:spcAft>
-              <a:buNone/>
-            </a:pPr>
-            <a:r>
-              <a:t/>
-            </a:r>
-            <a:endParaRPr/>
-          </a:p>
-          <a:p>
-            <a:pPr indent="0" lvl="0" marL="457200" rtl="0" algn="l">
-              <a:spcBef>
-                <a:spcPts val="1200"/>
-              </a:spcBef>
-              <a:spcAft>
-                <a:spcPts val="0"/>
-              </a:spcAft>
-              <a:buNone/>
-            </a:pPr>
-            <a:r>
-              <a:t/>
-            </a:r>
-            <a:endParaRPr/>
-          </a:p>
-          <a:p>
             <a:pPr indent="-342900" lvl="0" marL="457200" rtl="0" algn="l">
               <a:spcBef>
-                <a:spcPts val="1200"/>
+                <a:spcPts val="0"/>
               </a:spcBef>
               <a:spcAft>
                 <a:spcPts val="0"/>
@@ -15775,7 +15797,41 @@
             </a:pPr>
             <a:r>
               <a:rPr lang="en"/>
-              <a:t>Machine learning is all about finding trends in data, and extrapolating those trends for real world solutions. The goal is to make a model “learn” by giving it data, making it take a “guess”, and correcting its “learning” based on that guess</a:t>
+              <a:t>Junior at Duke</a:t>
+            </a:r>
+            <a:endParaRPr/>
+          </a:p>
+          <a:p>
+            <a:pPr indent="-342900" lvl="0" marL="457200" rtl="0" algn="l">
+              <a:spcBef>
+                <a:spcPts val="0"/>
+              </a:spcBef>
+              <a:spcAft>
+                <a:spcPts val="0"/>
+              </a:spcAft>
+              <a:buSzPts val="1800"/>
+              <a:buChar char="●"/>
+            </a:pPr>
+            <a:r>
+              <a:rPr lang="en"/>
+              <a:t>CS/Math Major</a:t>
+            </a:r>
+            <a:endParaRPr/>
+          </a:p>
+          <a:p>
+            <a:pPr indent="-342900" lvl="0" marL="457200" rtl="0" algn="l">
+              <a:spcBef>
+                <a:spcPts val="0"/>
+              </a:spcBef>
+              <a:spcAft>
+                <a:spcPts val="0"/>
+              </a:spcAft>
+              <a:buSzPts val="1800"/>
+              <a:buChar char="●"/>
+            </a:pPr>
+            <a:r>
+              <a:rPr lang="en"/>
+              <a:t>Interested in ML, SWE, Finance</a:t>
             </a:r>
             <a:endParaRPr/>
           </a:p>
@@ -15797,8 +15853,8 @@
         </p:blipFill>
         <p:spPr>
           <a:xfrm>
-            <a:off x="2022538" y="945850"/>
-            <a:ext cx="5098924" cy="2574050"/>
+            <a:off x="5674170" y="826625"/>
+            <a:ext cx="2380401" cy="3173873"/>
           </a:xfrm>
           <a:prstGeom prst="rect">
             <a:avLst/>
@@ -15844,33 +15900,33 @@
         </p:nvSpPr>
         <p:spPr>
           <a:xfrm>
-            <a:off x="265500" y="1205825"/>
-            <a:ext cx="4045200" cy="1509600"/>
+            <a:off x="311700" y="445025"/>
+            <a:ext cx="8520600" cy="572700"/>
           </a:xfrm>
           <a:prstGeom prst="rect">
             <a:avLst/>
           </a:prstGeom>
         </p:spPr>
         <p:txBody>
-          <a:bodyPr anchorCtr="0" anchor="b" bIns="91425" lIns="91425" spcFirstLastPara="1" rIns="91425" wrap="square" tIns="91425">
-            <a:normAutofit/>
+          <a:bodyPr anchorCtr="0" anchor="t" bIns="91425" lIns="91425" spcFirstLastPara="1" rIns="91425" wrap="square" tIns="91425">
+            <a:normAutofit fontScale="90000"/>
           </a:bodyPr>
           <a:lstStyle/>
           <a:p>
-            <a:pPr indent="0" lvl="0" marL="0" rtl="0" algn="ctr">
-              <a:spcBef>
-                <a:spcPts val="0"/>
-              </a:spcBef>
-              <a:spcAft>
-                <a:spcPts val="0"/>
-              </a:spcAft>
-              <a:buNone/>
-            </a:pPr>
-            <a:r>
-              <a:rPr lang="en" sz="3400"/>
-              <a:t>The Neural Network</a:t>
-            </a:r>
-            <a:endParaRPr sz="3400"/>
+            <a:pPr indent="0" lvl="0" marL="0" rtl="0" algn="l">
+              <a:spcBef>
+                <a:spcPts val="0"/>
+              </a:spcBef>
+              <a:spcAft>
+                <a:spcPts val="0"/>
+              </a:spcAft>
+              <a:buNone/>
+            </a:pPr>
+            <a:r>
+              <a:rPr lang="en"/>
+              <a:t>Back Propagation Formulas</a:t>
+            </a:r>
+            <a:endParaRPr/>
           </a:p>
         </p:txBody>
       </p:sp>
@@ -15879,13 +15935,13 @@
           <p:cNvPr id="316" name="Google Shape;316;p32"/>
           <p:cNvSpPr txBox="1"/>
           <p:nvPr>
-            <p:ph idx="1" type="subTitle"/>
+            <p:ph idx="1" type="body"/>
           </p:nvPr>
         </p:nvSpPr>
         <p:spPr>
           <a:xfrm>
-            <a:off x="265500" y="2769001"/>
-            <a:ext cx="4045200" cy="1345500"/>
+            <a:off x="311700" y="1152475"/>
+            <a:ext cx="8520600" cy="3416400"/>
           </a:xfrm>
           <a:prstGeom prst="rect">
             <a:avLst/>
@@ -15897,12 +15953,12 @@
           </a:bodyPr>
           <a:lstStyle/>
           <a:p>
-            <a:pPr indent="0" lvl="0" marL="0" rtl="0" algn="ctr">
-              <a:spcBef>
-                <a:spcPts val="0"/>
-              </a:spcBef>
-              <a:spcAft>
-                <a:spcPts val="0"/>
+            <a:pPr indent="0" lvl="0" marL="0" rtl="0" algn="l">
+              <a:spcBef>
+                <a:spcPts val="0"/>
+              </a:spcBef>
+              <a:spcAft>
+                <a:spcPts val="1200"/>
               </a:spcAft>
               <a:buNone/>
             </a:pPr>
@@ -15913,46 +15969,34 @@
           </a:p>
         </p:txBody>
       </p:sp>
-      <p:sp>
-        <p:nvSpPr>
+      <p:pic>
+        <p:nvPicPr>
           <p:cNvPr id="317" name="Google Shape;317;p32"/>
-          <p:cNvSpPr txBox="1"/>
-          <p:nvPr>
-            <p:ph idx="2" type="body"/>
-          </p:nvPr>
-        </p:nvSpPr>
-        <p:spPr>
-          <a:xfrm>
-            <a:off x="4939500" y="724200"/>
-            <a:ext cx="3837000" cy="3695100"/>
+          <p:cNvPicPr preferRelativeResize="0"/>
+          <p:nvPr/>
+        </p:nvPicPr>
+        <p:blipFill>
+          <a:blip r:embed="rId3">
+            <a:alphaModFix/>
+          </a:blip>
+          <a:stretch>
+            <a:fillRect/>
+          </a:stretch>
+        </p:blipFill>
+        <p:spPr>
+          <a:xfrm>
+            <a:off x="2387624" y="1534200"/>
+            <a:ext cx="4368750" cy="2782650"/>
           </a:xfrm>
           <a:prstGeom prst="rect">
             <a:avLst/>
           </a:prstGeom>
-        </p:spPr>
-        <p:txBody>
-          <a:bodyPr anchorCtr="0" anchor="ctr" bIns="91425" lIns="91425" spcFirstLastPara="1" rIns="91425" wrap="square" tIns="91425">
-            <a:normAutofit/>
-          </a:bodyPr>
-          <a:lstStyle/>
-          <a:p>
-            <a:pPr indent="0" lvl="0" marL="0" rtl="0" algn="l">
-              <a:spcBef>
-                <a:spcPts val="0"/>
-              </a:spcBef>
-              <a:spcAft>
-                <a:spcPts val="1200"/>
-              </a:spcAft>
-              <a:buNone/>
-            </a:pPr>
-            <a:r>
-              <a:rPr lang="en"/>
-              <a:t>Also known as the multilayer perceptron</a:t>
-            </a:r>
-            <a:endParaRPr/>
-          </a:p>
-        </p:txBody>
-      </p:sp>
+          <a:noFill/>
+          <a:ln>
+            <a:noFill/>
+          </a:ln>
+        </p:spPr>
+      </p:pic>
     </p:spTree>
   </p:cSld>
   <p:clrMapOvr>
@@ -15988,33 +16032,33 @@
         </p:nvSpPr>
         <p:spPr>
           <a:xfrm>
-            <a:off x="311700" y="445025"/>
-            <a:ext cx="8520600" cy="572700"/>
+            <a:off x="265500" y="1205825"/>
+            <a:ext cx="4045200" cy="1509600"/>
           </a:xfrm>
           <a:prstGeom prst="rect">
             <a:avLst/>
           </a:prstGeom>
         </p:spPr>
         <p:txBody>
-          <a:bodyPr anchorCtr="0" anchor="t" bIns="91425" lIns="91425" spcFirstLastPara="1" rIns="91425" wrap="square" tIns="91425">
-            <a:normAutofit fontScale="90000"/>
+          <a:bodyPr anchorCtr="0" anchor="b" bIns="91425" lIns="91425" spcFirstLastPara="1" rIns="91425" wrap="square" tIns="91425">
+            <a:normAutofit/>
           </a:bodyPr>
           <a:lstStyle/>
           <a:p>
-            <a:pPr indent="0" lvl="0" marL="0" rtl="0" algn="l">
-              <a:spcBef>
-                <a:spcPts val="0"/>
-              </a:spcBef>
-              <a:spcAft>
-                <a:spcPts val="0"/>
-              </a:spcAft>
-              <a:buNone/>
-            </a:pPr>
-            <a:r>
-              <a:rPr lang="en"/>
+            <a:pPr indent="0" lvl="0" marL="0" rtl="0" algn="ctr">
+              <a:spcBef>
+                <a:spcPts val="0"/>
+              </a:spcBef>
+              <a:spcAft>
+                <a:spcPts val="0"/>
+              </a:spcAft>
+              <a:buNone/>
+            </a:pPr>
+            <a:r>
+              <a:rPr lang="en" sz="3400"/>
               <a:t>The Neural Network</a:t>
             </a:r>
-            <a:endParaRPr/>
+            <a:endParaRPr sz="3400"/>
           </a:p>
         </p:txBody>
       </p:sp>
@@ -16023,13 +16067,13 @@
           <p:cNvPr id="323" name="Google Shape;323;p33"/>
           <p:cNvSpPr txBox="1"/>
           <p:nvPr>
-            <p:ph idx="1" type="body"/>
+            <p:ph idx="1" type="subTitle"/>
           </p:nvPr>
         </p:nvSpPr>
         <p:spPr>
           <a:xfrm>
-            <a:off x="311700" y="1152475"/>
-            <a:ext cx="8520600" cy="3416400"/>
+            <a:off x="265500" y="2769001"/>
+            <a:ext cx="4045200" cy="1345500"/>
           </a:xfrm>
           <a:prstGeom prst="rect">
             <a:avLst/>
@@ -16041,108 +16085,62 @@
           </a:bodyPr>
           <a:lstStyle/>
           <a:p>
-            <a:pPr indent="-342900" lvl="0" marL="457200" rtl="0" algn="l">
-              <a:spcBef>
-                <a:spcPts val="0"/>
-              </a:spcBef>
-              <a:spcAft>
-                <a:spcPts val="0"/>
-              </a:spcAft>
-              <a:buSzPts val="1800"/>
-              <a:buChar char="●"/>
+            <a:pPr indent="0" lvl="0" marL="0" rtl="0" algn="ctr">
+              <a:spcBef>
+                <a:spcPts val="0"/>
+              </a:spcBef>
+              <a:spcAft>
+                <a:spcPts val="0"/>
+              </a:spcAft>
+              <a:buNone/>
+            </a:pPr>
+            <a:r>
+              <a:t/>
+            </a:r>
+            <a:endParaRPr/>
+          </a:p>
+        </p:txBody>
+      </p:sp>
+      <p:sp>
+        <p:nvSpPr>
+          <p:cNvPr id="324" name="Google Shape;324;p33"/>
+          <p:cNvSpPr txBox="1"/>
+          <p:nvPr>
+            <p:ph idx="2" type="body"/>
+          </p:nvPr>
+        </p:nvSpPr>
+        <p:spPr>
+          <a:xfrm>
+            <a:off x="4939500" y="724200"/>
+            <a:ext cx="3837000" cy="3695100"/>
+          </a:xfrm>
+          <a:prstGeom prst="rect">
+            <a:avLst/>
+          </a:prstGeom>
+        </p:spPr>
+        <p:txBody>
+          <a:bodyPr anchorCtr="0" anchor="ctr" bIns="91425" lIns="91425" spcFirstLastPara="1" rIns="91425" wrap="square" tIns="91425">
+            <a:normAutofit/>
+          </a:bodyPr>
+          <a:lstStyle/>
+          <a:p>
+            <a:pPr indent="0" lvl="0" marL="0" rtl="0" algn="l">
+              <a:spcBef>
+                <a:spcPts val="0"/>
+              </a:spcBef>
+              <a:spcAft>
+                <a:spcPts val="1200"/>
+              </a:spcAft>
+              <a:buNone/>
             </a:pPr>
             <a:r>
               <a:rPr lang="en"/>
-              <a:t>The simplest neural network is just a </a:t>
-            </a:r>
-            <a:r>
-              <a:rPr lang="en"/>
-              <a:t>collection</a:t>
-            </a:r>
-            <a:r>
-              <a:rPr lang="en"/>
-              <a:t> of perceptrons</a:t>
-            </a:r>
-            <a:br>
-              <a:rPr lang="en"/>
-            </a:br>
+              <a:t>Also known as the multilayer perceptron</a:t>
+            </a:r>
             <a:endParaRPr/>
           </a:p>
-          <a:p>
-            <a:pPr indent="-342900" lvl="0" marL="457200" rtl="0" algn="l">
-              <a:spcBef>
-                <a:spcPts val="0"/>
-              </a:spcBef>
-              <a:spcAft>
-                <a:spcPts val="0"/>
-              </a:spcAft>
-              <a:buSzPts val="1800"/>
-              <a:buChar char="●"/>
-            </a:pPr>
-            <a:r>
-              <a:rPr lang="en"/>
-              <a:t>Consists of an input layer, hidden </a:t>
-            </a:r>
-            <a:r>
-              <a:rPr lang="en"/>
-              <a:t>layers</a:t>
-            </a:r>
-            <a:r>
-              <a:rPr lang="en"/>
-              <a:t>, and an output layer</a:t>
-            </a:r>
-            <a:br>
-              <a:rPr lang="en"/>
-            </a:br>
-            <a:endParaRPr/>
-          </a:p>
-          <a:p>
-            <a:pPr indent="-342900" lvl="0" marL="457200" rtl="0" algn="l">
-              <a:spcBef>
-                <a:spcPts val="0"/>
-              </a:spcBef>
-              <a:spcAft>
-                <a:spcPts val="0"/>
-              </a:spcAft>
-              <a:buSzPts val="1800"/>
-              <a:buChar char="●"/>
-            </a:pPr>
-            <a:r>
-              <a:rPr lang="en"/>
-              <a:t>Same loss function and goal, minimize the loss function</a:t>
-            </a:r>
-            <a:endParaRPr/>
-          </a:p>
-        </p:txBody>
-      </p:sp>
-      <p:pic>
-        <p:nvPicPr>
-          <p:cNvPr id="324" name="Google Shape;324;p33"/>
-          <p:cNvPicPr preferRelativeResize="0"/>
-          <p:nvPr/>
-        </p:nvPicPr>
-        <p:blipFill>
-          <a:blip r:embed="rId3">
-            <a:alphaModFix/>
-          </a:blip>
-          <a:stretch>
-            <a:fillRect/>
-          </a:stretch>
-        </p:blipFill>
-        <p:spPr>
-          <a:xfrm>
-            <a:off x="2621675" y="2918851"/>
-            <a:ext cx="3900625" cy="1974100"/>
-          </a:xfrm>
-          <a:prstGeom prst="rect">
-            <a:avLst/>
-          </a:prstGeom>
-          <a:noFill/>
-          <a:ln>
-            <a:noFill/>
-          </a:ln>
-        </p:spPr>
-      </p:pic>
+        </p:txBody>
+      </p:sp>
     </p:spTree>
   </p:cSld>
   <p:clrMapOvr>
@@ -16202,7 +16200,7 @@
             </a:pPr>
             <a:r>
               <a:rPr lang="en"/>
-              <a:t>Working with Neural Networks</a:t>
+              <a:t>The Neural Network</a:t>
             </a:r>
             <a:endParaRPr/>
           </a:p>
@@ -16243,7 +16241,15 @@
             </a:pPr>
             <a:r>
               <a:rPr lang="en"/>
-              <a:t>Refresher: There is a train set, a validation set, and a test set</a:t>
+              <a:t>The simplest neural network is just a </a:t>
+            </a:r>
+            <a:r>
+              <a:rPr lang="en"/>
+              <a:t>collection</a:t>
+            </a:r>
+            <a:r>
+              <a:rPr lang="en"/>
+              <a:t> of perceptrons</a:t>
             </a:r>
             <a:br>
               <a:rPr lang="en"/>
@@ -16263,7 +16269,15 @@
             </a:pPr>
             <a:r>
               <a:rPr lang="en"/>
-              <a:t>1st: Randomly split your dataset into these three sets, usually with a 60-20-20 split</a:t>
+              <a:t>Consists of an input layer, hidden </a:t>
+            </a:r>
+            <a:r>
+              <a:rPr lang="en"/>
+              <a:t>layers</a:t>
+            </a:r>
+            <a:r>
+              <a:rPr lang="en"/>
+              <a:t>, and an output layer</a:t>
             </a:r>
             <a:br>
               <a:rPr lang="en"/>
@@ -16283,40 +16297,40 @@
             </a:pPr>
             <a:r>
               <a:rPr lang="en"/>
-              <a:t>Fit the model with the train data and use the validation data as intermediate benchmarks</a:t>
-            </a:r>
-            <a:br>
-              <a:rPr lang="en"/>
-            </a:br>
+              <a:t>Same loss function and goal, minimize the loss function</a:t>
+            </a:r>
             <a:endParaRPr/>
           </a:p>
-          <a:p>
-            <a:pPr indent="-342900" lvl="0" marL="457200" rtl="0" algn="l">
-              <a:spcBef>
-                <a:spcPts val="0"/>
-              </a:spcBef>
-              <a:spcAft>
-                <a:spcPts val="0"/>
-              </a:spcAft>
-              <a:buSzPts val="1800"/>
-              <a:buChar char="●"/>
-            </a:pPr>
-            <a:r>
-              <a:rPr lang="en"/>
-              <a:t>Report the findings of </a:t>
-            </a:r>
-            <a:r>
-              <a:rPr lang="en"/>
-              <a:t>the</a:t>
-            </a:r>
-            <a:r>
-              <a:rPr lang="en"/>
-              <a:t> unseen test data</a:t>
-            </a:r>
-            <a:endParaRPr/>
-          </a:p>
-        </p:txBody>
-      </p:sp>
+        </p:txBody>
+      </p:sp>
+      <p:pic>
+        <p:nvPicPr>
+          <p:cNvPr id="331" name="Google Shape;331;p34"/>
+          <p:cNvPicPr preferRelativeResize="0"/>
+          <p:nvPr/>
+        </p:nvPicPr>
+        <p:blipFill>
+          <a:blip r:embed="rId3">
+            <a:alphaModFix/>
+          </a:blip>
+          <a:stretch>
+            <a:fillRect/>
+          </a:stretch>
+        </p:blipFill>
+        <p:spPr>
+          <a:xfrm>
+            <a:off x="2621675" y="2918851"/>
+            <a:ext cx="3900625" cy="1974100"/>
+          </a:xfrm>
+          <a:prstGeom prst="rect">
+            <a:avLst/>
+          </a:prstGeom>
+          <a:noFill/>
+          <a:ln>
+            <a:noFill/>
+          </a:ln>
+        </p:spPr>
+      </p:pic>
     </p:spTree>
   </p:cSld>
   <p:clrMapOvr>
@@ -16330,7 +16344,7 @@
   <p:cSld>
     <p:spTree>
       <p:nvGrpSpPr>
-        <p:cNvPr id="334" name="Shape 334"/>
+        <p:cNvPr id="335" name="Shape 335"/>
         <p:cNvGrpSpPr/>
         <p:nvPr/>
       </p:nvGrpSpPr>
@@ -16344,7 +16358,7 @@
       </p:grpSpPr>
       <p:sp>
         <p:nvSpPr>
-          <p:cNvPr id="335" name="Google Shape;335;p35"/>
+          <p:cNvPr id="336" name="Google Shape;336;p35"/>
           <p:cNvSpPr txBox="1"/>
           <p:nvPr>
             <p:ph type="title"/>
@@ -16375,7 +16389,8 @@
               <a:buNone/>
             </a:pPr>
             <a:r>
-              <a:t/>
+              <a:rPr lang="en"/>
+              <a:t>Working with Neural Networks</a:t>
             </a:r>
             <a:endParaRPr/>
           </a:p>
@@ -16383,7 +16398,7 @@
       </p:sp>
       <p:sp>
         <p:nvSpPr>
-          <p:cNvPr id="336" name="Google Shape;336;p35"/>
+          <p:cNvPr id="337" name="Google Shape;337;p35"/>
           <p:cNvSpPr txBox="1"/>
           <p:nvPr>
             <p:ph idx="1" type="body"/>
@@ -16404,122 +16419,89 @@
           </a:bodyPr>
           <a:lstStyle/>
           <a:p>
-            <a:pPr indent="0" lvl="0" marL="0" rtl="0" algn="l">
-              <a:spcBef>
-                <a:spcPts val="0"/>
-              </a:spcBef>
-              <a:spcAft>
-                <a:spcPts val="1200"/>
-              </a:spcAft>
-              <a:buNone/>
-            </a:pPr>
-            <a:r>
-              <a:t/>
-            </a:r>
+            <a:pPr indent="-342900" lvl="0" marL="457200" rtl="0" algn="l">
+              <a:spcBef>
+                <a:spcPts val="0"/>
+              </a:spcBef>
+              <a:spcAft>
+                <a:spcPts val="0"/>
+              </a:spcAft>
+              <a:buSzPts val="1800"/>
+              <a:buChar char="●"/>
+            </a:pPr>
+            <a:r>
+              <a:rPr lang="en"/>
+              <a:t>Refresher: There is a train set, a validation set, and a test set</a:t>
+            </a:r>
+            <a:br>
+              <a:rPr lang="en"/>
+            </a:br>
             <a:endParaRPr/>
           </a:p>
-        </p:txBody>
-      </p:sp>
-      <p:pic>
-        <p:nvPicPr>
-          <p:cNvPr id="337" name="Google Shape;337;p35"/>
-          <p:cNvPicPr preferRelativeResize="0"/>
-          <p:nvPr/>
-        </p:nvPicPr>
-        <p:blipFill rotWithShape="1">
-          <a:blip r:embed="rId3">
-            <a:alphaModFix/>
-          </a:blip>
-          <a:srcRect b="0" l="0" r="0" t="7655"/>
-          <a:stretch/>
-        </p:blipFill>
-        <p:spPr>
-          <a:xfrm>
-            <a:off x="19475" y="0"/>
-            <a:ext cx="9105050" cy="4749699"/>
-          </a:xfrm>
-          <a:prstGeom prst="rect">
-            <a:avLst/>
-          </a:prstGeom>
-          <a:noFill/>
-          <a:ln>
-            <a:noFill/>
-          </a:ln>
-        </p:spPr>
-      </p:pic>
-      <p:sp>
-        <p:nvSpPr>
-          <p:cNvPr id="338" name="Google Shape;338;p35"/>
-          <p:cNvSpPr txBox="1"/>
-          <p:nvPr/>
-        </p:nvSpPr>
-        <p:spPr>
-          <a:xfrm>
-            <a:off x="110800" y="4749700"/>
-            <a:ext cx="4645200" cy="492600"/>
-          </a:xfrm>
-          <a:prstGeom prst="rect">
-            <a:avLst/>
-          </a:prstGeom>
-          <a:noFill/>
-          <a:ln>
-            <a:noFill/>
-          </a:ln>
-        </p:spPr>
-        <p:txBody>
-          <a:bodyPr anchorCtr="0" anchor="t" bIns="91425" lIns="91425" spcFirstLastPara="1" rIns="91425" wrap="square" tIns="91425">
-            <a:spAutoFit/>
-          </a:bodyPr>
-          <a:lstStyle/>
-          <a:p>
-            <a:pPr indent="0" lvl="0" marL="0" rtl="0" algn="l">
-              <a:spcBef>
-                <a:spcPts val="0"/>
-              </a:spcBef>
-              <a:spcAft>
-                <a:spcPts val="0"/>
-              </a:spcAft>
-              <a:buNone/>
-            </a:pPr>
-            <a:r>
-              <a:rPr lang="en" sz="1000" u="sng">
-                <a:solidFill>
-                  <a:schemeClr val="hlink"/>
-                </a:solidFill>
-                <a:latin typeface="Proxima Nova"/>
-                <a:ea typeface="Proxima Nova"/>
-                <a:cs typeface="Proxima Nova"/>
-                <a:sym typeface="Proxima Nova"/>
-                <a:hlinkClick r:id="rId4"/>
-              </a:rPr>
-              <a:t>https://kylebradbury.github.io/ids705/syllabus.html</a:t>
-            </a:r>
-            <a:endParaRPr sz="1000">
-              <a:latin typeface="Proxima Nova"/>
-              <a:ea typeface="Proxima Nova"/>
-              <a:cs typeface="Proxima Nova"/>
-              <a:sym typeface="Proxima Nova"/>
-            </a:endParaRPr>
-          </a:p>
-          <a:p>
-            <a:pPr indent="0" lvl="0" marL="0" rtl="0" algn="l">
-              <a:spcBef>
-                <a:spcPts val="0"/>
-              </a:spcBef>
-              <a:spcAft>
-                <a:spcPts val="0"/>
-              </a:spcAft>
-              <a:buNone/>
-            </a:pPr>
-            <a:r>
-              <a:t/>
-            </a:r>
-            <a:endParaRPr sz="1000">
-              <a:latin typeface="Proxima Nova"/>
-              <a:ea typeface="Proxima Nova"/>
-              <a:cs typeface="Proxima Nova"/>
-              <a:sym typeface="Proxima Nova"/>
-            </a:endParaRPr>
+          <a:p>
+            <a:pPr indent="-342900" lvl="0" marL="457200" rtl="0" algn="l">
+              <a:spcBef>
+                <a:spcPts val="0"/>
+              </a:spcBef>
+              <a:spcAft>
+                <a:spcPts val="0"/>
+              </a:spcAft>
+              <a:buSzPts val="1800"/>
+              <a:buChar char="●"/>
+            </a:pPr>
+            <a:r>
+              <a:rPr lang="en"/>
+              <a:t>1st: Randomly split your dataset into these three sets, usually with a 60-20-20 split</a:t>
+            </a:r>
+            <a:br>
+              <a:rPr lang="en"/>
+            </a:br>
+            <a:endParaRPr/>
+          </a:p>
+          <a:p>
+            <a:pPr indent="-342900" lvl="0" marL="457200" rtl="0" algn="l">
+              <a:spcBef>
+                <a:spcPts val="0"/>
+              </a:spcBef>
+              <a:spcAft>
+                <a:spcPts val="0"/>
+              </a:spcAft>
+              <a:buSzPts val="1800"/>
+              <a:buChar char="●"/>
+            </a:pPr>
+            <a:r>
+              <a:rPr lang="en"/>
+              <a:t>Fit the model with the train data and use the validation data as intermediate benchmarks</a:t>
+            </a:r>
+            <a:br>
+              <a:rPr lang="en"/>
+            </a:br>
+            <a:endParaRPr/>
+          </a:p>
+          <a:p>
+            <a:pPr indent="-342900" lvl="0" marL="457200" rtl="0" algn="l">
+              <a:spcBef>
+                <a:spcPts val="0"/>
+              </a:spcBef>
+              <a:spcAft>
+                <a:spcPts val="0"/>
+              </a:spcAft>
+              <a:buSzPts val="1800"/>
+              <a:buChar char="●"/>
+            </a:pPr>
+            <a:r>
+              <a:rPr lang="en"/>
+              <a:t>Report the findings of </a:t>
+            </a:r>
+            <a:r>
+              <a:rPr lang="en"/>
+              <a:t>the</a:t>
+            </a:r>
+            <a:r>
+              <a:rPr lang="en"/>
+              <a:t> unseen test data</a:t>
+            </a:r>
+            <a:endParaRPr/>
           </a:p>
         </p:txBody>
       </p:sp>
@@ -16536,7 +16518,7 @@
   <p:cSld>
     <p:spTree>
       <p:nvGrpSpPr>
-        <p:cNvPr id="342" name="Shape 342"/>
+        <p:cNvPr id="341" name="Shape 341"/>
         <p:cNvGrpSpPr/>
         <p:nvPr/>
       </p:nvGrpSpPr>
@@ -16550,7 +16532,7 @@
       </p:grpSpPr>
       <p:sp>
         <p:nvSpPr>
-          <p:cNvPr id="343" name="Google Shape;343;p36"/>
+          <p:cNvPr id="342" name="Google Shape;342;p36"/>
           <p:cNvSpPr txBox="1"/>
           <p:nvPr>
             <p:ph type="title"/>
@@ -16581,8 +16563,7 @@
               <a:buNone/>
             </a:pPr>
             <a:r>
-              <a:rPr lang="en"/>
-              <a:t>Working with the Notebooks</a:t>
+              <a:t/>
             </a:r>
             <a:endParaRPr/>
           </a:p>
@@ -16590,7 +16571,7 @@
       </p:sp>
       <p:sp>
         <p:nvSpPr>
-          <p:cNvPr id="344" name="Google Shape;344;p36"/>
+          <p:cNvPr id="343" name="Google Shape;343;p36"/>
           <p:cNvSpPr txBox="1"/>
           <p:nvPr>
             <p:ph idx="1" type="body"/>
@@ -16611,107 +16592,17 @@
           </a:bodyPr>
           <a:lstStyle/>
           <a:p>
-            <a:pPr indent="-342900" lvl="0" marL="457200" rtl="0" algn="l">
-              <a:spcBef>
-                <a:spcPts val="0"/>
-              </a:spcBef>
-              <a:spcAft>
-                <a:spcPts val="0"/>
-              </a:spcAft>
-              <a:buSzPts val="1800"/>
-              <a:buChar char="●"/>
-            </a:pPr>
-            <a:r>
-              <a:rPr lang="en"/>
-              <a:t>I </a:t>
-            </a:r>
-            <a:r>
-              <a:rPr lang="en"/>
-              <a:t>recommend doing everything locally (easier)</a:t>
-            </a:r>
-            <a:br>
-              <a:rPr lang="en"/>
-            </a:br>
-            <a:endParaRPr/>
-          </a:p>
-          <a:p>
-            <a:pPr indent="-342900" lvl="0" marL="457200" rtl="0" algn="l">
-              <a:spcBef>
-                <a:spcPts val="0"/>
-              </a:spcBef>
-              <a:spcAft>
-                <a:spcPts val="0"/>
-              </a:spcAft>
-              <a:buSzPts val="1800"/>
-              <a:buChar char="●"/>
-            </a:pPr>
-            <a:r>
-              <a:rPr lang="en"/>
-              <a:t>Install Anaconda (</a:t>
-            </a:r>
-            <a:r>
-              <a:rPr lang="en" u="sng">
-                <a:solidFill>
-                  <a:schemeClr val="hlink"/>
-                </a:solidFill>
-                <a:hlinkClick r:id="rId3"/>
-              </a:rPr>
-              <a:t>https://www.anaconda.com/</a:t>
-            </a:r>
-            <a:r>
-              <a:rPr lang="en"/>
-              <a:t>)</a:t>
-            </a:r>
-            <a:endParaRPr/>
-          </a:p>
-          <a:p>
-            <a:pPr indent="-317500" lvl="1" marL="914400" rtl="0" algn="l">
-              <a:spcBef>
-                <a:spcPts val="0"/>
-              </a:spcBef>
-              <a:spcAft>
-                <a:spcPts val="0"/>
-              </a:spcAft>
-              <a:buSzPts val="1400"/>
-              <a:buChar char="○"/>
-            </a:pPr>
-            <a:r>
-              <a:rPr lang="en"/>
-              <a:t>conda create -n dukeignite python=3.7</a:t>
-            </a:r>
-            <a:endParaRPr/>
-          </a:p>
-          <a:p>
-            <a:pPr indent="-317500" lvl="1" marL="914400" rtl="0" algn="l">
-              <a:spcBef>
-                <a:spcPts val="0"/>
-              </a:spcBef>
-              <a:spcAft>
-                <a:spcPts val="0"/>
-              </a:spcAft>
-              <a:buSzPts val="1400"/>
-              <a:buChar char="○"/>
-            </a:pPr>
-            <a:r>
-              <a:rPr lang="en"/>
-              <a:t>conda activate dukeignite</a:t>
-            </a:r>
-            <a:endParaRPr/>
-          </a:p>
-          <a:p>
-            <a:pPr indent="-317500" lvl="1" marL="914400" rtl="0" algn="l">
-              <a:spcBef>
-                <a:spcPts val="0"/>
-              </a:spcBef>
-              <a:spcAft>
-                <a:spcPts val="0"/>
-              </a:spcAft>
-              <a:buSzPts val="1400"/>
-              <a:buChar char="○"/>
-            </a:pPr>
-            <a:r>
-              <a:rPr lang="en"/>
-              <a:t>pip install -r requirements.txt</a:t>
+            <a:pPr indent="0" lvl="0" marL="0" rtl="0" algn="l">
+              <a:spcBef>
+                <a:spcPts val="0"/>
+              </a:spcBef>
+              <a:spcAft>
+                <a:spcPts val="1200"/>
+              </a:spcAft>
+              <a:buNone/>
+            </a:pPr>
+            <a:r>
+              <a:t/>
             </a:r>
             <a:endParaRPr/>
           </a:p>
@@ -16719,22 +16610,21 @@
       </p:sp>
       <p:pic>
         <p:nvPicPr>
-          <p:cNvPr id="345" name="Google Shape;345;p36"/>
+          <p:cNvPr id="344" name="Google Shape;344;p36"/>
           <p:cNvPicPr preferRelativeResize="0"/>
           <p:nvPr/>
         </p:nvPicPr>
-        <p:blipFill>
-          <a:blip r:embed="rId4">
+        <p:blipFill rotWithShape="1">
+          <a:blip r:embed="rId3">
             <a:alphaModFix/>
           </a:blip>
-          <a:stretch>
-            <a:fillRect/>
-          </a:stretch>
+          <a:srcRect b="0" l="0" r="0" t="7655"/>
+          <a:stretch/>
         </p:blipFill>
         <p:spPr>
           <a:xfrm>
-            <a:off x="3806625" y="2837103"/>
-            <a:ext cx="4892493" cy="1997125"/>
+            <a:off x="19475" y="0"/>
+            <a:ext cx="9105050" cy="4749699"/>
           </a:xfrm>
           <a:prstGeom prst="rect">
             <a:avLst/>
@@ -16745,6 +16635,82 @@
           </a:ln>
         </p:spPr>
       </p:pic>
+      <p:sp>
+        <p:nvSpPr>
+          <p:cNvPr id="345" name="Google Shape;345;p36"/>
+          <p:cNvSpPr txBox="1"/>
+          <p:nvPr/>
+        </p:nvSpPr>
+        <p:spPr>
+          <a:xfrm>
+            <a:off x="110800" y="4749700"/>
+            <a:ext cx="4645200" cy="492600"/>
+          </a:xfrm>
+          <a:prstGeom prst="rect">
+            <a:avLst/>
+          </a:prstGeom>
+          <a:noFill/>
+          <a:ln>
+            <a:noFill/>
+          </a:ln>
+        </p:spPr>
+        <p:txBody>
+          <a:bodyPr anchorCtr="0" anchor="t" bIns="91425" lIns="91425" spcFirstLastPara="1" rIns="91425" wrap="square" tIns="91425">
+            <a:spAutoFit/>
+          </a:bodyPr>
+          <a:lstStyle/>
+          <a:p>
+            <a:pPr indent="0" lvl="0" marL="0" rtl="0" algn="l">
+              <a:spcBef>
+                <a:spcPts val="0"/>
+              </a:spcBef>
+              <a:spcAft>
+                <a:spcPts val="0"/>
+              </a:spcAft>
+              <a:buNone/>
+            </a:pPr>
+            <a:r>
+              <a:rPr lang="en" sz="1000" u="sng">
+                <a:solidFill>
+                  <a:schemeClr val="hlink"/>
+                </a:solidFill>
+                <a:latin typeface="Proxima Nova"/>
+                <a:ea typeface="Proxima Nova"/>
+                <a:cs typeface="Proxima Nova"/>
+                <a:sym typeface="Proxima Nova"/>
+                <a:hlinkClick r:id="rId4"/>
+              </a:rPr>
+              <a:t>https://kylebradbury.github.io/ids705/syllabus.html</a:t>
+            </a:r>
+            <a:endParaRPr sz="1000">
+              <a:latin typeface="Proxima Nova"/>
+              <a:ea typeface="Proxima Nova"/>
+              <a:cs typeface="Proxima Nova"/>
+              <a:sym typeface="Proxima Nova"/>
+            </a:endParaRPr>
+          </a:p>
+          <a:p>
+            <a:pPr indent="0" lvl="0" marL="0" rtl="0" algn="l">
+              <a:spcBef>
+                <a:spcPts val="0"/>
+              </a:spcBef>
+              <a:spcAft>
+                <a:spcPts val="0"/>
+              </a:spcAft>
+              <a:buNone/>
+            </a:pPr>
+            <a:r>
+              <a:t/>
+            </a:r>
+            <a:endParaRPr sz="1000">
+              <a:latin typeface="Proxima Nova"/>
+              <a:ea typeface="Proxima Nova"/>
+              <a:cs typeface="Proxima Nova"/>
+              <a:sym typeface="Proxima Nova"/>
+            </a:endParaRPr>
+          </a:p>
+        </p:txBody>
+      </p:sp>
     </p:spTree>
   </p:cSld>
   <p:clrMapOvr>
@@ -16780,6 +16746,228 @@
         </p:nvSpPr>
         <p:spPr>
           <a:xfrm>
+            <a:off x="311700" y="445025"/>
+            <a:ext cx="8520600" cy="572700"/>
+          </a:xfrm>
+          <a:prstGeom prst="rect">
+            <a:avLst/>
+          </a:prstGeom>
+        </p:spPr>
+        <p:txBody>
+          <a:bodyPr anchorCtr="0" anchor="t" bIns="91425" lIns="91425" spcFirstLastPara="1" rIns="91425" wrap="square" tIns="91425">
+            <a:normAutofit fontScale="90000"/>
+          </a:bodyPr>
+          <a:lstStyle/>
+          <a:p>
+            <a:pPr indent="0" lvl="0" marL="0" rtl="0" algn="l">
+              <a:spcBef>
+                <a:spcPts val="0"/>
+              </a:spcBef>
+              <a:spcAft>
+                <a:spcPts val="0"/>
+              </a:spcAft>
+              <a:buNone/>
+            </a:pPr>
+            <a:r>
+              <a:rPr lang="en"/>
+              <a:t>Working with the Notebooks</a:t>
+            </a:r>
+            <a:endParaRPr/>
+          </a:p>
+        </p:txBody>
+      </p:sp>
+      <p:sp>
+        <p:nvSpPr>
+          <p:cNvPr id="351" name="Google Shape;351;p37"/>
+          <p:cNvSpPr txBox="1"/>
+          <p:nvPr>
+            <p:ph idx="1" type="body"/>
+          </p:nvPr>
+        </p:nvSpPr>
+        <p:spPr>
+          <a:xfrm>
+            <a:off x="311700" y="1152475"/>
+            <a:ext cx="8520600" cy="3416400"/>
+          </a:xfrm>
+          <a:prstGeom prst="rect">
+            <a:avLst/>
+          </a:prstGeom>
+        </p:spPr>
+        <p:txBody>
+          <a:bodyPr anchorCtr="0" anchor="t" bIns="91425" lIns="91425" spcFirstLastPara="1" rIns="91425" wrap="square" tIns="91425">
+            <a:normAutofit/>
+          </a:bodyPr>
+          <a:lstStyle/>
+          <a:p>
+            <a:pPr indent="-342900" lvl="0" marL="457200" rtl="0" algn="l">
+              <a:spcBef>
+                <a:spcPts val="0"/>
+              </a:spcBef>
+              <a:spcAft>
+                <a:spcPts val="0"/>
+              </a:spcAft>
+              <a:buSzPts val="1800"/>
+              <a:buChar char="●"/>
+            </a:pPr>
+            <a:r>
+              <a:rPr lang="en"/>
+              <a:t>I </a:t>
+            </a:r>
+            <a:r>
+              <a:rPr lang="en"/>
+              <a:t>recommend doing everything locally (easier)</a:t>
+            </a:r>
+            <a:br>
+              <a:rPr lang="en"/>
+            </a:br>
+            <a:endParaRPr/>
+          </a:p>
+          <a:p>
+            <a:pPr indent="-342900" lvl="0" marL="457200" rtl="0" algn="l">
+              <a:spcBef>
+                <a:spcPts val="0"/>
+              </a:spcBef>
+              <a:spcAft>
+                <a:spcPts val="0"/>
+              </a:spcAft>
+              <a:buSzPts val="1800"/>
+              <a:buChar char="●"/>
+            </a:pPr>
+            <a:r>
+              <a:rPr lang="en"/>
+              <a:t>Install Anaconda (</a:t>
+            </a:r>
+            <a:r>
+              <a:rPr lang="en" u="sng">
+                <a:solidFill>
+                  <a:schemeClr val="hlink"/>
+                </a:solidFill>
+                <a:hlinkClick r:id="rId3"/>
+              </a:rPr>
+              <a:t>https://www.anaconda.com/</a:t>
+            </a:r>
+            <a:r>
+              <a:rPr lang="en"/>
+              <a:t>)</a:t>
+            </a:r>
+            <a:endParaRPr/>
+          </a:p>
+          <a:p>
+            <a:pPr indent="-317500" lvl="1" marL="914400" rtl="0" algn="l">
+              <a:spcBef>
+                <a:spcPts val="0"/>
+              </a:spcBef>
+              <a:spcAft>
+                <a:spcPts val="0"/>
+              </a:spcAft>
+              <a:buSzPts val="1400"/>
+              <a:buChar char="○"/>
+            </a:pPr>
+            <a:r>
+              <a:rPr lang="en"/>
+              <a:t>conda create -n dukeignite python=3.7</a:t>
+            </a:r>
+            <a:endParaRPr/>
+          </a:p>
+          <a:p>
+            <a:pPr indent="-317500" lvl="1" marL="914400" rtl="0" algn="l">
+              <a:spcBef>
+                <a:spcPts val="0"/>
+              </a:spcBef>
+              <a:spcAft>
+                <a:spcPts val="0"/>
+              </a:spcAft>
+              <a:buSzPts val="1400"/>
+              <a:buChar char="○"/>
+            </a:pPr>
+            <a:r>
+              <a:rPr lang="en"/>
+              <a:t>conda activate dukeignite</a:t>
+            </a:r>
+            <a:endParaRPr/>
+          </a:p>
+          <a:p>
+            <a:pPr indent="-317500" lvl="1" marL="914400" rtl="0" algn="l">
+              <a:spcBef>
+                <a:spcPts val="0"/>
+              </a:spcBef>
+              <a:spcAft>
+                <a:spcPts val="0"/>
+              </a:spcAft>
+              <a:buSzPts val="1400"/>
+              <a:buChar char="○"/>
+            </a:pPr>
+            <a:r>
+              <a:rPr lang="en"/>
+              <a:t>pip install -r requirements.txt</a:t>
+            </a:r>
+            <a:endParaRPr/>
+          </a:p>
+        </p:txBody>
+      </p:sp>
+      <p:pic>
+        <p:nvPicPr>
+          <p:cNvPr id="352" name="Google Shape;352;p37"/>
+          <p:cNvPicPr preferRelativeResize="0"/>
+          <p:nvPr/>
+        </p:nvPicPr>
+        <p:blipFill>
+          <a:blip r:embed="rId4">
+            <a:alphaModFix/>
+          </a:blip>
+          <a:stretch>
+            <a:fillRect/>
+          </a:stretch>
+        </p:blipFill>
+        <p:spPr>
+          <a:xfrm>
+            <a:off x="3806625" y="2837103"/>
+            <a:ext cx="4892493" cy="1997125"/>
+          </a:xfrm>
+          <a:prstGeom prst="rect">
+            <a:avLst/>
+          </a:prstGeom>
+          <a:noFill/>
+          <a:ln>
+            <a:noFill/>
+          </a:ln>
+        </p:spPr>
+      </p:pic>
+    </p:spTree>
+  </p:cSld>
+  <p:clrMapOvr>
+    <a:masterClrMapping/>
+  </p:clrMapOvr>
+</p:sld>
+</file>
+
+<file path=ppt/slides/slide26.xml><?xml version="1.0" encoding="utf-8"?>
+<p:sld xmlns:a="http://schemas.openxmlformats.org/drawingml/2006/main" xmlns:r="http://schemas.openxmlformats.org/officeDocument/2006/relationships" xmlns:mc="http://schemas.openxmlformats.org/markup-compatibility/2006" xmlns:mv="urn:schemas-microsoft-com:mac:vml" xmlns:p="http://schemas.openxmlformats.org/presentationml/2006/main" xmlns:c="http://schemas.openxmlformats.org/drawingml/2006/chart" xmlns:dgm="http://schemas.openxmlformats.org/drawingml/2006/diagram" xmlns:o="urn:schemas-microsoft-com:office:office" xmlns:v="urn:schemas-microsoft-com:vml" xmlns:pvml="urn:schemas-microsoft-com:office:powerpoint" xmlns:com="http://schemas.openxmlformats.org/drawingml/2006/compatibility" xmlns:p14="http://schemas.microsoft.com/office/powerpoint/2010/main" xmlns:p15="http://schemas.microsoft.com/office/powerpoint/2012/main" xmlns:ahyp="http://schemas.microsoft.com/office/drawing/2018/hyperlinkcolor">
+  <p:cSld>
+    <p:spTree>
+      <p:nvGrpSpPr>
+        <p:cNvPr id="356" name="Shape 356"/>
+        <p:cNvGrpSpPr/>
+        <p:nvPr/>
+      </p:nvGrpSpPr>
+      <p:grpSpPr>
+        <a:xfrm>
+          <a:off x="0" y="0"/>
+          <a:ext cx="0" cy="0"/>
+          <a:chOff x="0" y="0"/>
+          <a:chExt cx="0" cy="0"/>
+        </a:xfrm>
+      </p:grpSpPr>
+      <p:sp>
+        <p:nvSpPr>
+          <p:cNvPr id="357" name="Google Shape;357;p38"/>
+          <p:cNvSpPr txBox="1"/>
+          <p:nvPr>
+            <p:ph type="title"/>
+          </p:nvPr>
+        </p:nvSpPr>
+        <p:spPr>
+          <a:xfrm>
             <a:off x="490250" y="526350"/>
             <a:ext cx="5797500" cy="4090800"/>
           </a:xfrm>
@@ -16812,7 +17000,7 @@
       </p:sp>
       <p:pic>
         <p:nvPicPr>
-          <p:cNvPr id="351" name="Google Shape;351;p37"/>
+          <p:cNvPr id="358" name="Google Shape;358;p38"/>
           <p:cNvPicPr preferRelativeResize="0"/>
           <p:nvPr/>
         </p:nvPicPr>
@@ -16897,7 +17085,7 @@
             </a:pPr>
             <a:r>
               <a:rPr lang="en"/>
-              <a:t>Types of Machine Learning</a:t>
+              <a:t>Introduction</a:t>
             </a:r>
             <a:endParaRPr/>
           </a:p>
@@ -16913,8 +17101,8 @@
         </p:nvSpPr>
         <p:spPr>
           <a:xfrm>
-            <a:off x="311700" y="1152475"/>
-            <a:ext cx="8520600" cy="3416400"/>
+            <a:off x="311700" y="1320625"/>
+            <a:ext cx="8520600" cy="3934500"/>
           </a:xfrm>
           <a:prstGeom prst="rect">
             <a:avLst/>
@@ -16935,68 +17123,60 @@
               </a:spcAft>
               <a:buNone/>
             </a:pPr>
-            <a:r>
-              <a:rPr lang="en"/>
-              <a:t>There are many different forms of machine learning, but the main two superclasses are </a:t>
-            </a:r>
-            <a:endParaRPr/>
-          </a:p>
-          <a:p>
-            <a:pPr indent="0" lvl="0" marL="0" rtl="0" algn="l">
-              <a:spcBef>
-                <a:spcPts val="1200"/>
-              </a:spcBef>
-              <a:spcAft>
-                <a:spcPts val="0"/>
-              </a:spcAft>
-              <a:buNone/>
-            </a:pPr>
-            <a:r>
-              <a:t/>
-            </a:r>
-            <a:endParaRPr/>
-          </a:p>
-          <a:p>
-            <a:pPr indent="-342900" lvl="0" marL="457200" rtl="0" algn="l">
-              <a:spcBef>
-                <a:spcPts val="1200"/>
-              </a:spcBef>
-              <a:spcAft>
-                <a:spcPts val="0"/>
-              </a:spcAft>
-              <a:buSzPts val="1800"/>
-              <a:buChar char="●"/>
-            </a:pPr>
-            <a:r>
-              <a:rPr lang="en"/>
-              <a:t>Supervised Learning</a:t>
-            </a:r>
-            <a:endParaRPr/>
-          </a:p>
-          <a:p>
-            <a:pPr indent="-317500" lvl="1" marL="914400" rtl="0" algn="l">
-              <a:spcBef>
-                <a:spcPts val="0"/>
-              </a:spcBef>
-              <a:spcAft>
-                <a:spcPts val="0"/>
-              </a:spcAft>
-              <a:buSzPts val="1400"/>
-              <a:buChar char="○"/>
-            </a:pPr>
-            <a:r>
-              <a:rPr lang="en"/>
-              <a:t>You are given the input and the output, and your goal is to determine the correlation. Working with labelled data</a:t>
-            </a:r>
             <a:br>
               <a:rPr lang="en"/>
             </a:br>
             <a:endParaRPr/>
           </a:p>
           <a:p>
+            <a:pPr indent="0" lvl="0" marL="457200" rtl="0" algn="l">
+              <a:spcBef>
+                <a:spcPts val="1200"/>
+              </a:spcBef>
+              <a:spcAft>
+                <a:spcPts val="0"/>
+              </a:spcAft>
+              <a:buNone/>
+            </a:pPr>
+            <a:r>
+              <a:t/>
+            </a:r>
+            <a:endParaRPr/>
+          </a:p>
+          <a:p>
+            <a:pPr indent="0" lvl="0" marL="457200" rtl="0" algn="l">
+              <a:spcBef>
+                <a:spcPts val="1200"/>
+              </a:spcBef>
+              <a:spcAft>
+                <a:spcPts val="0"/>
+              </a:spcAft>
+              <a:buNone/>
+            </a:pPr>
+            <a:r>
+              <a:t/>
+            </a:r>
+            <a:endParaRPr/>
+          </a:p>
+          <a:p>
+            <a:pPr indent="0" lvl="0" marL="457200" rtl="0" algn="l">
+              <a:spcBef>
+                <a:spcPts val="1200"/>
+              </a:spcBef>
+              <a:spcAft>
+                <a:spcPts val="0"/>
+              </a:spcAft>
+              <a:buNone/>
+            </a:pPr>
+            <a:r>
+              <a:t/>
+            </a:r>
+            <a:endParaRPr/>
+          </a:p>
+          <a:p>
             <a:pPr indent="-342900" lvl="0" marL="457200" rtl="0" algn="l">
               <a:spcBef>
-                <a:spcPts val="0"/>
+                <a:spcPts val="1200"/>
               </a:spcBef>
               <a:spcAft>
                 <a:spcPts val="0"/>
@@ -17006,29 +17186,40 @@
             </a:pPr>
             <a:r>
               <a:rPr lang="en"/>
-              <a:t>Unsupervised Learning</a:t>
+              <a:t>Machine learning is all about finding trends in data, and extrapolating those trends for real world solutions. The goal is to make a model “learn” by giving it data, making it take a “guess”, and correcting its “learning” based on that guess</a:t>
             </a:r>
             <a:endParaRPr/>
           </a:p>
-          <a:p>
-            <a:pPr indent="-317500" lvl="1" marL="914400" rtl="0" algn="l">
-              <a:spcBef>
-                <a:spcPts val="0"/>
-              </a:spcBef>
-              <a:spcAft>
-                <a:spcPts val="0"/>
-              </a:spcAft>
-              <a:buSzPts val="1400"/>
-              <a:buChar char="○"/>
-            </a:pPr>
-            <a:r>
-              <a:rPr lang="en"/>
-              <a:t>You are given the input, and the goal is to cluster or group this input. The data does not have a given label and your goal is to more determine the labels</a:t>
-            </a:r>
-            <a:endParaRPr/>
-          </a:p>
-        </p:txBody>
-      </p:sp>
+        </p:txBody>
+      </p:sp>
+      <p:pic>
+        <p:nvPicPr>
+          <p:cNvPr id="74" name="Google Shape;74;p15"/>
+          <p:cNvPicPr preferRelativeResize="0"/>
+          <p:nvPr/>
+        </p:nvPicPr>
+        <p:blipFill>
+          <a:blip r:embed="rId3">
+            <a:alphaModFix/>
+          </a:blip>
+          <a:stretch>
+            <a:fillRect/>
+          </a:stretch>
+        </p:blipFill>
+        <p:spPr>
+          <a:xfrm>
+            <a:off x="2022538" y="945850"/>
+            <a:ext cx="5098924" cy="2574050"/>
+          </a:xfrm>
+          <a:prstGeom prst="rect">
+            <a:avLst/>
+          </a:prstGeom>
+          <a:noFill/>
+          <a:ln>
+            <a:noFill/>
+          </a:ln>
+        </p:spPr>
+      </p:pic>
     </p:spTree>
   </p:cSld>
   <p:clrMapOvr>
@@ -17042,7 +17233,7 @@
   <p:cSld>
     <p:spTree>
       <p:nvGrpSpPr>
-        <p:cNvPr id="77" name="Shape 77"/>
+        <p:cNvPr id="78" name="Shape 78"/>
         <p:cNvGrpSpPr/>
         <p:nvPr/>
       </p:nvGrpSpPr>
@@ -17056,7 +17247,7 @@
       </p:grpSpPr>
       <p:sp>
         <p:nvSpPr>
-          <p:cNvPr id="78" name="Google Shape;78;p16"/>
+          <p:cNvPr id="79" name="Google Shape;79;p16"/>
           <p:cNvSpPr txBox="1"/>
           <p:nvPr>
             <p:ph type="title"/>
@@ -17088,7 +17279,7 @@
             </a:pPr>
             <a:r>
               <a:rPr lang="en"/>
-              <a:t>Train/Validate/Test</a:t>
+              <a:t>Types of Machine Learning</a:t>
             </a:r>
             <a:endParaRPr/>
           </a:p>
@@ -17096,7 +17287,7 @@
       </p:sp>
       <p:sp>
         <p:nvSpPr>
-          <p:cNvPr id="79" name="Google Shape;79;p16"/>
+          <p:cNvPr id="80" name="Google Shape;80;p16"/>
           <p:cNvSpPr txBox="1"/>
           <p:nvPr>
             <p:ph idx="1" type="body"/>
@@ -17117,9 +17308,40 @@
           </a:bodyPr>
           <a:lstStyle/>
           <a:p>
+            <a:pPr indent="0" lvl="0" marL="0" rtl="0" algn="l">
+              <a:spcBef>
+                <a:spcPts val="0"/>
+              </a:spcBef>
+              <a:spcAft>
+                <a:spcPts val="0"/>
+              </a:spcAft>
+              <a:buNone/>
+            </a:pPr>
+            <a:r>
+              <a:rPr lang="en"/>
+              <a:t>There are many different forms of machine learning, but the main two superclasses are </a:t>
+            </a:r>
+            <a:endParaRPr/>
+          </a:p>
+          <a:p>
+            <a:pPr indent="0" lvl="0" marL="0" rtl="0" algn="l">
+              <a:spcBef>
+                <a:spcPts val="1200"/>
+              </a:spcBef>
+              <a:spcAft>
+                <a:spcPts val="0"/>
+              </a:spcAft>
+              <a:buNone/>
+            </a:pPr>
+            <a:r>
+              <a:t/>
+            </a:r>
+            <a:endParaRPr/>
+          </a:p>
+          <a:p>
             <a:pPr indent="-342900" lvl="0" marL="457200" rtl="0" algn="l">
               <a:spcBef>
-                <a:spcPts val="0"/>
+                <a:spcPts val="1200"/>
               </a:spcBef>
               <a:spcAft>
                 <a:spcPts val="0"/>
@@ -17129,7 +17351,7 @@
             </a:pPr>
             <a:r>
               <a:rPr lang="en"/>
-              <a:t>The main process for a standard supervised learning model comes in three steps</a:t>
+              <a:t>Supervised Learning</a:t>
             </a:r>
             <a:endParaRPr/>
           </a:p>
@@ -17146,7 +17368,7 @@
             </a:pPr>
             <a:r>
               <a:rPr lang="en"/>
-              <a:t>Train - This is the process where the model “learns”. The input data is given to the model, and it processes this data row by row, produces an output, compares this output to the expected output, and updates the parameters of the model </a:t>
+              <a:t>You are given the input and the output, and your goal is to determine the correlation. Working with labelled data</a:t>
             </a:r>
             <a:br>
               <a:rPr lang="en"/>
@@ -17154,6 +17376,23 @@
             <a:endParaRPr/>
           </a:p>
           <a:p>
+            <a:pPr indent="-342900" lvl="0" marL="457200" rtl="0" algn="l">
+              <a:spcBef>
+                <a:spcPts val="0"/>
+              </a:spcBef>
+              <a:spcAft>
+                <a:spcPts val="0"/>
+              </a:spcAft>
+              <a:buSzPts val="1800"/>
+              <a:buChar char="●"/>
+            </a:pPr>
+            <a:r>
+              <a:rPr lang="en"/>
+              <a:t>Unsupervised Learning</a:t>
+            </a:r>
+            <a:endParaRPr/>
+          </a:p>
+          <a:p>
             <a:pPr indent="-317500" lvl="1" marL="914400" rtl="0" algn="l">
               <a:spcBef>
                 <a:spcPts val="0"/>
@@ -17166,27 +17405,7 @@
             </a:pPr>
             <a:r>
               <a:rPr lang="en"/>
-              <a:t>Validate - This is the part of the dataset that is used to determine how well the model is doing during training. It is not used to adjust the parameters, but instead more global variables such as how fast we train or how big of a jump we make in minimizing</a:t>
-            </a:r>
-            <a:br>
-              <a:rPr lang="en"/>
-            </a:br>
-            <a:endParaRPr/>
-          </a:p>
-          <a:p>
-            <a:pPr indent="-317500" lvl="1" marL="914400" rtl="0" algn="l">
-              <a:spcBef>
-                <a:spcPts val="0"/>
-              </a:spcBef>
-              <a:spcAft>
-                <a:spcPts val="0"/>
-              </a:spcAft>
-              <a:buSzPts val="1400"/>
-              <a:buChar char="○"/>
-            </a:pPr>
-            <a:r>
-              <a:rPr lang="en"/>
-              <a:t>Test - This is unseen data that is used to evaluate the model. In literature, the accuracy or score of this model is the one reported and used as the “true” performance of the model</a:t>
+              <a:t>You are given the input, and the goal is to cluster or group this input. The data does not have a given label and your goal is to more determine the labels</a:t>
             </a:r>
             <a:endParaRPr/>
           </a:p>
@@ -17205,7 +17424,7 @@
   <p:cSld>
     <p:spTree>
       <p:nvGrpSpPr>
-        <p:cNvPr id="83" name="Shape 83"/>
+        <p:cNvPr id="84" name="Shape 84"/>
         <p:cNvGrpSpPr/>
         <p:nvPr/>
       </p:nvGrpSpPr>
@@ -17219,7 +17438,7 @@
       </p:grpSpPr>
       <p:sp>
         <p:nvSpPr>
-          <p:cNvPr id="84" name="Google Shape;84;p17"/>
+          <p:cNvPr id="85" name="Google Shape;85;p17"/>
           <p:cNvSpPr txBox="1"/>
           <p:nvPr>
             <p:ph type="title"/>
@@ -17251,7 +17470,7 @@
             </a:pPr>
             <a:r>
               <a:rPr lang="en"/>
-              <a:t>Terminology</a:t>
+              <a:t>Train/Validate/Test</a:t>
             </a:r>
             <a:endParaRPr/>
           </a:p>
@@ -17259,7 +17478,7 @@
       </p:sp>
       <p:sp>
         <p:nvSpPr>
-          <p:cNvPr id="85" name="Google Shape;85;p17"/>
+          <p:cNvPr id="86" name="Google Shape;86;p17"/>
           <p:cNvSpPr txBox="1"/>
           <p:nvPr>
             <p:ph idx="1" type="body"/>
@@ -17291,91 +17510,65 @@
               <a:buChar char="●"/>
             </a:pPr>
             <a:r>
-              <a:rPr b="1" lang="en"/>
-              <a:t>Parameters</a:t>
-            </a:r>
-            <a:r>
               <a:rPr lang="en"/>
-              <a:t> - These are the weights of the model, the numbers we will use to do our calculations</a:t>
+              <a:t>The main process for a standard supervised learning model comes in three steps</a:t>
             </a:r>
             <a:endParaRPr/>
           </a:p>
           <a:p>
-            <a:pPr indent="-342900" lvl="0" marL="457200" rtl="0" algn="l">
-              <a:spcBef>
-                <a:spcPts val="0"/>
-              </a:spcBef>
-              <a:spcAft>
-                <a:spcPts val="0"/>
-              </a:spcAft>
-              <a:buSzPts val="1800"/>
-              <a:buChar char="●"/>
-            </a:pPr>
-            <a:r>
-              <a:rPr b="1" lang="en"/>
-              <a:t>Hyperparameters</a:t>
-            </a:r>
+            <a:pPr indent="-317500" lvl="1" marL="914400" rtl="0" algn="l">
+              <a:spcBef>
+                <a:spcPts val="0"/>
+              </a:spcBef>
+              <a:spcAft>
+                <a:spcPts val="0"/>
+              </a:spcAft>
+              <a:buSzPts val="1400"/>
+              <a:buChar char="○"/>
+            </a:pPr>
             <a:r>
               <a:rPr lang="en"/>
-              <a:t> - More global variables that do not change in a single model such as input size, output size, hidden layer size, etc.</a:t>
-            </a:r>
+              <a:t>Train - This is the process where the model “learns”. The input data is given to the model, and it processes this data row by row, produces an output, compares this output to the expected output, and updates the parameters of the model </a:t>
+            </a:r>
+            <a:br>
+              <a:rPr lang="en"/>
+            </a:br>
             <a:endParaRPr/>
           </a:p>
           <a:p>
-            <a:pPr indent="-342900" lvl="0" marL="457200" rtl="0" algn="l">
-              <a:spcBef>
-                <a:spcPts val="0"/>
-              </a:spcBef>
-              <a:spcAft>
-                <a:spcPts val="0"/>
-              </a:spcAft>
-              <a:buSzPts val="1800"/>
-              <a:buChar char="●"/>
-            </a:pPr>
-            <a:r>
-              <a:rPr b="1" lang="en"/>
-              <a:t>Batch</a:t>
-            </a:r>
+            <a:pPr indent="-317500" lvl="1" marL="914400" rtl="0" algn="l">
+              <a:spcBef>
+                <a:spcPts val="0"/>
+              </a:spcBef>
+              <a:spcAft>
+                <a:spcPts val="0"/>
+              </a:spcAft>
+              <a:buSzPts val="1400"/>
+              <a:buChar char="○"/>
+            </a:pPr>
             <a:r>
               <a:rPr lang="en"/>
-              <a:t> - A subset of the training data that is used for one iteration of training</a:t>
-            </a:r>
+              <a:t>Validate - This is the part of the dataset that is used to determine how well the model is doing during training. It is not used to adjust the parameters, but instead more global variables such as how fast we train or how big of a jump we make in minimizing</a:t>
+            </a:r>
+            <a:br>
+              <a:rPr lang="en"/>
+            </a:br>
             <a:endParaRPr/>
           </a:p>
           <a:p>
-            <a:pPr indent="-342900" lvl="0" marL="457200" rtl="0" algn="l">
-              <a:spcBef>
-                <a:spcPts val="0"/>
-              </a:spcBef>
-              <a:spcAft>
-                <a:spcPts val="0"/>
-              </a:spcAft>
-              <a:buSzPts val="1800"/>
-              <a:buChar char="●"/>
-            </a:pPr>
-            <a:r>
-              <a:rPr b="1" lang="en"/>
-              <a:t>Epoch</a:t>
-            </a:r>
+            <a:pPr indent="-317500" lvl="1" marL="914400" rtl="0" algn="l">
+              <a:spcBef>
+                <a:spcPts val="0"/>
+              </a:spcBef>
+              <a:spcAft>
+                <a:spcPts val="0"/>
+              </a:spcAft>
+              <a:buSzPts val="1400"/>
+              <a:buChar char="○"/>
+            </a:pPr>
             <a:r>
               <a:rPr lang="en"/>
-              <a:t> - A collection of 1 or more batches where all the the train data is eventually passed through the model</a:t>
-            </a:r>
-            <a:endParaRPr/>
-          </a:p>
-          <a:p>
-            <a:pPr indent="-342900" lvl="0" marL="457200" rtl="0" algn="l">
-              <a:spcBef>
-                <a:spcPts val="0"/>
-              </a:spcBef>
-              <a:spcAft>
-                <a:spcPts val="0"/>
-              </a:spcAft>
-              <a:buSzPts val="1800"/>
-              <a:buChar char="●"/>
-            </a:pPr>
-            <a:r>
-              <a:t/>
+              <a:t>Test - This is unseen data that is used to evaluate the model. In literature, the accuracy or score of this model is the one reported and used as the “true” performance of the model</a:t>
             </a:r>
             <a:endParaRPr/>
           </a:p>
@@ -17394,7 +17587,7 @@
   <p:cSld>
     <p:spTree>
       <p:nvGrpSpPr>
-        <p:cNvPr id="89" name="Shape 89"/>
+        <p:cNvPr id="90" name="Shape 90"/>
         <p:cNvGrpSpPr/>
         <p:nvPr/>
       </p:nvGrpSpPr>
@@ -17408,7 +17601,7 @@
       </p:grpSpPr>
       <p:sp>
         <p:nvSpPr>
-          <p:cNvPr id="90" name="Google Shape;90;p18"/>
+          <p:cNvPr id="91" name="Google Shape;91;p18"/>
           <p:cNvSpPr txBox="1"/>
           <p:nvPr>
             <p:ph type="title"/>
@@ -17440,7 +17633,7 @@
             </a:pPr>
             <a:r>
               <a:rPr lang="en"/>
-              <a:t>The Loss Function</a:t>
+              <a:t>Terminology</a:t>
             </a:r>
             <a:endParaRPr/>
           </a:p>
@@ -17448,7 +17641,7 @@
       </p:sp>
       <p:sp>
         <p:nvSpPr>
-          <p:cNvPr id="91" name="Google Shape;91;p18"/>
+          <p:cNvPr id="92" name="Google Shape;92;p18"/>
           <p:cNvSpPr txBox="1"/>
           <p:nvPr>
             <p:ph idx="1" type="body"/>
@@ -17469,69 +17662,9 @@
           </a:bodyPr>
           <a:lstStyle/>
           <a:p>
-            <a:pPr indent="0" lvl="0" marL="0" rtl="0" algn="l">
-              <a:spcBef>
-                <a:spcPts val="0"/>
-              </a:spcBef>
-              <a:spcAft>
-                <a:spcPts val="0"/>
-              </a:spcAft>
-              <a:buNone/>
-            </a:pPr>
-            <a:r>
-              <a:t/>
-            </a:r>
-            <a:endParaRPr/>
-          </a:p>
-          <a:p>
-            <a:pPr indent="0" lvl="0" marL="0" rtl="0" algn="l">
-              <a:spcBef>
-                <a:spcPts val="1200"/>
-              </a:spcBef>
-              <a:spcAft>
-                <a:spcPts val="0"/>
-              </a:spcAft>
-              <a:buNone/>
-            </a:pPr>
-            <a:r>
-              <a:t/>
-            </a:r>
-            <a:endParaRPr/>
-          </a:p>
-          <a:p>
-            <a:pPr indent="0" lvl="0" marL="0" rtl="0" algn="l">
-              <a:spcBef>
-                <a:spcPts val="1200"/>
-              </a:spcBef>
-              <a:spcAft>
-                <a:spcPts val="0"/>
-              </a:spcAft>
-              <a:buNone/>
-            </a:pPr>
-            <a:r>
-              <a:t/>
-            </a:r>
-            <a:endParaRPr/>
-          </a:p>
-          <a:p>
-            <a:pPr indent="0" lvl="0" marL="0" rtl="0" algn="l">
-              <a:spcBef>
-                <a:spcPts val="1200"/>
-              </a:spcBef>
-              <a:spcAft>
-                <a:spcPts val="0"/>
-              </a:spcAft>
-              <a:buNone/>
-            </a:pPr>
-            <a:r>
-              <a:t/>
-            </a:r>
-            <a:endParaRPr/>
-          </a:p>
-          <a:p>
             <a:pPr indent="-342900" lvl="0" marL="457200" rtl="0" algn="l">
               <a:spcBef>
-                <a:spcPts val="1200"/>
+                <a:spcPts val="0"/>
               </a:spcBef>
               <a:spcAft>
                 <a:spcPts val="0"/>
@@ -17540,41 +17673,95 @@
               <a:buChar char="●"/>
             </a:pPr>
             <a:r>
+              <a:rPr b="1" lang="en"/>
+              <a:t>Parameters</a:t>
+            </a:r>
+            <a:r>
               <a:rPr lang="en"/>
-              <a:t>The goal is to minimize this loss function</a:t>
+              <a:t> - These are the weights of the model, the numbers we will use to do our calculations</a:t>
             </a:r>
             <a:endParaRPr/>
           </a:p>
-        </p:txBody>
-      </p:sp>
-      <p:pic>
-        <p:nvPicPr>
-          <p:cNvPr id="92" name="Google Shape;92;p18"/>
-          <p:cNvPicPr preferRelativeResize="0"/>
-          <p:nvPr/>
-        </p:nvPicPr>
-        <p:blipFill>
-          <a:blip r:embed="rId3">
-            <a:alphaModFix/>
-          </a:blip>
-          <a:stretch>
-            <a:fillRect/>
-          </a:stretch>
-        </p:blipFill>
-        <p:spPr>
-          <a:xfrm>
-            <a:off x="1828375" y="1458625"/>
-            <a:ext cx="4668575" cy="1450875"/>
-          </a:xfrm>
-          <a:prstGeom prst="rect">
-            <a:avLst/>
-          </a:prstGeom>
-          <a:noFill/>
-          <a:ln>
-            <a:noFill/>
-          </a:ln>
-        </p:spPr>
-      </p:pic>
+          <a:p>
+            <a:pPr indent="-342900" lvl="0" marL="457200" rtl="0" algn="l">
+              <a:spcBef>
+                <a:spcPts val="0"/>
+              </a:spcBef>
+              <a:spcAft>
+                <a:spcPts val="0"/>
+              </a:spcAft>
+              <a:buSzPts val="1800"/>
+              <a:buChar char="●"/>
+            </a:pPr>
+            <a:r>
+              <a:rPr b="1" lang="en"/>
+              <a:t>Hyperparameters</a:t>
+            </a:r>
+            <a:r>
+              <a:rPr lang="en"/>
+              <a:t> - More global variables that do not change in a single model such as input size, output size, hidden layer size, etc.</a:t>
+            </a:r>
+            <a:endParaRPr/>
+          </a:p>
+          <a:p>
+            <a:pPr indent="-342900" lvl="0" marL="457200" rtl="0" algn="l">
+              <a:spcBef>
+                <a:spcPts val="0"/>
+              </a:spcBef>
+              <a:spcAft>
+                <a:spcPts val="0"/>
+              </a:spcAft>
+              <a:buSzPts val="1800"/>
+              <a:buChar char="●"/>
+            </a:pPr>
+            <a:r>
+              <a:rPr b="1" lang="en"/>
+              <a:t>Batch</a:t>
+            </a:r>
+            <a:r>
+              <a:rPr lang="en"/>
+              <a:t> - A subset of the training data that is used for one iteration of training</a:t>
+            </a:r>
+            <a:endParaRPr/>
+          </a:p>
+          <a:p>
+            <a:pPr indent="-342900" lvl="0" marL="457200" rtl="0" algn="l">
+              <a:spcBef>
+                <a:spcPts val="0"/>
+              </a:spcBef>
+              <a:spcAft>
+                <a:spcPts val="0"/>
+              </a:spcAft>
+              <a:buSzPts val="1800"/>
+              <a:buChar char="●"/>
+            </a:pPr>
+            <a:r>
+              <a:rPr b="1" lang="en"/>
+              <a:t>Epoch</a:t>
+            </a:r>
+            <a:r>
+              <a:rPr lang="en"/>
+              <a:t> - A collection of 1 or more batches where all the the train data is eventually passed through the model</a:t>
+            </a:r>
+            <a:endParaRPr/>
+          </a:p>
+          <a:p>
+            <a:pPr indent="0" lvl="0" marL="0" rtl="0" algn="l">
+              <a:spcBef>
+                <a:spcPts val="1200"/>
+              </a:spcBef>
+              <a:spcAft>
+                <a:spcPts val="1200"/>
+              </a:spcAft>
+              <a:buNone/>
+            </a:pPr>
+            <a:r>
+              <a:t/>
+            </a:r>
+            <a:endParaRPr/>
+          </a:p>
+        </p:txBody>
+      </p:sp>
     </p:spTree>
   </p:cSld>
   <p:clrMapOvr>
@@ -17610,15 +17797,55 @@
         </p:nvSpPr>
         <p:spPr>
           <a:xfrm>
-            <a:off x="490250" y="526350"/>
-            <a:ext cx="5797500" cy="4090800"/>
+            <a:off x="311700" y="445025"/>
+            <a:ext cx="8520600" cy="572700"/>
           </a:xfrm>
           <a:prstGeom prst="rect">
             <a:avLst/>
           </a:prstGeom>
         </p:spPr>
         <p:txBody>
-          <a:bodyPr anchorCtr="0" anchor="ctr" bIns="91425" lIns="91425" spcFirstLastPara="1" rIns="91425" wrap="square" tIns="91425">
+          <a:bodyPr anchorCtr="0" anchor="t" bIns="91425" lIns="91425" spcFirstLastPara="1" rIns="91425" wrap="square" tIns="91425">
+            <a:normAutofit fontScale="90000"/>
+          </a:bodyPr>
+          <a:lstStyle/>
+          <a:p>
+            <a:pPr indent="0" lvl="0" marL="0" rtl="0" algn="l">
+              <a:spcBef>
+                <a:spcPts val="0"/>
+              </a:spcBef>
+              <a:spcAft>
+                <a:spcPts val="0"/>
+              </a:spcAft>
+              <a:buNone/>
+            </a:pPr>
+            <a:r>
+              <a:rPr lang="en"/>
+              <a:t>The Loss Function</a:t>
+            </a:r>
+            <a:endParaRPr/>
+          </a:p>
+        </p:txBody>
+      </p:sp>
+      <p:sp>
+        <p:nvSpPr>
+          <p:cNvPr id="98" name="Google Shape;98;p19"/>
+          <p:cNvSpPr txBox="1"/>
+          <p:nvPr>
+            <p:ph idx="1" type="body"/>
+          </p:nvPr>
+        </p:nvSpPr>
+        <p:spPr>
+          <a:xfrm>
+            <a:off x="311700" y="1152475"/>
+            <a:ext cx="8520600" cy="3416400"/>
+          </a:xfrm>
+          <a:prstGeom prst="rect">
+            <a:avLst/>
+          </a:prstGeom>
+        </p:spPr>
+        <p:txBody>
+          <a:bodyPr anchorCtr="0" anchor="t" bIns="91425" lIns="91425" spcFirstLastPara="1" rIns="91425" wrap="square" tIns="91425">
             <a:normAutofit/>
           </a:bodyPr>
           <a:lstStyle/>
@@ -17633,13 +17860,102 @@
               <a:buNone/>
             </a:pPr>
             <a:r>
+              <a:t/>
+            </a:r>
+            <a:endParaRPr/>
+          </a:p>
+          <a:p>
+            <a:pPr indent="0" lvl="0" marL="0" rtl="0" algn="l">
+              <a:spcBef>
+                <a:spcPts val="1200"/>
+              </a:spcBef>
+              <a:spcAft>
+                <a:spcPts val="0"/>
+              </a:spcAft>
+              <a:buNone/>
+            </a:pPr>
+            <a:r>
+              <a:t/>
+            </a:r>
+            <a:endParaRPr/>
+          </a:p>
+          <a:p>
+            <a:pPr indent="0" lvl="0" marL="0" rtl="0" algn="l">
+              <a:spcBef>
+                <a:spcPts val="1200"/>
+              </a:spcBef>
+              <a:spcAft>
+                <a:spcPts val="0"/>
+              </a:spcAft>
+              <a:buNone/>
+            </a:pPr>
+            <a:r>
+              <a:t/>
+            </a:r>
+            <a:endParaRPr/>
+          </a:p>
+          <a:p>
+            <a:pPr indent="0" lvl="0" marL="0" rtl="0" algn="l">
+              <a:spcBef>
+                <a:spcPts val="1200"/>
+              </a:spcBef>
+              <a:spcAft>
+                <a:spcPts val="0"/>
+              </a:spcAft>
+              <a:buNone/>
+            </a:pPr>
+            <a:r>
+              <a:t/>
+            </a:r>
+            <a:endParaRPr/>
+          </a:p>
+          <a:p>
+            <a:pPr indent="-342900" lvl="0" marL="457200" rtl="0" algn="l">
+              <a:spcBef>
+                <a:spcPts val="1200"/>
+              </a:spcBef>
+              <a:spcAft>
+                <a:spcPts val="0"/>
+              </a:spcAft>
+              <a:buSzPts val="1800"/>
+              <a:buChar char="●"/>
+            </a:pPr>
+            <a:r>
               <a:rPr lang="en"/>
-              <a:t>Gradient Descent</a:t>
+              <a:t>The goal is to minimize this loss function</a:t>
             </a:r>
             <a:endParaRPr/>
           </a:p>
         </p:txBody>
       </p:sp>
+      <p:pic>
+        <p:nvPicPr>
+          <p:cNvPr id="99" name="Google Shape;99;p19"/>
+          <p:cNvPicPr preferRelativeResize="0"/>
+          <p:nvPr/>
+        </p:nvPicPr>
+        <p:blipFill>
+          <a:blip r:embed="rId3">
+            <a:alphaModFix/>
+          </a:blip>
+          <a:stretch>
+            <a:fillRect/>
+          </a:stretch>
+        </p:blipFill>
+        <p:spPr>
+          <a:xfrm>
+            <a:off x="1828375" y="1458625"/>
+            <a:ext cx="4668575" cy="1450875"/>
+          </a:xfrm>
+          <a:prstGeom prst="rect">
+            <a:avLst/>
+          </a:prstGeom>
+          <a:noFill/>
+          <a:ln>
+            <a:noFill/>
+          </a:ln>
+        </p:spPr>
+      </p:pic>
     </p:spTree>
   </p:cSld>
   <p:clrMapOvr>
@@ -17653,7 +17969,7 @@
   <p:cSld>
     <p:spTree>
       <p:nvGrpSpPr>
-        <p:cNvPr id="101" name="Shape 101"/>
+        <p:cNvPr id="103" name="Shape 103"/>
         <p:cNvGrpSpPr/>
         <p:nvPr/>
       </p:nvGrpSpPr>
@@ -17667,7 +17983,7 @@
       </p:grpSpPr>
       <p:sp>
         <p:nvSpPr>
-          <p:cNvPr id="102" name="Google Shape;102;p20"/>
+          <p:cNvPr id="104" name="Google Shape;104;p20"/>
           <p:cNvSpPr txBox="1"/>
           <p:nvPr>
             <p:ph type="title"/>
@@ -17675,16 +17991,16 @@
         </p:nvSpPr>
         <p:spPr>
           <a:xfrm>
-            <a:off x="311700" y="445025"/>
-            <a:ext cx="8520600" cy="572700"/>
+            <a:off x="490250" y="526350"/>
+            <a:ext cx="5797500" cy="4090800"/>
           </a:xfrm>
           <a:prstGeom prst="rect">
             <a:avLst/>
           </a:prstGeom>
         </p:spPr>
         <p:txBody>
-          <a:bodyPr anchorCtr="0" anchor="t" bIns="91425" lIns="91425" spcFirstLastPara="1" rIns="91425" wrap="square" tIns="91425">
-            <a:normAutofit fontScale="90000"/>
+          <a:bodyPr anchorCtr="0" anchor="ctr" bIns="91425" lIns="91425" spcFirstLastPara="1" rIns="91425" wrap="square" tIns="91425">
+            <a:normAutofit/>
           </a:bodyPr>
           <a:lstStyle/>
           <a:p>
@@ -17699,141 +18015,12 @@
             </a:pPr>
             <a:r>
               <a:rPr lang="en"/>
-              <a:t>What is a Gradient?</a:t>
+              <a:t>Gradient Descent</a:t>
             </a:r>
             <a:endParaRPr/>
           </a:p>
         </p:txBody>
       </p:sp>
-      <p:sp>
-        <p:nvSpPr>
-          <p:cNvPr id="103" name="Google Shape;103;p20"/>
-          <p:cNvSpPr txBox="1"/>
-          <p:nvPr>
-            <p:ph idx="1" type="body"/>
-          </p:nvPr>
-        </p:nvSpPr>
-        <p:spPr>
-          <a:xfrm>
-            <a:off x="311700" y="1152475"/>
-            <a:ext cx="8520600" cy="3416400"/>
-          </a:xfrm>
-          <a:prstGeom prst="rect">
-            <a:avLst/>
-          </a:prstGeom>
-        </p:spPr>
-        <p:txBody>
-          <a:bodyPr anchorCtr="0" anchor="t" bIns="91425" lIns="91425" spcFirstLastPara="1" rIns="91425" wrap="square" tIns="91425">
-            <a:normAutofit/>
-          </a:bodyPr>
-          <a:lstStyle/>
-          <a:p>
-            <a:pPr indent="-342900" lvl="0" marL="457200" rtl="0" algn="l">
-              <a:spcBef>
-                <a:spcPts val="0"/>
-              </a:spcBef>
-              <a:spcAft>
-                <a:spcPts val="0"/>
-              </a:spcAft>
-              <a:buSzPts val="1800"/>
-              <a:buChar char="●"/>
-            </a:pPr>
-            <a:r>
-              <a:rPr lang="en"/>
-              <a:t>In multivariable calculus, the gradient is a vector in the direction of the steepest slope. </a:t>
-            </a:r>
-            <a:br>
-              <a:rPr lang="en"/>
-            </a:br>
-            <a:endParaRPr/>
-          </a:p>
-          <a:p>
-            <a:pPr indent="-342900" lvl="0" marL="457200" rtl="0" algn="l">
-              <a:spcBef>
-                <a:spcPts val="0"/>
-              </a:spcBef>
-              <a:spcAft>
-                <a:spcPts val="0"/>
-              </a:spcAft>
-              <a:buSzPts val="1800"/>
-              <a:buChar char="●"/>
-            </a:pPr>
-            <a:r>
-              <a:rPr lang="en"/>
-              <a:t>Imagine</a:t>
-            </a:r>
-            <a:r>
-              <a:rPr lang="en"/>
-              <a:t> our loss </a:t>
-            </a:r>
-            <a:r>
-              <a:rPr lang="en"/>
-              <a:t>function</a:t>
-            </a:r>
-            <a:r>
-              <a:rPr lang="en"/>
-              <a:t> as a curve in a 3D space. If we keep moving in the direction of the gradient, we will reach the minimum loss</a:t>
-            </a:r>
-            <a:endParaRPr/>
-          </a:p>
-        </p:txBody>
-      </p:sp>
-      <p:pic>
-        <p:nvPicPr>
-          <p:cNvPr id="104" name="Google Shape;104;p20"/>
-          <p:cNvPicPr preferRelativeResize="0"/>
-          <p:nvPr/>
-        </p:nvPicPr>
-        <p:blipFill>
-          <a:blip r:embed="rId3">
-            <a:alphaModFix/>
-          </a:blip>
-          <a:stretch>
-            <a:fillRect/>
-          </a:stretch>
-        </p:blipFill>
-        <p:spPr>
-          <a:xfrm>
-            <a:off x="5797325" y="2773925"/>
-            <a:ext cx="2989500" cy="2242125"/>
-          </a:xfrm>
-          <a:prstGeom prst="rect">
-            <a:avLst/>
-          </a:prstGeom>
-          <a:noFill/>
-          <a:ln>
-            <a:noFill/>
-          </a:ln>
-        </p:spPr>
-      </p:pic>
-      <p:pic>
-        <p:nvPicPr>
-          <p:cNvPr id="105" name="Google Shape;105;p20"/>
-          <p:cNvPicPr preferRelativeResize="0"/>
-          <p:nvPr/>
-        </p:nvPicPr>
-        <p:blipFill>
-          <a:blip r:embed="rId4">
-            <a:alphaModFix/>
-          </a:blip>
-          <a:stretch>
-            <a:fillRect/>
-          </a:stretch>
-        </p:blipFill>
-        <p:spPr>
-          <a:xfrm>
-            <a:off x="744325" y="2878200"/>
-            <a:ext cx="3754301" cy="2033574"/>
-          </a:xfrm>
-          <a:prstGeom prst="rect">
-            <a:avLst/>
-          </a:prstGeom>
-          <a:noFill/>
-          <a:ln>
-            <a:noFill/>
-          </a:ln>
-        </p:spPr>
-      </p:pic>
     </p:spTree>
   </p:cSld>
   <p:clrMapOvr>
@@ -17847,7 +18034,7 @@
   <p:cSld>
     <p:spTree>
       <p:nvGrpSpPr>
-        <p:cNvPr id="109" name="Shape 109"/>
+        <p:cNvPr id="108" name="Shape 108"/>
         <p:cNvGrpSpPr/>
         <p:nvPr/>
       </p:nvGrpSpPr>
@@ -17861,7 +18048,7 @@
       </p:grpSpPr>
       <p:sp>
         <p:nvSpPr>
-          <p:cNvPr id="110" name="Google Shape;110;p21"/>
+          <p:cNvPr id="109" name="Google Shape;109;p21"/>
           <p:cNvSpPr txBox="1"/>
           <p:nvPr>
             <p:ph type="title"/>
@@ -17893,7 +18080,7 @@
             </a:pPr>
             <a:r>
               <a:rPr lang="en"/>
-              <a:t>Try This!</a:t>
+              <a:t>What is a Gradient?</a:t>
             </a:r>
             <a:endParaRPr/>
           </a:p>
@@ -17901,7 +18088,7 @@
       </p:sp>
       <p:sp>
         <p:nvSpPr>
-          <p:cNvPr id="111" name="Google Shape;111;p21"/>
+          <p:cNvPr id="110" name="Google Shape;110;p21"/>
           <p:cNvSpPr txBox="1"/>
           <p:nvPr>
             <p:ph idx="1" type="body"/>
@@ -17922,32 +18109,112 @@
           </a:bodyPr>
           <a:lstStyle/>
           <a:p>
-            <a:pPr indent="0" lvl="0" marL="0" rtl="0" algn="l">
-              <a:spcBef>
-                <a:spcPts val="0"/>
-              </a:spcBef>
-              <a:spcAft>
-                <a:spcPts val="1200"/>
-              </a:spcAft>
-              <a:buNone/>
-            </a:pPr>
-            <a:r>
-              <a:rPr lang="en" u="sng">
-                <a:solidFill>
-                  <a:schemeClr val="hlink"/>
-                </a:solidFill>
-                <a:hlinkClick r:id="rId3"/>
-              </a:rPr>
-              <a:t>https://uclaacm.github.io/gradient-descent-visualiser/#playground</a:t>
-            </a:r>
+            <a:pPr indent="-342900" lvl="0" marL="457200" rtl="0" algn="l">
+              <a:spcBef>
+                <a:spcPts val="0"/>
+              </a:spcBef>
+              <a:spcAft>
+                <a:spcPts val="0"/>
+              </a:spcAft>
+              <a:buSzPts val="1800"/>
+              <a:buChar char="●"/>
+            </a:pPr>
             <a:r>
               <a:rPr lang="en"/>
-              <a:t> </a:t>
-            </a:r>
+              <a:t>In multivariable calculus, the gradient is a vector in the direction of the steepest slope. </a:t>
+            </a:r>
+            <a:br>
+              <a:rPr lang="en"/>
+            </a:br>
             <a:endParaRPr/>
           </a:p>
-        </p:txBody>
-      </p:sp>
+          <a:p>
+            <a:pPr indent="-342900" lvl="0" marL="457200" rtl="0" algn="l">
+              <a:spcBef>
+                <a:spcPts val="0"/>
+              </a:spcBef>
+              <a:spcAft>
+                <a:spcPts val="0"/>
+              </a:spcAft>
+              <a:buSzPts val="1800"/>
+              <a:buChar char="●"/>
+            </a:pPr>
+            <a:r>
+              <a:rPr lang="en"/>
+              <a:t>Imagine</a:t>
+            </a:r>
+            <a:r>
+              <a:rPr lang="en"/>
+              <a:t> our loss </a:t>
+            </a:r>
+            <a:r>
+              <a:rPr lang="en"/>
+              <a:t>function</a:t>
+            </a:r>
+            <a:r>
+              <a:rPr lang="en"/>
+              <a:t> as a curve in a 3D space. If we keep moving in the direction of the gradient, we will reach the minimum loss</a:t>
+            </a:r>
+            <a:endParaRPr/>
+          </a:p>
+        </p:txBody>
+      </p:sp>
+      <p:pic>
+        <p:nvPicPr>
+          <p:cNvPr id="111" name="Google Shape;111;p21"/>
+          <p:cNvPicPr preferRelativeResize="0"/>
+          <p:nvPr/>
+        </p:nvPicPr>
+        <p:blipFill>
+          <a:blip r:embed="rId3">
+            <a:alphaModFix/>
+          </a:blip>
+          <a:stretch>
+            <a:fillRect/>
+          </a:stretch>
+        </p:blipFill>
+        <p:spPr>
+          <a:xfrm>
+            <a:off x="5797325" y="2773925"/>
+            <a:ext cx="2989500" cy="2242125"/>
+          </a:xfrm>
+          <a:prstGeom prst="rect">
+            <a:avLst/>
+          </a:prstGeom>
+          <a:noFill/>
+          <a:ln>
+            <a:noFill/>
+          </a:ln>
+        </p:spPr>
+      </p:pic>
+      <p:pic>
+        <p:nvPicPr>
+          <p:cNvPr id="112" name="Google Shape;112;p21"/>
+          <p:cNvPicPr preferRelativeResize="0"/>
+          <p:nvPr/>
+        </p:nvPicPr>
+        <p:blipFill>
+          <a:blip r:embed="rId4">
+            <a:alphaModFix/>
+          </a:blip>
+          <a:stretch>
+            <a:fillRect/>
+          </a:stretch>
+        </p:blipFill>
+        <p:spPr>
+          <a:xfrm>
+            <a:off x="744325" y="2878200"/>
+            <a:ext cx="3754301" cy="2033574"/>
+          </a:xfrm>
+          <a:prstGeom prst="rect">
+            <a:avLst/>
+          </a:prstGeom>
+          <a:noFill/>
+          <a:ln>
+            <a:noFill/>
+          </a:ln>
+        </p:spPr>
+      </p:pic>
     </p:spTree>
   </p:cSld>
   <p:clrMapOvr>
